--- a/presentations/project1/presentation1_caitlin.pptx
+++ b/presentations/project1/presentation1_caitlin.pptx
@@ -5,29 +5,27 @@
     <p:sldMasterId id="2147483689" r:id="rId1"/>
   </p:sldMasterIdLst>
   <p:notesMasterIdLst>
-    <p:notesMasterId r:id="rId22"/>
+    <p:notesMasterId r:id="rId20"/>
   </p:notesMasterIdLst>
   <p:sldIdLst>
     <p:sldId id="301" r:id="rId2"/>
-    <p:sldId id="260" r:id="rId3"/>
-    <p:sldId id="258" r:id="rId4"/>
+    <p:sldId id="258" r:id="rId3"/>
+    <p:sldId id="314" r:id="rId4"/>
     <p:sldId id="269" r:id="rId5"/>
     <p:sldId id="275" r:id="rId6"/>
-    <p:sldId id="276" r:id="rId7"/>
-    <p:sldId id="277" r:id="rId8"/>
-    <p:sldId id="273" r:id="rId9"/>
-    <p:sldId id="278" r:id="rId10"/>
-    <p:sldId id="280" r:id="rId11"/>
-    <p:sldId id="288" r:id="rId12"/>
-    <p:sldId id="293" r:id="rId13"/>
-    <p:sldId id="298" r:id="rId14"/>
-    <p:sldId id="294" r:id="rId15"/>
-    <p:sldId id="296" r:id="rId16"/>
-    <p:sldId id="299" r:id="rId17"/>
-    <p:sldId id="300" r:id="rId18"/>
-    <p:sldId id="302" r:id="rId19"/>
-    <p:sldId id="303" r:id="rId20"/>
-    <p:sldId id="282" r:id="rId21"/>
+    <p:sldId id="277" r:id="rId7"/>
+    <p:sldId id="309" r:id="rId8"/>
+    <p:sldId id="308" r:id="rId9"/>
+    <p:sldId id="311" r:id="rId10"/>
+    <p:sldId id="312" r:id="rId11"/>
+    <p:sldId id="293" r:id="rId12"/>
+    <p:sldId id="298" r:id="rId13"/>
+    <p:sldId id="294" r:id="rId14"/>
+    <p:sldId id="296" r:id="rId15"/>
+    <p:sldId id="299" r:id="rId16"/>
+    <p:sldId id="315" r:id="rId17"/>
+    <p:sldId id="304" r:id="rId18"/>
+    <p:sldId id="306" r:id="rId19"/>
   </p:sldIdLst>
   <p:sldSz cx="12192000" cy="6858000"/>
   <p:notesSz cx="6858000" cy="9144000"/>
@@ -129,7 +127,7 @@
   <p:extLst>
     <p:ext uri="{EFAFB233-063F-42B5-8137-9DF3F51BA10A}">
       <p15:sldGuideLst xmlns:p15="http://schemas.microsoft.com/office/powerpoint/2012/main">
-        <p15:guide id="1" pos="3817" userDrawn="1">
+        <p15:guide id="1" pos="3840" userDrawn="1">
           <p15:clr>
             <a:srgbClr val="A4A3A4"/>
           </p15:clr>
@@ -227,7 +225,7 @@
           <a:p>
             <a:fld id="{FD88D59F-84DF-0C4A-A564-05F3AC6AA4FC}" type="datetimeFigureOut">
               <a:rPr lang="en-US" smtClean="0"/>
-              <a:t>1/17/2020</a:t>
+              <a:t>1/22/2020</a:t>
             </a:fld>
             <a:endParaRPr lang="en-US"/>
           </a:p>
@@ -539,46 +537,46 @@
           <a:bodyPr/>
           <a:lstStyle/>
           <a:p>
-            <a:pPr marL="0" marR="0" lvl="0" indent="0" algn="l" defTabSz="914400" rtl="0" eaLnBrk="1" fontAlgn="auto" latinLnBrk="0" hangingPunct="1">
-              <a:lnSpc>
-                <a:spcPct val="100000"/>
-              </a:lnSpc>
-              <a:spcBef>
-                <a:spcPts val="0"/>
-              </a:spcBef>
-              <a:spcAft>
-                <a:spcPts val="0"/>
-              </a:spcAft>
-              <a:buClrTx/>
-              <a:buSzTx/>
-              <a:buFontTx/>
-              <a:buNone/>
-              <a:tabLst/>
-              <a:defRPr/>
-            </a:pPr>
-            <a:r>
-              <a:rPr lang="en-GB" dirty="0" smtClean="0"/>
-              <a:t>Procter and Gamble, founded in 1837, is one of the </a:t>
-            </a:r>
-            <a:r>
-              <a:rPr lang="en-GB" baseline="0" dirty="0" smtClean="0"/>
-              <a:t>largest and oldest consumer goods companies world wide. The company owns 105 brands, and specialises in a wide range of health care, home care and hygiene products. In particular, Procter and Gamble are consistently the largest provider of laundry products in the world, of which they have 13 different brands. However, competing companies, such as Unilever, Henkel and Johnson and Johnsons, are constantly working on new formulas, packaging and marketing techniques to make their products stand out. </a:t>
-            </a:r>
-            <a:endParaRPr lang="en-GB" dirty="0" smtClean="0"/>
-          </a:p>
-          <a:p>
-            <a:endParaRPr lang="en-GB" dirty="0" smtClean="0"/>
-          </a:p>
-          <a:p>
-            <a:r>
-              <a:rPr lang="en-GB" dirty="0" smtClean="0"/>
-              <a:t>Site: </a:t>
-            </a:r>
-            <a:r>
-              <a:rPr lang="en-GB" dirty="0" smtClean="0">
-                <a:hlinkClick r:id="rId3"/>
+            <a:pPr lvl="0"/>
+            <a:r>
+              <a:rPr lang="en-GB" sz="1200" kern="1200" dirty="0" smtClean="0">
+                <a:solidFill>
+                  <a:schemeClr val="tx1"/>
+                </a:solidFill>
+                <a:effectLst/>
+                <a:latin typeface="+mn-lt"/>
+                <a:ea typeface="+mn-ea"/>
+                <a:cs typeface="+mn-cs"/>
               </a:rPr>
-              <a:t>https://www.statista.com/statistics/188716/top-liquid-laundry-detergent-brands-in-the-united-states/</a:t>
+              <a:t>Procter and Gamble is one of the oldest and largest consumer goods companies worldwide. The company owns over 100 brands, and specialises in a wide range of health care, home care and hygiene products. In particular, Procter and Gamble is consistently the largest provider of laundry products in the world, of which they have 13 different brands. This figure shows laundry detergent sales in the US in 2018, and you can see clearly that the majority of the best-selling brands are owned by Procter and Gamble. However, people’s buying habits can quickly change and competing companies are constantly working on new formulas, packaging and marketing techniques to make their products stand out. Procter and Gamble must keep up with the competition in order to continue to provide superior laundry products. </a:t>
+            </a:r>
+          </a:p>
+          <a:p>
+            <a:r>
+              <a:rPr lang="en-GB" sz="1200" kern="1200" dirty="0" smtClean="0">
+                <a:solidFill>
+                  <a:schemeClr val="tx1"/>
+                </a:solidFill>
+                <a:effectLst/>
+                <a:latin typeface="+mn-lt"/>
+                <a:ea typeface="+mn-ea"/>
+                <a:cs typeface="+mn-cs"/>
+              </a:rPr>
+              <a:t> </a:t>
+            </a:r>
+          </a:p>
+          <a:p>
+            <a:r>
+              <a:rPr lang="en-GB" sz="1200" kern="1200" dirty="0" smtClean="0">
+                <a:solidFill>
+                  <a:schemeClr val="tx1"/>
+                </a:solidFill>
+                <a:effectLst/>
+                <a:latin typeface="+mn-lt"/>
+                <a:ea typeface="+mn-ea"/>
+                <a:cs typeface="+mn-cs"/>
+              </a:rPr>
+              <a:t>In order to achieve this, it’s essential to analyse the thoughts and opinions of consumers towards the range of products that are available, through the use of targeted consumer surveys. But how can we accurately capture consumer sentiments with survey data? Classic approaches involve statistically modelling the data to spot the overall trends and patterns regarding consumer opinions. Today I’m going to discuss an alternative approach which is capable of capturing a richer set of information than classic methods. </a:t>
             </a:r>
             <a:endParaRPr lang="en-GB" dirty="0"/>
           </a:p>
@@ -666,107 +664,8 @@
           <a:p>
             <a:r>
               <a:rPr lang="en-GB" dirty="0" smtClean="0"/>
-              <a:t>What can we get from the data?</a:t>
-            </a:r>
-          </a:p>
-          <a:p>
-            <a:pPr marL="228600" indent="-228600">
-              <a:buAutoNum type="arabicParenR"/>
-            </a:pPr>
-            <a:r>
-              <a:rPr lang="en-GB" dirty="0" smtClean="0"/>
-              <a:t>Remove </a:t>
-            </a:r>
-            <a:r>
-              <a:rPr lang="en-GB" dirty="0" err="1" smtClean="0"/>
-              <a:t>misfitting</a:t>
-            </a:r>
-            <a:r>
-              <a:rPr lang="en-GB" dirty="0" smtClean="0"/>
-              <a:t> people – people who don’t add any information (different</a:t>
-            </a:r>
-            <a:r>
-              <a:rPr lang="en-GB" baseline="0" dirty="0" smtClean="0"/>
-              <a:t> people were removed from the two types of analyses)</a:t>
-            </a:r>
-            <a:endParaRPr lang="en-GB" dirty="0" smtClean="0"/>
-          </a:p>
-          <a:p>
-            <a:pPr marL="228600" indent="-228600">
-              <a:buAutoNum type="arabicParenR"/>
-            </a:pPr>
-            <a:r>
-              <a:rPr lang="en-GB" dirty="0" smtClean="0"/>
-              <a:t>Remove </a:t>
-            </a:r>
-            <a:r>
-              <a:rPr lang="en-GB" dirty="0" err="1" smtClean="0"/>
-              <a:t>misfitting</a:t>
-            </a:r>
-            <a:r>
-              <a:rPr lang="en-GB" dirty="0" smtClean="0"/>
-              <a:t> items – items that are either redundant and don’t tell us anything, or items that often</a:t>
-            </a:r>
-            <a:r>
-              <a:rPr lang="en-GB" baseline="0" dirty="0" smtClean="0"/>
-              <a:t> have random responses, suggesting that they might be confusing or misleading to the consumer</a:t>
-            </a:r>
-          </a:p>
-          <a:p>
-            <a:pPr marL="228600" indent="-228600">
-              <a:buAutoNum type="arabicParenR"/>
-            </a:pPr>
-            <a:r>
-              <a:rPr lang="en-GB" baseline="0" dirty="0" smtClean="0"/>
-              <a:t>Ordering of item ability – which ones are the easiest and which ones are the most difficult to endorse</a:t>
-            </a:r>
-          </a:p>
-          <a:p>
-            <a:pPr marL="228600" indent="-228600">
-              <a:buAutoNum type="arabicParenR"/>
-            </a:pPr>
-            <a:r>
-              <a:rPr lang="en-GB" baseline="0" dirty="0" smtClean="0"/>
-              <a:t>Person-item distributions – not well targeted for this sample and the statements are generally too easy to endorse</a:t>
-            </a:r>
-          </a:p>
-          <a:p>
-            <a:pPr marL="228600" indent="-228600">
-              <a:buAutoNum type="arabicParenR"/>
-            </a:pPr>
-            <a:r>
-              <a:rPr lang="en-GB" baseline="0" dirty="0" smtClean="0"/>
-              <a:t>Laundry product scores (and other demographics)</a:t>
-            </a:r>
-          </a:p>
-          <a:p>
-            <a:pPr marL="228600" indent="-228600">
-              <a:buAutoNum type="arabicParenR"/>
-            </a:pPr>
-            <a:r>
-              <a:rPr lang="en-GB" baseline="0" dirty="0" smtClean="0"/>
-              <a:t>ANOVA &amp; DIF – laundry products</a:t>
-            </a:r>
-          </a:p>
-          <a:p>
-            <a:pPr marL="228600" indent="-228600">
-              <a:buAutoNum type="arabicParenR"/>
-            </a:pPr>
-            <a:r>
-              <a:rPr lang="en-GB" baseline="0" dirty="0" smtClean="0"/>
-              <a:t>ANOVA &amp; DIF – other demographics</a:t>
-            </a:r>
-          </a:p>
-          <a:p>
-            <a:pPr marL="0" indent="0">
-              <a:buNone/>
-            </a:pPr>
-            <a:endParaRPr lang="en-GB" baseline="0" dirty="0" smtClean="0"/>
-          </a:p>
-          <a:p>
-            <a:pPr marL="0" indent="0">
-              <a:buNone/>
-            </a:pPr>
+              <a:t>Similarly, we are also able to analyse each statement to determine whether or not it fits the model</a:t>
+            </a:r>
             <a:endParaRPr lang="en-GB" dirty="0"/>
           </a:p>
         </p:txBody>
@@ -788,7 +687,7 @@
           <a:p>
             <a:fld id="{59BC607B-BC83-1C44-A501-8F981FF41469}" type="slidenum">
               <a:rPr lang="en-US" smtClean="0"/>
-              <a:t>13</a:t>
+              <a:t>10</a:t>
             </a:fld>
             <a:endParaRPr lang="en-US"/>
           </a:p>
@@ -797,7 +696,7 @@
     </p:spTree>
     <p:extLst>
       <p:ext uri="{BB962C8B-B14F-4D97-AF65-F5344CB8AC3E}">
-        <p14:creationId xmlns:p14="http://schemas.microsoft.com/office/powerpoint/2010/main" val="2655526468"/>
+        <p14:creationId xmlns:p14="http://schemas.microsoft.com/office/powerpoint/2010/main" val="1095497418"/>
       </p:ext>
     </p:extLst>
   </p:cSld>
@@ -851,104 +750,51 @@
           <a:bodyPr/>
           <a:lstStyle/>
           <a:p>
+            <a:pPr marL="0" marR="0" lvl="0" indent="0" algn="l" defTabSz="914400" rtl="0" eaLnBrk="1" fontAlgn="auto" latinLnBrk="0" hangingPunct="1">
+              <a:lnSpc>
+                <a:spcPct val="100000"/>
+              </a:lnSpc>
+              <a:spcBef>
+                <a:spcPts val="0"/>
+              </a:spcBef>
+              <a:spcAft>
+                <a:spcPts val="0"/>
+              </a:spcAft>
+              <a:buClrTx/>
+              <a:buSzTx/>
+              <a:buFontTx/>
+              <a:buNone/>
+              <a:tabLst/>
+              <a:defRPr/>
+            </a:pPr>
             <a:r>
               <a:rPr lang="en-GB" dirty="0" smtClean="0"/>
-              <a:t>What can we get from the data?</a:t>
-            </a:r>
-          </a:p>
-          <a:p>
-            <a:pPr marL="228600" indent="-228600">
-              <a:buAutoNum type="arabicParenR"/>
+              <a:t>A</a:t>
+            </a:r>
+            <a:r>
+              <a:rPr lang="en-GB" baseline="0" dirty="0" smtClean="0"/>
+              <a:t> significant item fit residual can tell us if a statement is redundant – so it doesn’t tell us any new information, or whether a statement is measuring something else other than the latent variable of interest.</a:t>
+            </a:r>
+          </a:p>
+          <a:p>
+            <a:pPr marL="0" marR="0" lvl="0" indent="0" algn="l" defTabSz="914400" rtl="0" eaLnBrk="1" fontAlgn="auto" latinLnBrk="0" hangingPunct="1">
+              <a:lnSpc>
+                <a:spcPct val="100000"/>
+              </a:lnSpc>
+              <a:spcBef>
+                <a:spcPts val="0"/>
+              </a:spcBef>
+              <a:spcAft>
+                <a:spcPts val="0"/>
+              </a:spcAft>
+              <a:buClrTx/>
+              <a:buSzTx/>
+              <a:buFontTx/>
+              <a:buNone/>
+              <a:tabLst/>
+              <a:defRPr/>
             </a:pPr>
-            <a:r>
-              <a:rPr lang="en-GB" dirty="0" smtClean="0"/>
-              <a:t>Remove </a:t>
-            </a:r>
-            <a:r>
-              <a:rPr lang="en-GB" dirty="0" err="1" smtClean="0"/>
-              <a:t>misfitting</a:t>
-            </a:r>
-            <a:r>
-              <a:rPr lang="en-GB" dirty="0" smtClean="0"/>
-              <a:t> people – people who don’t add any information (different</a:t>
-            </a:r>
-            <a:r>
-              <a:rPr lang="en-GB" baseline="0" dirty="0" smtClean="0"/>
-              <a:t> people were removed from the two types of analyses)</a:t>
-            </a:r>
             <a:endParaRPr lang="en-GB" dirty="0" smtClean="0"/>
-          </a:p>
-          <a:p>
-            <a:pPr marL="228600" indent="-228600">
-              <a:buAutoNum type="arabicParenR"/>
-            </a:pPr>
-            <a:r>
-              <a:rPr lang="en-GB" dirty="0" smtClean="0"/>
-              <a:t>Remove </a:t>
-            </a:r>
-            <a:r>
-              <a:rPr lang="en-GB" dirty="0" err="1" smtClean="0"/>
-              <a:t>misfitting</a:t>
-            </a:r>
-            <a:r>
-              <a:rPr lang="en-GB" dirty="0" smtClean="0"/>
-              <a:t> items – items that are either redundant and don’t tell us anything, or items that often</a:t>
-            </a:r>
-            <a:r>
-              <a:rPr lang="en-GB" baseline="0" dirty="0" smtClean="0"/>
-              <a:t> have random responses, suggesting that they might be confusing or misleading to the consumer</a:t>
-            </a:r>
-          </a:p>
-          <a:p>
-            <a:pPr marL="228600" indent="-228600">
-              <a:buAutoNum type="arabicParenR"/>
-            </a:pPr>
-            <a:r>
-              <a:rPr lang="en-GB" baseline="0" dirty="0" smtClean="0"/>
-              <a:t>Ordering of item ability – which ones are the easiest and which ones are the most difficult to endorse</a:t>
-            </a:r>
-          </a:p>
-          <a:p>
-            <a:pPr marL="228600" indent="-228600">
-              <a:buAutoNum type="arabicParenR"/>
-            </a:pPr>
-            <a:r>
-              <a:rPr lang="en-GB" baseline="0" dirty="0" smtClean="0"/>
-              <a:t>Person-item distributions – not well targeted for this sample and the statements are generally too easy to endorse</a:t>
-            </a:r>
-          </a:p>
-          <a:p>
-            <a:pPr marL="228600" indent="-228600">
-              <a:buAutoNum type="arabicParenR"/>
-            </a:pPr>
-            <a:r>
-              <a:rPr lang="en-GB" baseline="0" dirty="0" smtClean="0"/>
-              <a:t>Laundry product scores (and other demographics)</a:t>
-            </a:r>
-          </a:p>
-          <a:p>
-            <a:pPr marL="228600" indent="-228600">
-              <a:buAutoNum type="arabicParenR"/>
-            </a:pPr>
-            <a:r>
-              <a:rPr lang="en-GB" baseline="0" dirty="0" smtClean="0"/>
-              <a:t>ANOVA &amp; DIF – laundry products</a:t>
-            </a:r>
-          </a:p>
-          <a:p>
-            <a:pPr marL="228600" indent="-228600">
-              <a:buAutoNum type="arabicParenR"/>
-            </a:pPr>
-            <a:r>
-              <a:rPr lang="en-GB" baseline="0" dirty="0" smtClean="0"/>
-              <a:t>ANOVA &amp; DIF – other demographics</a:t>
-            </a:r>
-          </a:p>
-          <a:p>
-            <a:pPr marL="0" indent="0">
-              <a:buNone/>
-            </a:pPr>
-            <a:endParaRPr lang="en-GB" baseline="0" dirty="0" smtClean="0"/>
           </a:p>
           <a:p>
             <a:pPr marL="0" indent="0">
@@ -975,7 +821,7 @@
           <a:p>
             <a:fld id="{59BC607B-BC83-1C44-A501-8F981FF41469}" type="slidenum">
               <a:rPr lang="en-US" smtClean="0"/>
-              <a:t>14</a:t>
+              <a:t>11</a:t>
             </a:fld>
             <a:endParaRPr lang="en-US"/>
           </a:p>
@@ -984,7 +830,7 @@
     </p:spTree>
     <p:extLst>
       <p:ext uri="{BB962C8B-B14F-4D97-AF65-F5344CB8AC3E}">
-        <p14:creationId xmlns:p14="http://schemas.microsoft.com/office/powerpoint/2010/main" val="953874722"/>
+        <p14:creationId xmlns:p14="http://schemas.microsoft.com/office/powerpoint/2010/main" val="924401340"/>
       </p:ext>
     </p:extLst>
   </p:cSld>
@@ -1038,104 +884,28 @@
           <a:bodyPr/>
           <a:lstStyle/>
           <a:p>
-            <a:r>
-              <a:rPr lang="en-GB" dirty="0" smtClean="0"/>
-              <a:t>What can we get from the data?</a:t>
-            </a:r>
-          </a:p>
-          <a:p>
-            <a:pPr marL="228600" indent="-228600">
-              <a:buAutoNum type="arabicParenR"/>
+            <a:pPr marL="0" marR="0" lvl="0" indent="0" algn="l" defTabSz="914400" rtl="0" eaLnBrk="1" fontAlgn="auto" latinLnBrk="0" hangingPunct="1">
+              <a:lnSpc>
+                <a:spcPct val="100000"/>
+              </a:lnSpc>
+              <a:spcBef>
+                <a:spcPts val="0"/>
+              </a:spcBef>
+              <a:spcAft>
+                <a:spcPts val="0"/>
+              </a:spcAft>
+              <a:buClrTx/>
+              <a:buSzTx/>
+              <a:buFontTx/>
+              <a:buNone/>
+              <a:tabLst/>
+              <a:defRPr/>
             </a:pPr>
             <a:r>
-              <a:rPr lang="en-GB" dirty="0" smtClean="0"/>
-              <a:t>Remove </a:t>
-            </a:r>
-            <a:r>
-              <a:rPr lang="en-GB" dirty="0" err="1" smtClean="0"/>
-              <a:t>misfitting</a:t>
-            </a:r>
-            <a:r>
-              <a:rPr lang="en-GB" dirty="0" smtClean="0"/>
-              <a:t> people – people who don’t add any information (different</a:t>
-            </a:r>
-            <a:r>
               <a:rPr lang="en-GB" baseline="0" dirty="0" smtClean="0"/>
-              <a:t> people were removed from the two types of analyses)</a:t>
+              <a:t>Once we have identified which items don’t fit the model, these can then be removed and we are able to analyse the remaining items and people that do fit the model. </a:t>
             </a:r>
             <a:endParaRPr lang="en-GB" dirty="0" smtClean="0"/>
-          </a:p>
-          <a:p>
-            <a:pPr marL="228600" indent="-228600">
-              <a:buAutoNum type="arabicParenR"/>
-            </a:pPr>
-            <a:r>
-              <a:rPr lang="en-GB" dirty="0" smtClean="0"/>
-              <a:t>Remove </a:t>
-            </a:r>
-            <a:r>
-              <a:rPr lang="en-GB" dirty="0" err="1" smtClean="0"/>
-              <a:t>misfitting</a:t>
-            </a:r>
-            <a:r>
-              <a:rPr lang="en-GB" dirty="0" smtClean="0"/>
-              <a:t> items – items that are either redundant and don’t tell us anything, or items that often</a:t>
-            </a:r>
-            <a:r>
-              <a:rPr lang="en-GB" baseline="0" dirty="0" smtClean="0"/>
-              <a:t> have random responses, suggesting that they might be confusing or misleading to the consumer</a:t>
-            </a:r>
-          </a:p>
-          <a:p>
-            <a:pPr marL="228600" indent="-228600">
-              <a:buAutoNum type="arabicParenR"/>
-            </a:pPr>
-            <a:r>
-              <a:rPr lang="en-GB" baseline="0" dirty="0" smtClean="0"/>
-              <a:t>Ordering of item ability – which ones are the easiest and which ones are the most difficult to endorse</a:t>
-            </a:r>
-          </a:p>
-          <a:p>
-            <a:pPr marL="228600" indent="-228600">
-              <a:buAutoNum type="arabicParenR"/>
-            </a:pPr>
-            <a:r>
-              <a:rPr lang="en-GB" baseline="0" dirty="0" smtClean="0"/>
-              <a:t>Person-item distributions – not well targeted for this sample and the statements are generally too easy to endorse</a:t>
-            </a:r>
-          </a:p>
-          <a:p>
-            <a:pPr marL="228600" indent="-228600">
-              <a:buAutoNum type="arabicParenR"/>
-            </a:pPr>
-            <a:r>
-              <a:rPr lang="en-GB" baseline="0" dirty="0" smtClean="0"/>
-              <a:t>Laundry product scores (and other demographics)</a:t>
-            </a:r>
-          </a:p>
-          <a:p>
-            <a:pPr marL="228600" indent="-228600">
-              <a:buAutoNum type="arabicParenR"/>
-            </a:pPr>
-            <a:r>
-              <a:rPr lang="en-GB" baseline="0" dirty="0" smtClean="0"/>
-              <a:t>ANOVA &amp; DIF – laundry products</a:t>
-            </a:r>
-          </a:p>
-          <a:p>
-            <a:pPr marL="228600" indent="-228600">
-              <a:buAutoNum type="arabicParenR"/>
-            </a:pPr>
-            <a:r>
-              <a:rPr lang="en-GB" baseline="0" dirty="0" smtClean="0"/>
-              <a:t>ANOVA &amp; DIF – other demographics</a:t>
-            </a:r>
-          </a:p>
-          <a:p>
-            <a:pPr marL="0" indent="0">
-              <a:buNone/>
-            </a:pPr>
-            <a:endParaRPr lang="en-GB" baseline="0" dirty="0" smtClean="0"/>
           </a:p>
           <a:p>
             <a:pPr marL="0" indent="0">
@@ -1162,7 +932,7 @@
           <a:p>
             <a:fld id="{59BC607B-BC83-1C44-A501-8F981FF41469}" type="slidenum">
               <a:rPr lang="en-US" smtClean="0"/>
-              <a:t>15</a:t>
+              <a:t>12</a:t>
             </a:fld>
             <a:endParaRPr lang="en-US"/>
           </a:p>
@@ -1171,7 +941,7 @@
     </p:spTree>
     <p:extLst>
       <p:ext uri="{BB962C8B-B14F-4D97-AF65-F5344CB8AC3E}">
-        <p14:creationId xmlns:p14="http://schemas.microsoft.com/office/powerpoint/2010/main" val="3365810661"/>
+        <p14:creationId xmlns:p14="http://schemas.microsoft.com/office/powerpoint/2010/main" val="2655526468"/>
       </p:ext>
     </p:extLst>
   </p:cSld>
@@ -1225,103 +995,33 @@
           <a:bodyPr/>
           <a:lstStyle/>
           <a:p>
-            <a:r>
-              <a:rPr lang="en-GB" dirty="0" smtClean="0"/>
-              <a:t>What can we get from the data?</a:t>
-            </a:r>
-          </a:p>
-          <a:p>
-            <a:pPr marL="228600" indent="-228600">
-              <a:buAutoNum type="arabicParenR"/>
-            </a:pPr>
-            <a:r>
-              <a:rPr lang="en-GB" dirty="0" smtClean="0"/>
-              <a:t>Remove </a:t>
-            </a:r>
-            <a:r>
-              <a:rPr lang="en-GB" dirty="0" err="1" smtClean="0"/>
-              <a:t>misfitting</a:t>
-            </a:r>
-            <a:r>
-              <a:rPr lang="en-GB" dirty="0" smtClean="0"/>
-              <a:t> people – people who don’t add any information (different</a:t>
-            </a:r>
-            <a:r>
-              <a:rPr lang="en-GB" baseline="0" dirty="0" smtClean="0"/>
-              <a:t> people were removed from the two types of analyses)</a:t>
-            </a:r>
-            <a:endParaRPr lang="en-GB" dirty="0" smtClean="0"/>
-          </a:p>
-          <a:p>
-            <a:pPr marL="228600" indent="-228600">
-              <a:buAutoNum type="arabicParenR"/>
-            </a:pPr>
-            <a:r>
-              <a:rPr lang="en-GB" dirty="0" smtClean="0"/>
-              <a:t>Remove </a:t>
-            </a:r>
-            <a:r>
-              <a:rPr lang="en-GB" dirty="0" err="1" smtClean="0"/>
-              <a:t>misfitting</a:t>
-            </a:r>
-            <a:r>
-              <a:rPr lang="en-GB" dirty="0" smtClean="0"/>
-              <a:t> items – items that are either redundant and don’t tell us anything, or items that often</a:t>
-            </a:r>
-            <a:r>
-              <a:rPr lang="en-GB" baseline="0" dirty="0" smtClean="0"/>
-              <a:t> have random responses, suggesting that they might be confusing or misleading to the consumer</a:t>
-            </a:r>
-          </a:p>
-          <a:p>
-            <a:pPr marL="228600" indent="-228600">
-              <a:buAutoNum type="arabicParenR"/>
-            </a:pPr>
-            <a:r>
-              <a:rPr lang="en-GB" baseline="0" dirty="0" smtClean="0"/>
-              <a:t>Ordering of item ability – which ones are the easiest and which ones are the most difficult to endorse</a:t>
-            </a:r>
-          </a:p>
-          <a:p>
-            <a:pPr marL="228600" indent="-228600">
-              <a:buAutoNum type="arabicParenR"/>
-            </a:pPr>
-            <a:r>
-              <a:rPr lang="en-GB" baseline="0" dirty="0" smtClean="0"/>
-              <a:t>Person-item distributions – not well targeted for this sample and the statements are generally too easy to endorse</a:t>
-            </a:r>
-          </a:p>
-          <a:p>
-            <a:pPr marL="228600" indent="-228600">
-              <a:buAutoNum type="arabicParenR"/>
-            </a:pPr>
-            <a:r>
-              <a:rPr lang="en-GB" baseline="0" dirty="0" smtClean="0"/>
-              <a:t>Laundry product scores (and other demographics)</a:t>
-            </a:r>
-          </a:p>
-          <a:p>
-            <a:pPr marL="228600" indent="-228600">
-              <a:buAutoNum type="arabicParenR"/>
-            </a:pPr>
-            <a:r>
-              <a:rPr lang="en-GB" baseline="0" dirty="0" smtClean="0"/>
-              <a:t>ANOVA &amp; DIF – laundry products</a:t>
-            </a:r>
-          </a:p>
-          <a:p>
-            <a:pPr marL="228600" indent="-228600">
-              <a:buAutoNum type="arabicParenR"/>
-            </a:pPr>
-            <a:r>
-              <a:rPr lang="en-GB" baseline="0" dirty="0" smtClean="0"/>
-              <a:t>ANOVA &amp; DIF – other demographics</a:t>
-            </a:r>
-          </a:p>
-          <a:p>
             <a:pPr marL="0" indent="0">
               <a:buNone/>
             </a:pPr>
+            <a:r>
+              <a:rPr lang="en-GB" baseline="0" dirty="0" smtClean="0"/>
+              <a:t>Once our data does fit the </a:t>
+            </a:r>
+            <a:r>
+              <a:rPr lang="en-GB" baseline="0" dirty="0" err="1" smtClean="0"/>
+              <a:t>Rasch</a:t>
+            </a:r>
+            <a:r>
+              <a:rPr lang="en-GB" baseline="0" dirty="0" smtClean="0"/>
+              <a:t> model we are then able to analyse the remaining people and items. </a:t>
+            </a:r>
+            <a:r>
+              <a:rPr lang="en-GB" sz="1200" kern="1200" dirty="0" smtClean="0">
+                <a:solidFill>
+                  <a:schemeClr val="tx1"/>
+                </a:solidFill>
+                <a:effectLst/>
+                <a:latin typeface="+mn-lt"/>
+                <a:ea typeface="+mn-ea"/>
+                <a:cs typeface="+mn-cs"/>
+              </a:rPr>
+              <a:t>Looking at the ordering of item difficulties, we can determine which items the consumers find easiest to endorse. </a:t>
+            </a:r>
             <a:endParaRPr lang="en-GB" baseline="0" dirty="0" smtClean="0"/>
           </a:p>
           <a:p>
@@ -1349,7 +1049,7 @@
           <a:p>
             <a:fld id="{59BC607B-BC83-1C44-A501-8F981FF41469}" type="slidenum">
               <a:rPr lang="en-US" smtClean="0"/>
-              <a:t>16</a:t>
+              <a:t>13</a:t>
             </a:fld>
             <a:endParaRPr lang="en-US"/>
           </a:p>
@@ -1358,7 +1058,7 @@
     </p:spTree>
     <p:extLst>
       <p:ext uri="{BB962C8B-B14F-4D97-AF65-F5344CB8AC3E}">
-        <p14:creationId xmlns:p14="http://schemas.microsoft.com/office/powerpoint/2010/main" val="1128063693"/>
+        <p14:creationId xmlns:p14="http://schemas.microsoft.com/office/powerpoint/2010/main" val="953874722"/>
       </p:ext>
     </p:extLst>
   </p:cSld>
@@ -1412,6 +1112,40 @@
           <a:bodyPr/>
           <a:lstStyle/>
           <a:p>
+            <a:pPr marL="0" marR="0" lvl="0" indent="0" algn="l" defTabSz="914400" rtl="0" eaLnBrk="1" fontAlgn="auto" latinLnBrk="0" hangingPunct="1">
+              <a:lnSpc>
+                <a:spcPct val="100000"/>
+              </a:lnSpc>
+              <a:spcBef>
+                <a:spcPts val="0"/>
+              </a:spcBef>
+              <a:spcAft>
+                <a:spcPts val="0"/>
+              </a:spcAft>
+              <a:buClrTx/>
+              <a:buSzTx/>
+              <a:buFontTx/>
+              <a:buNone/>
+              <a:tabLst/>
+              <a:defRPr/>
+            </a:pPr>
+            <a:r>
+              <a:rPr lang="en-GB" sz="1200" kern="1200" dirty="0" smtClean="0">
+                <a:solidFill>
+                  <a:schemeClr val="tx1"/>
+                </a:solidFill>
+                <a:effectLst/>
+                <a:latin typeface="+mn-lt"/>
+                <a:ea typeface="+mn-ea"/>
+                <a:cs typeface="+mn-cs"/>
+              </a:rPr>
+              <a:t>Here the items have been re-ordered in terms of their difficulty, and we can see that item 9 – this product is excellent at removing bad odours – is the easiest item, which translates as the statement that is most likely to be endorsed overall. Item 3 – this product is excellent at removing tough stains – is the most difficult item and therefore the least likely to be endorsed. This information suggests that overall the consumers are most satisfied with the performance of their laundry product in terms of removing bad odours, and least satisfied with its ability to remove tough stains. </a:t>
+            </a:r>
+          </a:p>
+          <a:p>
+            <a:pPr marL="0" indent="0">
+              <a:buNone/>
+            </a:pPr>
             <a:endParaRPr lang="en-GB" dirty="0"/>
           </a:p>
         </p:txBody>
@@ -1433,7 +1167,7 @@
           <a:p>
             <a:fld id="{59BC607B-BC83-1C44-A501-8F981FF41469}" type="slidenum">
               <a:rPr lang="en-US" smtClean="0"/>
-              <a:t>17</a:t>
+              <a:t>14</a:t>
             </a:fld>
             <a:endParaRPr lang="en-US"/>
           </a:p>
@@ -1442,7 +1176,7 @@
     </p:spTree>
     <p:extLst>
       <p:ext uri="{BB962C8B-B14F-4D97-AF65-F5344CB8AC3E}">
-        <p14:creationId xmlns:p14="http://schemas.microsoft.com/office/powerpoint/2010/main" val="800920091"/>
+        <p14:creationId xmlns:p14="http://schemas.microsoft.com/office/powerpoint/2010/main" val="3365810661"/>
       </p:ext>
     </p:extLst>
   </p:cSld>
@@ -1496,6 +1230,51 @@
           <a:bodyPr/>
           <a:lstStyle/>
           <a:p>
+            <a:pPr marL="0" marR="0" lvl="0" indent="0" algn="l" defTabSz="914400" rtl="0" eaLnBrk="1" fontAlgn="auto" latinLnBrk="0" hangingPunct="1">
+              <a:lnSpc>
+                <a:spcPct val="100000"/>
+              </a:lnSpc>
+              <a:spcBef>
+                <a:spcPts val="0"/>
+              </a:spcBef>
+              <a:spcAft>
+                <a:spcPts val="0"/>
+              </a:spcAft>
+              <a:buClrTx/>
+              <a:buSzTx/>
+              <a:buFontTx/>
+              <a:buNone/>
+              <a:tabLst/>
+              <a:defRPr/>
+            </a:pPr>
+            <a:r>
+              <a:rPr lang="en-GB" sz="1200" kern="1200" dirty="0" smtClean="0">
+                <a:solidFill>
+                  <a:schemeClr val="tx1"/>
+                </a:solidFill>
+                <a:effectLst/>
+                <a:latin typeface="+mn-lt"/>
+                <a:ea typeface="+mn-ea"/>
+                <a:cs typeface="+mn-cs"/>
+              </a:rPr>
+              <a:t>Here the items have been re-ordered in terms of their difficulty, and we can see that item 9 – this product is excellent at removing bad odours – is the easiest item, which translates as the statement that is most likely to be endorsed overall. Item 3 – this product is excellent at removing tough stains – is the most difficult item and therefore the least likely to be endorsed. This information suggests that overall the consumers are most satisfied with the performance of their laundry product in terms of removing bad odours, and least satisfied with its ability to remove tough stains. </a:t>
+            </a:r>
+            <a:endParaRPr lang="en-GB" baseline="0" dirty="0" smtClean="0"/>
+          </a:p>
+          <a:p>
+            <a:pPr marL="0" indent="0">
+              <a:buNone/>
+            </a:pPr>
+            <a:endParaRPr lang="en-GB" baseline="0" dirty="0" smtClean="0"/>
+          </a:p>
+          <a:p>
+            <a:pPr marL="0" indent="0">
+              <a:buNone/>
+            </a:pPr>
+            <a:r>
+              <a:rPr lang="en-GB" baseline="0" dirty="0" smtClean="0"/>
+              <a:t>In addition to information about the people and the statements, we can extract further information regarding the attitudes towards specific products and brands.</a:t>
+            </a:r>
             <a:endParaRPr lang="en-GB" dirty="0"/>
           </a:p>
         </p:txBody>
@@ -1517,7 +1296,7 @@
           <a:p>
             <a:fld id="{59BC607B-BC83-1C44-A501-8F981FF41469}" type="slidenum">
               <a:rPr lang="en-US" smtClean="0"/>
-              <a:t>18</a:t>
+              <a:t>15</a:t>
             </a:fld>
             <a:endParaRPr lang="en-US"/>
           </a:p>
@@ -1526,7 +1305,7 @@
     </p:spTree>
     <p:extLst>
       <p:ext uri="{BB962C8B-B14F-4D97-AF65-F5344CB8AC3E}">
-        <p14:creationId xmlns:p14="http://schemas.microsoft.com/office/powerpoint/2010/main" val="2346117136"/>
+        <p14:creationId xmlns:p14="http://schemas.microsoft.com/office/powerpoint/2010/main" val="1128063693"/>
       </p:ext>
     </p:extLst>
   </p:cSld>
@@ -1580,7 +1359,62 @@
           <a:bodyPr/>
           <a:lstStyle/>
           <a:p>
-            <a:endParaRPr lang="en-GB" dirty="0"/>
+            <a:pPr marL="0" marR="0" lvl="0" indent="0" algn="l" defTabSz="914400" rtl="0" eaLnBrk="1" fontAlgn="auto" latinLnBrk="0" hangingPunct="1">
+              <a:lnSpc>
+                <a:spcPct val="100000"/>
+              </a:lnSpc>
+              <a:spcBef>
+                <a:spcPts val="0"/>
+              </a:spcBef>
+              <a:spcAft>
+                <a:spcPts val="0"/>
+              </a:spcAft>
+              <a:buClrTx/>
+              <a:buSzTx/>
+              <a:buFontTx/>
+              <a:buNone/>
+              <a:tabLst/>
+              <a:defRPr/>
+            </a:pPr>
+            <a:r>
+              <a:rPr lang="en-GB" sz="1200" kern="1200" dirty="0" smtClean="0">
+                <a:solidFill>
+                  <a:schemeClr val="tx1"/>
+                </a:solidFill>
+                <a:effectLst/>
+                <a:latin typeface="+mn-lt"/>
+                <a:ea typeface="+mn-ea"/>
+                <a:cs typeface="+mn-cs"/>
+              </a:rPr>
+              <a:t>As we know which product each participant is rating, we can include that product as additional information in the </a:t>
+            </a:r>
+            <a:r>
+              <a:rPr lang="en-GB" sz="1200" kern="1200" dirty="0" err="1" smtClean="0">
+                <a:solidFill>
+                  <a:schemeClr val="tx1"/>
+                </a:solidFill>
+                <a:effectLst/>
+                <a:latin typeface="+mn-lt"/>
+                <a:ea typeface="+mn-ea"/>
+                <a:cs typeface="+mn-cs"/>
+              </a:rPr>
+              <a:t>Rasch</a:t>
+            </a:r>
+            <a:r>
+              <a:rPr lang="en-GB" sz="1200" kern="1200" dirty="0" smtClean="0">
+                <a:solidFill>
+                  <a:schemeClr val="tx1"/>
+                </a:solidFill>
+                <a:effectLst/>
+                <a:latin typeface="+mn-lt"/>
+                <a:ea typeface="+mn-ea"/>
+                <a:cs typeface="+mn-cs"/>
+              </a:rPr>
+              <a:t> model. We are then able to conduct a two-way analysis of variance for every item and compare the different scores across each product, to see if there is any significant variation in how people who use the different products react to each item. One item in which we have found significant response variation is statement number 8 – this product gives a good level of suds throughout the wash. </a:t>
+            </a:r>
+          </a:p>
+          <a:p>
+            <a:endParaRPr lang="en-GB" dirty="0" smtClean="0"/>
           </a:p>
         </p:txBody>
       </p:sp>
@@ -1601,7 +1435,7 @@
           <a:p>
             <a:fld id="{59BC607B-BC83-1C44-A501-8F981FF41469}" type="slidenum">
               <a:rPr lang="en-US" smtClean="0"/>
-              <a:t>19</a:t>
+              <a:t>16</a:t>
             </a:fld>
             <a:endParaRPr lang="en-US"/>
           </a:p>
@@ -1610,7 +1444,7 @@
     </p:spTree>
     <p:extLst>
       <p:ext uri="{BB962C8B-B14F-4D97-AF65-F5344CB8AC3E}">
-        <p14:creationId xmlns:p14="http://schemas.microsoft.com/office/powerpoint/2010/main" val="1518219088"/>
+        <p14:creationId xmlns:p14="http://schemas.microsoft.com/office/powerpoint/2010/main" val="1818381412"/>
       </p:ext>
     </p:extLst>
   </p:cSld>
@@ -1665,40 +1499,44 @@
           <a:lstStyle/>
           <a:p>
             <a:r>
-              <a:rPr lang="en-GB" dirty="0" smtClean="0"/>
-              <a:t>To-do:</a:t>
-            </a:r>
-          </a:p>
-          <a:p>
-            <a:r>
-              <a:rPr lang="en-GB" dirty="0" smtClean="0"/>
-              <a:t>Difference</a:t>
-            </a:r>
-            <a:r>
-              <a:rPr lang="en-GB" baseline="0" dirty="0" smtClean="0"/>
-              <a:t> between item response theory and </a:t>
-            </a:r>
-            <a:r>
-              <a:rPr lang="en-GB" baseline="0" dirty="0" err="1" smtClean="0"/>
-              <a:t>Rasch</a:t>
-            </a:r>
-            <a:r>
-              <a:rPr lang="en-GB" baseline="0" dirty="0" smtClean="0"/>
-              <a:t> – why do some people distinguish themselves from IRT</a:t>
-            </a:r>
-          </a:p>
-          <a:p>
-            <a:r>
-              <a:rPr lang="en-GB" baseline="0" dirty="0" smtClean="0"/>
-              <a:t>How the item difficulties </a:t>
-            </a:r>
-            <a:r>
-              <a:rPr lang="en-GB" baseline="0" dirty="0" err="1" smtClean="0"/>
-              <a:t>etc</a:t>
-            </a:r>
-            <a:r>
-              <a:rPr lang="en-GB" baseline="0" dirty="0" smtClean="0"/>
-              <a:t> are calculated – maximum likelihood method</a:t>
+              <a:rPr lang="en-GB" sz="1200" kern="1200" dirty="0" smtClean="0">
+                <a:solidFill>
+                  <a:schemeClr val="tx1"/>
+                </a:solidFill>
+                <a:effectLst/>
+                <a:latin typeface="+mn-lt"/>
+                <a:ea typeface="+mn-ea"/>
+                <a:cs typeface="+mn-cs"/>
+              </a:rPr>
+              <a:t>Shown here on the horizontal axis is the person ability, where a higher location corresponds to a higher likelihood of product endorsement. On the vertical axis is the expected score for item 8, where a higher score corresponds to a more positive response to this item. Plotted are the results for 2 out of the 10 different laundry products.</a:t>
+            </a:r>
+          </a:p>
+          <a:p>
+            <a:r>
+              <a:rPr lang="en-GB" sz="1200" kern="1200" dirty="0" smtClean="0">
+                <a:solidFill>
+                  <a:schemeClr val="tx1"/>
+                </a:solidFill>
+                <a:effectLst/>
+                <a:latin typeface="+mn-lt"/>
+                <a:ea typeface="+mn-ea"/>
+                <a:cs typeface="+mn-cs"/>
+              </a:rPr>
+              <a:t> </a:t>
+            </a:r>
+          </a:p>
+          <a:p>
+            <a:r>
+              <a:rPr lang="en-GB" sz="1200" kern="1200" dirty="0" smtClean="0">
+                <a:solidFill>
+                  <a:schemeClr val="tx1"/>
+                </a:solidFill>
+                <a:effectLst/>
+                <a:latin typeface="+mn-lt"/>
+                <a:ea typeface="+mn-ea"/>
+                <a:cs typeface="+mn-cs"/>
+              </a:rPr>
+              <a:t>We can see that product 2, corresponding to the orange line, is located significantly higher than the blue line representing product 1. This means that people who use product 2 generally have a higher score for item 8 than people who use product 1, who have the same location on the logit scale. This tells us that regardless of how likely a person is to endorse their usual laundry product overall, product 1 is considerably less popular than product 2 in terms of the suds experience of the consumer. Such information is really valuable in terms of finding specific areas for improvement in the product development process.  </a:t>
             </a:r>
           </a:p>
           <a:p>
@@ -1723,7 +1561,7 @@
           <a:p>
             <a:fld id="{59BC607B-BC83-1C44-A501-8F981FF41469}" type="slidenum">
               <a:rPr lang="en-US" smtClean="0"/>
-              <a:t>20</a:t>
+              <a:t>17</a:t>
             </a:fld>
             <a:endParaRPr lang="en-US"/>
           </a:p>
@@ -1732,7 +1570,450 @@
     </p:spTree>
     <p:extLst>
       <p:ext uri="{BB962C8B-B14F-4D97-AF65-F5344CB8AC3E}">
-        <p14:creationId xmlns:p14="http://schemas.microsoft.com/office/powerpoint/2010/main" val="1192606247"/>
+        <p14:creationId xmlns:p14="http://schemas.microsoft.com/office/powerpoint/2010/main" val="1881673735"/>
+      </p:ext>
+    </p:extLst>
+  </p:cSld>
+  <p:clrMapOvr>
+    <a:masterClrMapping/>
+  </p:clrMapOvr>
+</p:notes>
+</file>
+
+<file path=ppt/notesSlides/notesSlide18.xml><?xml version="1.0" encoding="utf-8"?>
+<p:notes xmlns:a="http://schemas.openxmlformats.org/drawingml/2006/main" xmlns:r="http://schemas.openxmlformats.org/officeDocument/2006/relationships" xmlns:p="http://schemas.openxmlformats.org/presentationml/2006/main">
+  <p:cSld>
+    <p:spTree>
+      <p:nvGrpSpPr>
+        <p:cNvPr id="1" name=""/>
+        <p:cNvGrpSpPr/>
+        <p:nvPr/>
+      </p:nvGrpSpPr>
+      <p:grpSpPr>
+        <a:xfrm>
+          <a:off x="0" y="0"/>
+          <a:ext cx="0" cy="0"/>
+          <a:chOff x="0" y="0"/>
+          <a:chExt cx="0" cy="0"/>
+        </a:xfrm>
+      </p:grpSpPr>
+      <p:sp>
+        <p:nvSpPr>
+          <p:cNvPr id="2" name="Slide Image Placeholder 1"/>
+          <p:cNvSpPr>
+            <a:spLocks noGrp="1" noRot="1" noChangeAspect="1"/>
+          </p:cNvSpPr>
+          <p:nvPr>
+            <p:ph type="sldImg"/>
+          </p:nvPr>
+        </p:nvSpPr>
+        <p:spPr/>
+      </p:sp>
+      <p:sp>
+        <p:nvSpPr>
+          <p:cNvPr id="3" name="Notes Placeholder 2"/>
+          <p:cNvSpPr>
+            <a:spLocks noGrp="1"/>
+          </p:cNvSpPr>
+          <p:nvPr>
+            <p:ph type="body" idx="1"/>
+          </p:nvPr>
+        </p:nvSpPr>
+        <p:spPr/>
+        <p:txBody>
+          <a:bodyPr/>
+          <a:lstStyle/>
+          <a:p>
+            <a:pPr marL="0" marR="0" lvl="0" indent="0" algn="l" defTabSz="914400" rtl="0" eaLnBrk="1" fontAlgn="auto" latinLnBrk="0" hangingPunct="1">
+              <a:lnSpc>
+                <a:spcPct val="100000"/>
+              </a:lnSpc>
+              <a:spcBef>
+                <a:spcPts val="0"/>
+              </a:spcBef>
+              <a:spcAft>
+                <a:spcPts val="0"/>
+              </a:spcAft>
+              <a:buClrTx/>
+              <a:buSzTx/>
+              <a:buFontTx/>
+              <a:buNone/>
+              <a:tabLst/>
+              <a:defRPr/>
+            </a:pPr>
+            <a:r>
+              <a:rPr lang="en-GB" sz="1200" kern="1200" dirty="0" smtClean="0">
+                <a:solidFill>
+                  <a:schemeClr val="tx1"/>
+                </a:solidFill>
+                <a:effectLst/>
+                <a:latin typeface="+mn-lt"/>
+                <a:ea typeface="+mn-ea"/>
+                <a:cs typeface="+mn-cs"/>
+              </a:rPr>
+              <a:t>What I’ve discussed today are just a few examples of the sort of really specific information that can be obtained with the </a:t>
+            </a:r>
+            <a:r>
+              <a:rPr lang="en-GB" sz="1200" kern="1200" dirty="0" err="1" smtClean="0">
+                <a:solidFill>
+                  <a:schemeClr val="tx1"/>
+                </a:solidFill>
+                <a:effectLst/>
+                <a:latin typeface="+mn-lt"/>
+                <a:ea typeface="+mn-ea"/>
+                <a:cs typeface="+mn-cs"/>
+              </a:rPr>
+              <a:t>Rasch</a:t>
+            </a:r>
+            <a:r>
+              <a:rPr lang="en-GB" sz="1200" kern="1200" dirty="0" smtClean="0">
+                <a:solidFill>
+                  <a:schemeClr val="tx1"/>
+                </a:solidFill>
+                <a:effectLst/>
+                <a:latin typeface="+mn-lt"/>
+                <a:ea typeface="+mn-ea"/>
+                <a:cs typeface="+mn-cs"/>
+              </a:rPr>
+              <a:t> model. Thank you for listening to this presentation, and I’d just like to finish by summarising </a:t>
+            </a:r>
+            <a:r>
+              <a:rPr lang="en-GB" sz="1200" kern="1200" dirty="0" smtClean="0">
+                <a:solidFill>
+                  <a:schemeClr val="tx1"/>
+                </a:solidFill>
+                <a:effectLst/>
+                <a:latin typeface="+mn-lt"/>
+                <a:ea typeface="+mn-ea"/>
+                <a:cs typeface="+mn-cs"/>
+              </a:rPr>
+              <a:t>that </a:t>
+            </a:r>
+            <a:r>
+              <a:rPr lang="en-GB" sz="1200" b="0" i="0" kern="1200" dirty="0" smtClean="0">
+                <a:solidFill>
+                  <a:schemeClr val="tx1"/>
+                </a:solidFill>
+                <a:effectLst/>
+                <a:latin typeface="+mn-lt"/>
+                <a:ea typeface="+mn-ea"/>
+                <a:cs typeface="+mn-cs"/>
+              </a:rPr>
+              <a:t>we have demonstrated for the first time that </a:t>
+            </a:r>
+            <a:r>
+              <a:rPr lang="en-GB" sz="1200" b="0" i="0" kern="1200" dirty="0" err="1" smtClean="0">
+                <a:solidFill>
+                  <a:schemeClr val="tx1"/>
+                </a:solidFill>
+                <a:effectLst/>
+                <a:latin typeface="+mn-lt"/>
+                <a:ea typeface="+mn-ea"/>
+                <a:cs typeface="+mn-cs"/>
+              </a:rPr>
+              <a:t>Rasch</a:t>
+            </a:r>
+            <a:r>
+              <a:rPr lang="en-GB" sz="1200" b="0" i="0" kern="1200" dirty="0" smtClean="0">
+                <a:solidFill>
+                  <a:schemeClr val="tx1"/>
+                </a:solidFill>
+                <a:effectLst/>
+                <a:latin typeface="+mn-lt"/>
+                <a:ea typeface="+mn-ea"/>
+                <a:cs typeface="+mn-cs"/>
+              </a:rPr>
+              <a:t> measurement theory can be used to assess the quality of real consumer research data.</a:t>
+            </a:r>
+          </a:p>
+          <a:p>
+            <a:pPr marL="0" marR="0" lvl="0" indent="0" algn="l" defTabSz="914400" rtl="0" eaLnBrk="1" fontAlgn="auto" latinLnBrk="0" hangingPunct="1">
+              <a:lnSpc>
+                <a:spcPct val="100000"/>
+              </a:lnSpc>
+              <a:spcBef>
+                <a:spcPts val="0"/>
+              </a:spcBef>
+              <a:spcAft>
+                <a:spcPts val="0"/>
+              </a:spcAft>
+              <a:buClrTx/>
+              <a:buSzTx/>
+              <a:buFontTx/>
+              <a:buNone/>
+              <a:tabLst/>
+              <a:defRPr/>
+            </a:pPr>
+            <a:r>
+              <a:rPr lang="en-GB" sz="1200" kern="1200" dirty="0" smtClean="0">
+                <a:solidFill>
+                  <a:schemeClr val="tx1"/>
+                </a:solidFill>
+                <a:effectLst/>
+                <a:latin typeface="+mn-lt"/>
+                <a:ea typeface="+mn-ea"/>
+                <a:cs typeface="+mn-cs"/>
+              </a:rPr>
+              <a:t>By </a:t>
+            </a:r>
+            <a:r>
+              <a:rPr lang="en-GB" sz="1200" kern="1200" dirty="0" smtClean="0">
+                <a:solidFill>
+                  <a:schemeClr val="tx1"/>
+                </a:solidFill>
+                <a:effectLst/>
+                <a:latin typeface="+mn-lt"/>
+                <a:ea typeface="+mn-ea"/>
+                <a:cs typeface="+mn-cs"/>
+              </a:rPr>
+              <a:t>fitting the data to the </a:t>
+            </a:r>
+            <a:r>
+              <a:rPr lang="en-GB" sz="1200" kern="1200" dirty="0" err="1" smtClean="0">
+                <a:solidFill>
+                  <a:schemeClr val="tx1"/>
+                </a:solidFill>
+                <a:effectLst/>
+                <a:latin typeface="+mn-lt"/>
+                <a:ea typeface="+mn-ea"/>
+                <a:cs typeface="+mn-cs"/>
+              </a:rPr>
+              <a:t>Rasch</a:t>
+            </a:r>
+            <a:r>
+              <a:rPr lang="en-GB" sz="1200" kern="1200" dirty="0" smtClean="0">
+                <a:solidFill>
+                  <a:schemeClr val="tx1"/>
+                </a:solidFill>
+                <a:effectLst/>
+                <a:latin typeface="+mn-lt"/>
+                <a:ea typeface="+mn-ea"/>
+                <a:cs typeface="+mn-cs"/>
+              </a:rPr>
+              <a:t> model, as opposed to modelling the data, we are able to obtain rich and detailed information about the people, the statements and the products</a:t>
+            </a:r>
+            <a:r>
+              <a:rPr lang="en-GB" sz="1200" kern="1200" dirty="0" smtClean="0">
+                <a:solidFill>
+                  <a:schemeClr val="tx1"/>
+                </a:solidFill>
+                <a:effectLst/>
+                <a:latin typeface="+mn-lt"/>
+                <a:ea typeface="+mn-ea"/>
+                <a:cs typeface="+mn-cs"/>
+              </a:rPr>
+              <a:t>. This information can be used by Procter and Gamble to</a:t>
+            </a:r>
+            <a:r>
+              <a:rPr lang="en-GB" sz="1200" kern="1200" baseline="0" dirty="0" smtClean="0">
+                <a:solidFill>
+                  <a:schemeClr val="tx1"/>
+                </a:solidFill>
+                <a:effectLst/>
+                <a:latin typeface="+mn-lt"/>
+                <a:ea typeface="+mn-ea"/>
+                <a:cs typeface="+mn-cs"/>
+              </a:rPr>
+              <a:t> conduct more efficient surveys, improve marketing techniques and ultimately guide product design and development.</a:t>
+            </a:r>
+            <a:endParaRPr lang="en-GB" sz="1200" kern="1200" dirty="0" smtClean="0">
+              <a:solidFill>
+                <a:schemeClr val="tx1"/>
+              </a:solidFill>
+              <a:effectLst/>
+              <a:latin typeface="+mn-lt"/>
+              <a:ea typeface="+mn-ea"/>
+              <a:cs typeface="+mn-cs"/>
+            </a:endParaRPr>
+          </a:p>
+          <a:p>
+            <a:pPr marL="0" marR="0" lvl="0" indent="0" algn="l" defTabSz="914400" rtl="0" eaLnBrk="1" fontAlgn="auto" latinLnBrk="0" hangingPunct="1">
+              <a:lnSpc>
+                <a:spcPct val="100000"/>
+              </a:lnSpc>
+              <a:spcBef>
+                <a:spcPts val="0"/>
+              </a:spcBef>
+              <a:spcAft>
+                <a:spcPts val="0"/>
+              </a:spcAft>
+              <a:buClrTx/>
+              <a:buSzTx/>
+              <a:buFontTx/>
+              <a:buNone/>
+              <a:tabLst/>
+              <a:defRPr/>
+            </a:pPr>
+            <a:endParaRPr lang="en-GB" sz="1200" kern="1200" dirty="0" smtClean="0">
+              <a:solidFill>
+                <a:schemeClr val="tx1"/>
+              </a:solidFill>
+              <a:effectLst/>
+              <a:latin typeface="+mn-lt"/>
+              <a:ea typeface="+mn-ea"/>
+              <a:cs typeface="+mn-cs"/>
+            </a:endParaRPr>
+          </a:p>
+          <a:p>
+            <a:pPr marL="0" marR="0" lvl="0" indent="0" algn="l" defTabSz="914400" rtl="0" eaLnBrk="1" fontAlgn="auto" latinLnBrk="0" hangingPunct="1">
+              <a:lnSpc>
+                <a:spcPct val="100000"/>
+              </a:lnSpc>
+              <a:spcBef>
+                <a:spcPts val="0"/>
+              </a:spcBef>
+              <a:spcAft>
+                <a:spcPts val="0"/>
+              </a:spcAft>
+              <a:buClrTx/>
+              <a:buSzTx/>
+              <a:buFontTx/>
+              <a:buNone/>
+              <a:tabLst/>
+              <a:defRPr/>
+            </a:pPr>
+            <a:r>
+              <a:rPr lang="en-GB" sz="1200" kern="1200" dirty="0" smtClean="0">
+                <a:solidFill>
+                  <a:schemeClr val="tx1"/>
+                </a:solidFill>
+                <a:effectLst/>
+                <a:latin typeface="+mn-lt"/>
+                <a:ea typeface="+mn-ea"/>
+                <a:cs typeface="+mn-cs"/>
+              </a:rPr>
+              <a:t>Finally, the fact</a:t>
+            </a:r>
+            <a:r>
+              <a:rPr lang="en-GB" sz="1200" kern="1200" baseline="0" dirty="0" smtClean="0">
+                <a:solidFill>
+                  <a:schemeClr val="tx1"/>
+                </a:solidFill>
+                <a:effectLst/>
+                <a:latin typeface="+mn-lt"/>
+                <a:ea typeface="+mn-ea"/>
+                <a:cs typeface="+mn-cs"/>
+              </a:rPr>
+              <a:t> that we are able to identify persons and statements that are not contributing useful information to the analysis </a:t>
+            </a:r>
+            <a:r>
+              <a:rPr lang="en-GB" sz="1200" b="0" i="0" kern="1200" dirty="0" smtClean="0">
+                <a:solidFill>
+                  <a:schemeClr val="tx1"/>
+                </a:solidFill>
+                <a:effectLst/>
+                <a:latin typeface="+mn-lt"/>
+                <a:ea typeface="+mn-ea"/>
+                <a:cs typeface="+mn-cs"/>
+              </a:rPr>
+              <a:t>has the potential to </a:t>
+            </a:r>
+            <a:r>
+              <a:rPr lang="en-GB" sz="1200" b="0" i="0" kern="1200" baseline="0" dirty="0" smtClean="0">
+                <a:solidFill>
+                  <a:schemeClr val="tx1"/>
+                </a:solidFill>
+                <a:effectLst/>
+                <a:latin typeface="+mn-lt"/>
+                <a:ea typeface="+mn-ea"/>
+                <a:cs typeface="+mn-cs"/>
+              </a:rPr>
+              <a:t>reduce costs for businesses in general, as the</a:t>
+            </a:r>
+            <a:r>
+              <a:rPr lang="en-GB" sz="1200" b="0" i="0" kern="1200" dirty="0" smtClean="0">
+                <a:solidFill>
+                  <a:schemeClr val="tx1"/>
+                </a:solidFill>
+                <a:effectLst/>
+                <a:latin typeface="+mn-lt"/>
+                <a:ea typeface="+mn-ea"/>
+                <a:cs typeface="+mn-cs"/>
+              </a:rPr>
+              <a:t> size of surveys and samples used in consumer research can be reduced, whilst</a:t>
+            </a:r>
+            <a:r>
+              <a:rPr lang="en-GB" sz="1200" b="0" i="0" kern="1200" baseline="0" dirty="0" smtClean="0">
+                <a:solidFill>
+                  <a:schemeClr val="tx1"/>
+                </a:solidFill>
+                <a:effectLst/>
+                <a:latin typeface="+mn-lt"/>
+                <a:ea typeface="+mn-ea"/>
+                <a:cs typeface="+mn-cs"/>
+              </a:rPr>
+              <a:t> improving the quality of information.</a:t>
+            </a:r>
+            <a:endParaRPr lang="en-GB" sz="1200" b="0" i="0" kern="1200" dirty="0" smtClean="0">
+              <a:solidFill>
+                <a:schemeClr val="tx1"/>
+              </a:solidFill>
+              <a:effectLst/>
+              <a:latin typeface="+mn-lt"/>
+              <a:ea typeface="+mn-ea"/>
+              <a:cs typeface="+mn-cs"/>
+            </a:endParaRPr>
+          </a:p>
+          <a:p>
+            <a:pPr marL="0" marR="0" lvl="0" indent="0" algn="l" defTabSz="914400" rtl="0" eaLnBrk="1" fontAlgn="auto" latinLnBrk="0" hangingPunct="1">
+              <a:lnSpc>
+                <a:spcPct val="100000"/>
+              </a:lnSpc>
+              <a:spcBef>
+                <a:spcPts val="0"/>
+              </a:spcBef>
+              <a:spcAft>
+                <a:spcPts val="0"/>
+              </a:spcAft>
+              <a:buClrTx/>
+              <a:buSzTx/>
+              <a:buFontTx/>
+              <a:buNone/>
+              <a:tabLst/>
+              <a:defRPr/>
+            </a:pPr>
+            <a:endParaRPr lang="en-GB" sz="1200" kern="1200" dirty="0" smtClean="0">
+              <a:solidFill>
+                <a:schemeClr val="tx1"/>
+              </a:solidFill>
+              <a:effectLst/>
+              <a:latin typeface="+mn-lt"/>
+              <a:ea typeface="+mn-ea"/>
+              <a:cs typeface="+mn-cs"/>
+            </a:endParaRPr>
+          </a:p>
+          <a:p>
+            <a:endParaRPr lang="en-GB" dirty="0"/>
+          </a:p>
+        </p:txBody>
+      </p:sp>
+      <p:sp>
+        <p:nvSpPr>
+          <p:cNvPr id="4" name="Slide Number Placeholder 3"/>
+          <p:cNvSpPr>
+            <a:spLocks noGrp="1"/>
+          </p:cNvSpPr>
+          <p:nvPr>
+            <p:ph type="sldNum" sz="quarter" idx="10"/>
+          </p:nvPr>
+        </p:nvSpPr>
+        <p:spPr/>
+        <p:txBody>
+          <a:bodyPr/>
+          <a:lstStyle/>
+          <a:p>
+            <a:fld id="{59BC607B-BC83-1C44-A501-8F981FF41469}" type="slidenum">
+              <a:rPr lang="en-US" smtClean="0"/>
+              <a:t>18</a:t>
+            </a:fld>
+            <a:endParaRPr lang="en-US"/>
+          </a:p>
+        </p:txBody>
+      </p:sp>
+    </p:spTree>
+    <p:extLst>
+      <p:ext uri="{BB962C8B-B14F-4D97-AF65-F5344CB8AC3E}">
+        <p14:creationId xmlns:p14="http://schemas.microsoft.com/office/powerpoint/2010/main" val="53928958"/>
       </p:ext>
     </p:extLst>
   </p:cSld>
@@ -1786,48 +2067,157 @@
           <a:bodyPr/>
           <a:lstStyle/>
           <a:p>
-            <a:r>
-              <a:rPr lang="en-GB" baseline="0" dirty="0" smtClean="0"/>
-              <a:t>Shown here is a snippet of an online article in a chemical and engineering news website, discussing the ingredients of the 2 most popular detergents at that time (2016) – Tide by Procter and Gamble, and Persil by Henkel. Persil was ranked as the best performing US detergent by Consumer Reports magazine. </a:t>
-            </a:r>
-          </a:p>
-          <a:p>
-            <a:endParaRPr lang="en-GB" baseline="0" dirty="0" smtClean="0"/>
-          </a:p>
-          <a:p>
-            <a:r>
-              <a:rPr lang="en-GB" baseline="0" dirty="0" smtClean="0"/>
-              <a:t>To keep up with the competition and continue to provide superior products, its essential for Procter and Gamble to analyse consumer thoughts and opinions towards the range of available laundry products, which are obtained via targeted consumer surveys. However, the process of designing and conducting surveys is time consuming and expensive, as the surveys usually have to be re-designed and repeated as products are changed and developed. The attitudes and opinions expressed in consumer surveys are also emotional responses, which are difficult to measure and quantify. Descriptive statistics are often incorrectly applied to survey data, producing meaningless results. One way to overcome these problems is to use Rasch measurement theory to analyse consumer data. This is a probabilistic technique, which is used to convert emotional responses to linear measurements. I’m going to talk about the application of Rasch theory to consumer laundry product data, provided by Procter and Gamble. First I will introduce </a:t>
-            </a:r>
-            <a:r>
-              <a:rPr lang="en-GB" baseline="0" dirty="0" err="1" smtClean="0"/>
+            <a:pPr lvl="0"/>
+            <a:r>
+              <a:rPr lang="en-GB" sz="1200" kern="1200" dirty="0" smtClean="0">
+                <a:solidFill>
+                  <a:schemeClr val="tx1"/>
+                </a:solidFill>
+                <a:effectLst/>
+                <a:latin typeface="+mn-lt"/>
+                <a:ea typeface="+mn-ea"/>
+                <a:cs typeface="+mn-cs"/>
+              </a:rPr>
+              <a:t>In this presentation I will talk about </a:t>
+            </a:r>
+            <a:r>
+              <a:rPr lang="en-GB" sz="1200" kern="1200" dirty="0" err="1" smtClean="0">
+                <a:solidFill>
+                  <a:schemeClr val="tx1"/>
+                </a:solidFill>
+                <a:effectLst/>
+                <a:latin typeface="+mn-lt"/>
+                <a:ea typeface="+mn-ea"/>
+                <a:cs typeface="+mn-cs"/>
+              </a:rPr>
               <a:t>Rasch</a:t>
             </a:r>
             <a:r>
-              <a:rPr lang="en-GB" baseline="0" dirty="0" smtClean="0"/>
-              <a:t> measurement theory.  I’ll then present the application of Rasch to the consumer data, and discuss how the results inform the design of surveys and products. I’m undertaking this research in collaboration with Procter and Gamble, who are the industrial partner of my first project here at LIDA.</a:t>
-            </a:r>
-          </a:p>
-          <a:p>
-            <a:endParaRPr lang="en-GB" baseline="0" dirty="0" smtClean="0"/>
-          </a:p>
-          <a:p>
-            <a:r>
-              <a:rPr lang="en-GB" baseline="0" dirty="0" smtClean="0"/>
-              <a:t>REF for image</a:t>
-            </a:r>
-          </a:p>
-          <a:p>
-            <a:r>
-              <a:rPr lang="en-GB" dirty="0" smtClean="0">
-                <a:hlinkClick r:id="rId3"/>
+              <a:rPr lang="en-GB" sz="1200" kern="1200" dirty="0" smtClean="0">
+                <a:solidFill>
+                  <a:schemeClr val="tx1"/>
+                </a:solidFill>
+                <a:effectLst/>
+                <a:latin typeface="+mn-lt"/>
+                <a:ea typeface="+mn-ea"/>
+                <a:cs typeface="+mn-cs"/>
               </a:rPr>
-              <a:t>https://cen.acs.org/articles/95/i4/PG-Henkel-head-head-laundry.html</a:t>
-            </a:r>
-            <a:endParaRPr lang="en-GB" dirty="0" smtClean="0"/>
-          </a:p>
-          <a:p>
-            <a:endParaRPr lang="en-GB" dirty="0" smtClean="0"/>
+              <a:t> measurement theory, and how it can be used to obtain insightful attitudes and information from consumer data.</a:t>
+            </a:r>
+            <a:r>
+              <a:rPr lang="en-US" sz="1200" kern="1200" baseline="0" dirty="0" smtClean="0">
+                <a:solidFill>
+                  <a:schemeClr val="tx1"/>
+                </a:solidFill>
+                <a:effectLst/>
+                <a:latin typeface="+mn-lt"/>
+                <a:ea typeface="+mn-ea"/>
+                <a:cs typeface="+mn-cs"/>
+              </a:rPr>
+              <a:t> </a:t>
+            </a:r>
+            <a:r>
+              <a:rPr lang="en-GB" sz="1200" kern="1200" dirty="0" smtClean="0">
+                <a:solidFill>
+                  <a:schemeClr val="tx1"/>
+                </a:solidFill>
+                <a:effectLst/>
+                <a:latin typeface="+mn-lt"/>
+                <a:ea typeface="+mn-ea"/>
+                <a:cs typeface="+mn-cs"/>
+              </a:rPr>
+              <a:t>First I will provide some theory behind the </a:t>
+            </a:r>
+            <a:r>
+              <a:rPr lang="en-GB" sz="1200" kern="1200" dirty="0" err="1" smtClean="0">
+                <a:solidFill>
+                  <a:schemeClr val="tx1"/>
+                </a:solidFill>
+                <a:effectLst/>
+                <a:latin typeface="+mn-lt"/>
+                <a:ea typeface="+mn-ea"/>
+                <a:cs typeface="+mn-cs"/>
+              </a:rPr>
+              <a:t>Rasch</a:t>
+            </a:r>
+            <a:r>
+              <a:rPr lang="en-GB" sz="1200" kern="1200" dirty="0" smtClean="0">
+                <a:solidFill>
+                  <a:schemeClr val="tx1"/>
+                </a:solidFill>
+                <a:effectLst/>
+                <a:latin typeface="+mn-lt"/>
+                <a:ea typeface="+mn-ea"/>
+                <a:cs typeface="+mn-cs"/>
+              </a:rPr>
+              <a:t> model, before discussing its application to laundry product survey data provided by Procter and Gamble. I will then show you examples of the sort of information that we can obtain with the </a:t>
+            </a:r>
+            <a:r>
+              <a:rPr lang="en-GB" sz="1200" kern="1200" dirty="0" err="1" smtClean="0">
+                <a:solidFill>
+                  <a:schemeClr val="tx1"/>
+                </a:solidFill>
+                <a:effectLst/>
+                <a:latin typeface="+mn-lt"/>
+                <a:ea typeface="+mn-ea"/>
+                <a:cs typeface="+mn-cs"/>
+              </a:rPr>
+              <a:t>Rasch</a:t>
+            </a:r>
+            <a:r>
+              <a:rPr lang="en-GB" sz="1200" kern="1200" dirty="0" smtClean="0">
+                <a:solidFill>
+                  <a:schemeClr val="tx1"/>
+                </a:solidFill>
+                <a:effectLst/>
+                <a:latin typeface="+mn-lt"/>
+                <a:ea typeface="+mn-ea"/>
+                <a:cs typeface="+mn-cs"/>
+              </a:rPr>
+              <a:t> model, which can be used to conduct more efficient surveys and ultimately inform product design and development.</a:t>
+            </a:r>
+          </a:p>
+          <a:p>
+            <a:r>
+              <a:rPr lang="en-GB" sz="1200" kern="1200" dirty="0" smtClean="0">
+                <a:solidFill>
+                  <a:schemeClr val="tx1"/>
+                </a:solidFill>
+                <a:effectLst/>
+                <a:latin typeface="+mn-lt"/>
+                <a:ea typeface="+mn-ea"/>
+                <a:cs typeface="+mn-cs"/>
+              </a:rPr>
+              <a:t>I’m undertaking this research as part of my LIDA internship, alongside Dr Brian Henson from the School of Mechanical Engineering, and Sam and Phil from Procter and Gamble (who are the industrial partner in this project).</a:t>
+            </a:r>
+          </a:p>
+          <a:p>
+            <a:pPr marL="0" marR="0" lvl="0" indent="0" algn="l" defTabSz="914400" rtl="0" eaLnBrk="1" fontAlgn="auto" latinLnBrk="0" hangingPunct="1">
+              <a:lnSpc>
+                <a:spcPct val="100000"/>
+              </a:lnSpc>
+              <a:spcBef>
+                <a:spcPts val="0"/>
+              </a:spcBef>
+              <a:spcAft>
+                <a:spcPts val="0"/>
+              </a:spcAft>
+              <a:buClrTx/>
+              <a:buSzTx/>
+              <a:buFontTx/>
+              <a:buNone/>
+              <a:tabLst/>
+              <a:defRPr/>
+            </a:pPr>
+            <a:endParaRPr lang="en-GB" sz="1200" kern="1200" dirty="0" smtClean="0">
+              <a:solidFill>
+                <a:schemeClr val="tx1"/>
+              </a:solidFill>
+              <a:effectLst/>
+              <a:latin typeface="+mn-lt"/>
+              <a:ea typeface="+mn-ea"/>
+              <a:cs typeface="+mn-cs"/>
+            </a:endParaRPr>
           </a:p>
         </p:txBody>
       </p:sp>
@@ -1838,7 +2228,7 @@
             <a:spLocks noGrp="1"/>
           </p:cNvSpPr>
           <p:nvPr>
-            <p:ph type="sldNum" sz="quarter" idx="10"/>
+            <p:ph type="sldNum" sz="quarter" idx="5"/>
           </p:nvPr>
         </p:nvSpPr>
         <p:spPr/>
@@ -1857,7 +2247,7 @@
     </p:spTree>
     <p:extLst>
       <p:ext uri="{BB962C8B-B14F-4D97-AF65-F5344CB8AC3E}">
-        <p14:creationId xmlns:p14="http://schemas.microsoft.com/office/powerpoint/2010/main" val="700470651"/>
+        <p14:creationId xmlns:p14="http://schemas.microsoft.com/office/powerpoint/2010/main" val="2671725176"/>
       </p:ext>
     </p:extLst>
   </p:cSld>
@@ -1911,11 +2301,107 @@
           <a:bodyPr/>
           <a:lstStyle/>
           <a:p>
-            <a:r>
-              <a:rPr lang="en-US" dirty="0" smtClean="0"/>
-              <a:t>Is the subtitle okay? </a:t>
-            </a:r>
-            <a:endParaRPr lang="en-US" dirty="0"/>
+            <a:pPr marL="0" marR="0" lvl="0" indent="0" algn="l" defTabSz="914400" rtl="0" eaLnBrk="1" fontAlgn="auto" latinLnBrk="0" hangingPunct="1">
+              <a:lnSpc>
+                <a:spcPct val="100000"/>
+              </a:lnSpc>
+              <a:spcBef>
+                <a:spcPts val="0"/>
+              </a:spcBef>
+              <a:spcAft>
+                <a:spcPts val="0"/>
+              </a:spcAft>
+              <a:buClrTx/>
+              <a:buSzTx/>
+              <a:buFontTx/>
+              <a:buNone/>
+              <a:tabLst/>
+              <a:defRPr/>
+            </a:pPr>
+            <a:r>
+              <a:rPr lang="en-GB" sz="1200" kern="1200" dirty="0" smtClean="0">
+                <a:solidFill>
+                  <a:schemeClr val="tx1"/>
+                </a:solidFill>
+                <a:effectLst/>
+                <a:latin typeface="+mn-lt"/>
+                <a:ea typeface="+mn-ea"/>
+                <a:cs typeface="+mn-cs"/>
+              </a:rPr>
+              <a:t>The </a:t>
+            </a:r>
+            <a:r>
+              <a:rPr lang="en-GB" sz="1200" kern="1200" dirty="0" err="1" smtClean="0">
+                <a:solidFill>
+                  <a:schemeClr val="tx1"/>
+                </a:solidFill>
+                <a:effectLst/>
+                <a:latin typeface="+mn-lt"/>
+                <a:ea typeface="+mn-ea"/>
+                <a:cs typeface="+mn-cs"/>
+              </a:rPr>
+              <a:t>Rasch</a:t>
+            </a:r>
+            <a:r>
+              <a:rPr lang="en-GB" sz="1200" kern="1200" dirty="0" smtClean="0">
+                <a:solidFill>
+                  <a:schemeClr val="tx1"/>
+                </a:solidFill>
+                <a:effectLst/>
+                <a:latin typeface="+mn-lt"/>
+                <a:ea typeface="+mn-ea"/>
+                <a:cs typeface="+mn-cs"/>
+              </a:rPr>
+              <a:t> model is applied to categorical data, such as responses to an exam or a questionnaire, in order to measure a single latent variable. A latent variable is a variable that cannot be directly measured, which includes emotions and attitudes. The most common application of </a:t>
+            </a:r>
+            <a:r>
+              <a:rPr lang="en-GB" sz="1200" kern="1200" dirty="0" err="1" smtClean="0">
+                <a:solidFill>
+                  <a:schemeClr val="tx1"/>
+                </a:solidFill>
+                <a:effectLst/>
+                <a:latin typeface="+mn-lt"/>
+                <a:ea typeface="+mn-ea"/>
+                <a:cs typeface="+mn-cs"/>
+              </a:rPr>
+              <a:t>Rasch</a:t>
+            </a:r>
+            <a:r>
+              <a:rPr lang="en-GB" sz="1200" kern="1200" dirty="0" smtClean="0">
+                <a:solidFill>
+                  <a:schemeClr val="tx1"/>
+                </a:solidFill>
+                <a:effectLst/>
+                <a:latin typeface="+mn-lt"/>
+                <a:ea typeface="+mn-ea"/>
+                <a:cs typeface="+mn-cs"/>
+              </a:rPr>
+              <a:t> theory is the assessment of people, either in the context of education or health, and it has only recently been applied to consumer data. I’m going to briefly explain the theory behind </a:t>
+            </a:r>
+            <a:r>
+              <a:rPr lang="en-GB" sz="1200" kern="1200" dirty="0" err="1" smtClean="0">
+                <a:solidFill>
+                  <a:schemeClr val="tx1"/>
+                </a:solidFill>
+                <a:effectLst/>
+                <a:latin typeface="+mn-lt"/>
+                <a:ea typeface="+mn-ea"/>
+                <a:cs typeface="+mn-cs"/>
+              </a:rPr>
+              <a:t>Rasch</a:t>
+            </a:r>
+            <a:r>
+              <a:rPr lang="en-GB" sz="1200" kern="1200" dirty="0" smtClean="0">
+                <a:solidFill>
+                  <a:schemeClr val="tx1"/>
+                </a:solidFill>
+                <a:effectLst/>
+                <a:latin typeface="+mn-lt"/>
+                <a:ea typeface="+mn-ea"/>
+                <a:cs typeface="+mn-cs"/>
+              </a:rPr>
+              <a:t> measurement in the context of one of the traditional applications.</a:t>
+            </a:r>
           </a:p>
         </p:txBody>
       </p:sp>
@@ -1926,7 +2412,7 @@
             <a:spLocks noGrp="1"/>
           </p:cNvSpPr>
           <p:nvPr>
-            <p:ph type="sldNum" sz="quarter" idx="5"/>
+            <p:ph type="sldNum" sz="quarter" idx="10"/>
           </p:nvPr>
         </p:nvSpPr>
         <p:spPr/>
@@ -1945,7 +2431,7 @@
     </p:spTree>
     <p:extLst>
       <p:ext uri="{BB962C8B-B14F-4D97-AF65-F5344CB8AC3E}">
-        <p14:creationId xmlns:p14="http://schemas.microsoft.com/office/powerpoint/2010/main" val="2671725176"/>
+        <p14:creationId xmlns:p14="http://schemas.microsoft.com/office/powerpoint/2010/main" val="868714956"/>
       </p:ext>
     </p:extLst>
   </p:cSld>
@@ -2000,49 +2486,7 @@
           <a:lstStyle/>
           <a:p>
             <a:r>
-              <a:rPr lang="en-GB" dirty="0" smtClean="0"/>
-              <a:t>To mention:</a:t>
-            </a:r>
-          </a:p>
-          <a:p>
-            <a:r>
-              <a:rPr lang="en-GB" dirty="0" smtClean="0"/>
-              <a:t>Latent</a:t>
-            </a:r>
-            <a:r>
-              <a:rPr lang="en-GB" baseline="0" dirty="0" smtClean="0"/>
-              <a:t> variable – </a:t>
-            </a:r>
-            <a:r>
-              <a:rPr lang="en-GB" baseline="0" dirty="0" err="1" smtClean="0"/>
-              <a:t>unidimensionality</a:t>
-            </a:r>
-            <a:endParaRPr lang="en-GB" baseline="0" dirty="0" smtClean="0"/>
-          </a:p>
-          <a:p>
-            <a:r>
-              <a:rPr lang="en-GB" baseline="0" dirty="0" smtClean="0"/>
-              <a:t>Fit the data to the model, rather than the other way around in classical methods</a:t>
-            </a:r>
-          </a:p>
-          <a:p>
-            <a:r>
-              <a:rPr lang="en-GB" baseline="0" dirty="0" smtClean="0"/>
-              <a:t>Units - logits</a:t>
-            </a:r>
-          </a:p>
-          <a:p>
-            <a:endParaRPr lang="en-GB" baseline="0" dirty="0" smtClean="0"/>
-          </a:p>
-          <a:p>
-            <a:r>
-              <a:rPr lang="en-GB" baseline="0" dirty="0" smtClean="0"/>
-              <a:t>Wikipedia:</a:t>
-            </a:r>
-          </a:p>
-          <a:p>
-            <a:r>
-              <a:rPr lang="en-GB" sz="1200" b="0" i="0" kern="1200" dirty="0" smtClean="0">
+              <a:rPr lang="en-GB" sz="1200" kern="1200" dirty="0" smtClean="0">
                 <a:solidFill>
                   <a:schemeClr val="tx1"/>
                 </a:solidFill>
@@ -2051,48 +2495,10 @@
                 <a:ea typeface="+mn-ea"/>
                 <a:cs typeface="+mn-cs"/>
               </a:rPr>
-              <a:t>The </a:t>
-            </a:r>
-            <a:r>
-              <a:rPr lang="en-GB" sz="1200" b="0" i="0" u="none" strike="noStrike" kern="1200" dirty="0" err="1" smtClean="0">
-                <a:solidFill>
-                  <a:schemeClr val="tx1"/>
-                </a:solidFill>
-                <a:effectLst/>
-                <a:latin typeface="+mn-lt"/>
-                <a:ea typeface="+mn-ea"/>
-                <a:cs typeface="+mn-cs"/>
-                <a:hlinkClick r:id="rId3" tooltip="Rasch model"/>
-              </a:rPr>
-              <a:t>Rasch</a:t>
-            </a:r>
-            <a:r>
-              <a:rPr lang="en-GB" sz="1200" b="0" i="0" u="none" strike="noStrike" kern="1200" dirty="0" smtClean="0">
-                <a:solidFill>
-                  <a:schemeClr val="tx1"/>
-                </a:solidFill>
-                <a:effectLst/>
-                <a:latin typeface="+mn-lt"/>
-                <a:ea typeface="+mn-ea"/>
-                <a:cs typeface="+mn-cs"/>
-                <a:hlinkClick r:id="rId3" tooltip="Rasch model"/>
-              </a:rPr>
-              <a:t> model</a:t>
-            </a:r>
-            <a:r>
-              <a:rPr lang="en-GB" sz="1200" b="0" i="0" kern="1200" dirty="0" smtClean="0">
-                <a:solidFill>
-                  <a:schemeClr val="tx1"/>
-                </a:solidFill>
-                <a:effectLst/>
-                <a:latin typeface="+mn-lt"/>
-                <a:ea typeface="+mn-ea"/>
-                <a:cs typeface="+mn-cs"/>
-              </a:rPr>
-              <a:t> is often considered to be the 1PL IRT model. However, proponents of </a:t>
-            </a:r>
-            <a:r>
-              <a:rPr lang="en-GB" sz="1200" b="0" i="0" kern="1200" dirty="0" err="1" smtClean="0">
+              <a:t>For example, let’s consider the analysis of maths exam results, where the latent trait or the thing you want to measure is “the attitude of students towards maths”. According to the </a:t>
+            </a:r>
+            <a:r>
+              <a:rPr lang="en-GB" sz="1200" kern="1200" dirty="0" err="1" smtClean="0">
                 <a:solidFill>
                   <a:schemeClr val="tx1"/>
                 </a:solidFill>
@@ -2104,7 +2510,7 @@
               <a:t>Rasch</a:t>
             </a:r>
             <a:r>
-              <a:rPr lang="en-GB" sz="1200" b="0" i="0" kern="1200" dirty="0" smtClean="0">
+              <a:rPr lang="en-GB" sz="1200" kern="1200" dirty="0" smtClean="0">
                 <a:solidFill>
                   <a:schemeClr val="tx1"/>
                 </a:solidFill>
@@ -2113,108 +2519,10 @@
                 <a:ea typeface="+mn-ea"/>
                 <a:cs typeface="+mn-cs"/>
               </a:rPr>
-              <a:t> </a:t>
-            </a:r>
-            <a:r>
-              <a:rPr lang="en-GB" sz="1200" b="0" i="0" kern="1200" dirty="0" err="1" smtClean="0">
-                <a:solidFill>
-                  <a:schemeClr val="tx1"/>
-                </a:solidFill>
-                <a:effectLst/>
-                <a:latin typeface="+mn-lt"/>
-                <a:ea typeface="+mn-ea"/>
-                <a:cs typeface="+mn-cs"/>
-              </a:rPr>
-              <a:t>modeling</a:t>
-            </a:r>
-            <a:r>
-              <a:rPr lang="en-GB" sz="1200" b="0" i="0" kern="1200" dirty="0" smtClean="0">
-                <a:solidFill>
-                  <a:schemeClr val="tx1"/>
-                </a:solidFill>
-                <a:effectLst/>
-                <a:latin typeface="+mn-lt"/>
-                <a:ea typeface="+mn-ea"/>
-                <a:cs typeface="+mn-cs"/>
-              </a:rPr>
-              <a:t> prefer to view it as a completely different approach to conceptualizing the relationship between data and theory.</a:t>
-            </a:r>
-            <a:r>
-              <a:rPr lang="en-GB" sz="1200" b="0" i="0" u="none" strike="noStrike" kern="1200" baseline="30000" dirty="0" smtClean="0">
-                <a:solidFill>
-                  <a:schemeClr val="tx1"/>
-                </a:solidFill>
-                <a:effectLst/>
-                <a:latin typeface="+mn-lt"/>
-                <a:ea typeface="+mn-ea"/>
-                <a:cs typeface="+mn-cs"/>
-                <a:hlinkClick r:id="rId4"/>
-              </a:rPr>
-              <a:t>[13]</a:t>
-            </a:r>
-            <a:r>
-              <a:rPr lang="en-GB" sz="1200" b="0" i="0" kern="1200" dirty="0" smtClean="0">
-                <a:solidFill>
-                  <a:schemeClr val="tx1"/>
-                </a:solidFill>
-                <a:effectLst/>
-                <a:latin typeface="+mn-lt"/>
-                <a:ea typeface="+mn-ea"/>
-                <a:cs typeface="+mn-cs"/>
-              </a:rPr>
-              <a:t> Like other statistical </a:t>
-            </a:r>
-            <a:r>
-              <a:rPr lang="en-GB" sz="1200" b="0" i="0" kern="1200" dirty="0" err="1" smtClean="0">
-                <a:solidFill>
-                  <a:schemeClr val="tx1"/>
-                </a:solidFill>
-                <a:effectLst/>
-                <a:latin typeface="+mn-lt"/>
-                <a:ea typeface="+mn-ea"/>
-                <a:cs typeface="+mn-cs"/>
-              </a:rPr>
-              <a:t>modeling</a:t>
-            </a:r>
-            <a:r>
-              <a:rPr lang="en-GB" sz="1200" b="0" i="0" kern="1200" dirty="0" smtClean="0">
-                <a:solidFill>
-                  <a:schemeClr val="tx1"/>
-                </a:solidFill>
-                <a:effectLst/>
-                <a:latin typeface="+mn-lt"/>
-                <a:ea typeface="+mn-ea"/>
-                <a:cs typeface="+mn-cs"/>
-              </a:rPr>
-              <a:t> approaches, IRT emphasizes the primacy of the fit of a model to observed data,</a:t>
-            </a:r>
-            <a:r>
-              <a:rPr lang="en-GB" sz="1200" b="0" i="0" u="none" strike="noStrike" kern="1200" baseline="30000" dirty="0" smtClean="0">
-                <a:solidFill>
-                  <a:schemeClr val="tx1"/>
-                </a:solidFill>
-                <a:effectLst/>
-                <a:latin typeface="+mn-lt"/>
-                <a:ea typeface="+mn-ea"/>
-                <a:cs typeface="+mn-cs"/>
-                <a:hlinkClick r:id="rId5"/>
-              </a:rPr>
-              <a:t>[14]</a:t>
-            </a:r>
-            <a:r>
-              <a:rPr lang="en-GB" sz="1200" b="0" i="0" kern="1200" dirty="0" smtClean="0">
-                <a:solidFill>
-                  <a:schemeClr val="tx1"/>
-                </a:solidFill>
-                <a:effectLst/>
-                <a:latin typeface="+mn-lt"/>
-                <a:ea typeface="+mn-ea"/>
-                <a:cs typeface="+mn-cs"/>
-              </a:rPr>
-              <a:t> while the </a:t>
-            </a:r>
-            <a:r>
-              <a:rPr lang="en-GB" sz="1200" b="0" i="0" kern="1200" dirty="0" err="1" smtClean="0">
+              <a:t> model, the probability of a student answering a given question correctly is calculated according to this simple equation shown here, which depends on the technical ability of that person and the difficulty of that question only.  In the </a:t>
+            </a:r>
+            <a:r>
+              <a:rPr lang="en-GB" sz="1200" kern="1200" dirty="0" err="1" smtClean="0">
                 <a:solidFill>
                   <a:schemeClr val="tx1"/>
                 </a:solidFill>
@@ -2226,7 +2534,7 @@
               <a:t>Rasch</a:t>
             </a:r>
             <a:r>
-              <a:rPr lang="en-GB" sz="1200" b="0" i="0" kern="1200" dirty="0" smtClean="0">
+              <a:rPr lang="en-GB" sz="1200" kern="1200" dirty="0" smtClean="0">
                 <a:solidFill>
                   <a:schemeClr val="tx1"/>
                 </a:solidFill>
@@ -2235,23 +2543,12 @@
                 <a:ea typeface="+mn-ea"/>
                 <a:cs typeface="+mn-cs"/>
               </a:rPr>
-              <a:t> model emphasizes the primacy of the requirements for fundamental measurement, with adequate data-model fit being an important but secondary requirement to be met before a test or research instrument can be claimed to measure a trait.</a:t>
-            </a:r>
-            <a:r>
-              <a:rPr lang="en-GB" sz="1200" b="0" i="0" u="none" strike="noStrike" kern="1200" baseline="30000" dirty="0" smtClean="0">
-                <a:solidFill>
-                  <a:schemeClr val="tx1"/>
-                </a:solidFill>
-                <a:effectLst/>
-                <a:latin typeface="+mn-lt"/>
-                <a:ea typeface="+mn-ea"/>
-                <a:cs typeface="+mn-cs"/>
-                <a:hlinkClick r:id="rId6"/>
-              </a:rPr>
-              <a:t>[15]</a:t>
-            </a:r>
-            <a:r>
-              <a:rPr lang="en-GB" sz="1200" b="0" i="0" kern="1200" dirty="0" smtClean="0">
+              <a:t> model, the questions are referred to as items.</a:t>
+            </a:r>
+          </a:p>
+          <a:p>
+            <a:r>
+              <a:rPr lang="en-GB" sz="1200" kern="1200" dirty="0" smtClean="0">
                 <a:solidFill>
                   <a:schemeClr val="tx1"/>
                 </a:solidFill>
@@ -2260,10 +2557,12 @@
                 <a:ea typeface="+mn-ea"/>
                 <a:cs typeface="+mn-cs"/>
               </a:rPr>
-              <a:t> Operationally, this means that the IRT approaches include additional model parameters to reflect the patterns observed in the data (e.g., allowing items to vary in their correlation with the latent trait), whereas in the </a:t>
-            </a:r>
-            <a:r>
-              <a:rPr lang="en-GB" sz="1200" b="0" i="0" kern="1200" dirty="0" err="1" smtClean="0">
+              <a:t>  </a:t>
+            </a:r>
+          </a:p>
+          <a:p>
+            <a:r>
+              <a:rPr lang="en-GB" sz="1200" kern="1200" dirty="0" smtClean="0">
                 <a:solidFill>
                   <a:schemeClr val="tx1"/>
                 </a:solidFill>
@@ -2272,142 +2571,9 @@
                 <a:ea typeface="+mn-ea"/>
                 <a:cs typeface="+mn-cs"/>
               </a:rPr>
-              <a:t>Rasch</a:t>
-            </a:r>
-            <a:r>
-              <a:rPr lang="en-GB" sz="1200" b="0" i="0" kern="1200" dirty="0" smtClean="0">
-                <a:solidFill>
-                  <a:schemeClr val="tx1"/>
-                </a:solidFill>
-                <a:effectLst/>
-                <a:latin typeface="+mn-lt"/>
-                <a:ea typeface="+mn-ea"/>
-                <a:cs typeface="+mn-cs"/>
-              </a:rPr>
-              <a:t> approach, claims regarding the presence of a latent trait can only be considered valid when both (a) the data fit the </a:t>
-            </a:r>
-            <a:r>
-              <a:rPr lang="en-GB" sz="1200" b="0" i="0" kern="1200" dirty="0" err="1" smtClean="0">
-                <a:solidFill>
-                  <a:schemeClr val="tx1"/>
-                </a:solidFill>
-                <a:effectLst/>
-                <a:latin typeface="+mn-lt"/>
-                <a:ea typeface="+mn-ea"/>
-                <a:cs typeface="+mn-cs"/>
-              </a:rPr>
-              <a:t>Rasch</a:t>
-            </a:r>
-            <a:r>
-              <a:rPr lang="en-GB" sz="1200" b="0" i="0" kern="1200" dirty="0" smtClean="0">
-                <a:solidFill>
-                  <a:schemeClr val="tx1"/>
-                </a:solidFill>
-                <a:effectLst/>
-                <a:latin typeface="+mn-lt"/>
-                <a:ea typeface="+mn-ea"/>
-                <a:cs typeface="+mn-cs"/>
-              </a:rPr>
-              <a:t> model, and (b) test items and examinees conform to the model. Therefore, under </a:t>
-            </a:r>
-            <a:r>
-              <a:rPr lang="en-GB" sz="1200" b="0" i="0" kern="1200" dirty="0" err="1" smtClean="0">
-                <a:solidFill>
-                  <a:schemeClr val="tx1"/>
-                </a:solidFill>
-                <a:effectLst/>
-                <a:latin typeface="+mn-lt"/>
-                <a:ea typeface="+mn-ea"/>
-                <a:cs typeface="+mn-cs"/>
-              </a:rPr>
-              <a:t>Rasch</a:t>
-            </a:r>
-            <a:r>
-              <a:rPr lang="en-GB" sz="1200" b="0" i="0" kern="1200" dirty="0" smtClean="0">
-                <a:solidFill>
-                  <a:schemeClr val="tx1"/>
-                </a:solidFill>
-                <a:effectLst/>
-                <a:latin typeface="+mn-lt"/>
-                <a:ea typeface="+mn-ea"/>
-                <a:cs typeface="+mn-cs"/>
-              </a:rPr>
-              <a:t> models, </a:t>
-            </a:r>
-            <a:r>
-              <a:rPr lang="en-GB" sz="1200" b="0" i="0" kern="1200" dirty="0" err="1" smtClean="0">
-                <a:solidFill>
-                  <a:schemeClr val="tx1"/>
-                </a:solidFill>
-                <a:effectLst/>
-                <a:latin typeface="+mn-lt"/>
-                <a:ea typeface="+mn-ea"/>
-                <a:cs typeface="+mn-cs"/>
-              </a:rPr>
-              <a:t>misfitting</a:t>
-            </a:r>
-            <a:r>
-              <a:rPr lang="en-GB" sz="1200" b="0" i="0" kern="1200" dirty="0" smtClean="0">
-                <a:solidFill>
-                  <a:schemeClr val="tx1"/>
-                </a:solidFill>
-                <a:effectLst/>
-                <a:latin typeface="+mn-lt"/>
-                <a:ea typeface="+mn-ea"/>
-                <a:cs typeface="+mn-cs"/>
-              </a:rPr>
-              <a:t> responses require diagnosis of the reason for the misfit, and may be excluded from the data set if one can explain substantively why they do not address the latent trait.</a:t>
-            </a:r>
-            <a:r>
-              <a:rPr lang="en-GB" sz="1200" b="0" i="0" u="none" strike="noStrike" kern="1200" baseline="30000" dirty="0" smtClean="0">
-                <a:solidFill>
-                  <a:schemeClr val="tx1"/>
-                </a:solidFill>
-                <a:effectLst/>
-                <a:latin typeface="+mn-lt"/>
-                <a:ea typeface="+mn-ea"/>
-                <a:cs typeface="+mn-cs"/>
-                <a:hlinkClick r:id="rId7"/>
-              </a:rPr>
-              <a:t>[16]</a:t>
-            </a:r>
-            <a:r>
-              <a:rPr lang="en-GB" sz="1200" b="0" i="0" kern="1200" dirty="0" smtClean="0">
-                <a:solidFill>
-                  <a:schemeClr val="tx1"/>
-                </a:solidFill>
-                <a:effectLst/>
-                <a:latin typeface="+mn-lt"/>
-                <a:ea typeface="+mn-ea"/>
-                <a:cs typeface="+mn-cs"/>
-              </a:rPr>
-              <a:t> Thus, the </a:t>
-            </a:r>
-            <a:r>
-              <a:rPr lang="en-GB" sz="1200" b="0" i="0" kern="1200" dirty="0" err="1" smtClean="0">
-                <a:solidFill>
-                  <a:schemeClr val="tx1"/>
-                </a:solidFill>
-                <a:effectLst/>
-                <a:latin typeface="+mn-lt"/>
-                <a:ea typeface="+mn-ea"/>
-                <a:cs typeface="+mn-cs"/>
-              </a:rPr>
-              <a:t>Rasch</a:t>
-            </a:r>
-            <a:r>
-              <a:rPr lang="en-GB" sz="1200" b="0" i="0" kern="1200" dirty="0" smtClean="0">
-                <a:solidFill>
-                  <a:schemeClr val="tx1"/>
-                </a:solidFill>
-                <a:effectLst/>
-                <a:latin typeface="+mn-lt"/>
-                <a:ea typeface="+mn-ea"/>
-                <a:cs typeface="+mn-cs"/>
-              </a:rPr>
-              <a:t> approach can be seen to be a confirmatory approach, as opposed to exploratory approaches that attempt to model the observed data</a:t>
-            </a:r>
-            <a:endParaRPr lang="en-GB" baseline="0" dirty="0" smtClean="0"/>
+              <a:t>The abilities and difficulties of each person and item respectively are calculated using a maximum likelihood method, under the assumption that the data conform to a Guttmann pattern. </a:t>
+            </a:r>
+            <a:endParaRPr lang="en-GB" dirty="0" smtClean="0"/>
           </a:p>
           <a:p>
             <a:endParaRPr lang="en-GB" dirty="0"/>
@@ -2431,7 +2597,7 @@
           <a:p>
             <a:fld id="{59BC607B-BC83-1C44-A501-8F981FF41469}" type="slidenum">
               <a:rPr lang="en-US" smtClean="0"/>
-              <a:t>5</a:t>
+              <a:t>4</a:t>
             </a:fld>
             <a:endParaRPr lang="en-US"/>
           </a:p>
@@ -2440,7 +2606,7 @@
     </p:spTree>
     <p:extLst>
       <p:ext uri="{BB962C8B-B14F-4D97-AF65-F5344CB8AC3E}">
-        <p14:creationId xmlns:p14="http://schemas.microsoft.com/office/powerpoint/2010/main" val="342580351"/>
+        <p14:creationId xmlns:p14="http://schemas.microsoft.com/office/powerpoint/2010/main" val="3407523492"/>
       </p:ext>
     </p:extLst>
   </p:cSld>
@@ -2494,7 +2660,75 @@
           <a:bodyPr/>
           <a:lstStyle/>
           <a:p>
-            <a:endParaRPr lang="en-GB" dirty="0"/>
+            <a:r>
+              <a:rPr lang="en-GB" sz="1200" kern="1200" dirty="0" smtClean="0">
+                <a:solidFill>
+                  <a:schemeClr val="tx1"/>
+                </a:solidFill>
+                <a:effectLst/>
+                <a:latin typeface="+mn-lt"/>
+                <a:ea typeface="+mn-ea"/>
+                <a:cs typeface="+mn-cs"/>
+              </a:rPr>
+              <a:t>The Guttmann pattern looks something like this, where people with higher abilities are able to answer all of the questions correctly, while people with lower abilities are only able to answer the easier questions correctly. So in the </a:t>
+            </a:r>
+            <a:r>
+              <a:rPr lang="en-GB" sz="1200" kern="1200" dirty="0" err="1" smtClean="0">
+                <a:solidFill>
+                  <a:schemeClr val="tx1"/>
+                </a:solidFill>
+                <a:effectLst/>
+                <a:latin typeface="+mn-lt"/>
+                <a:ea typeface="+mn-ea"/>
+                <a:cs typeface="+mn-cs"/>
+              </a:rPr>
+              <a:t>Rasch</a:t>
+            </a:r>
+            <a:r>
+              <a:rPr lang="en-GB" sz="1200" kern="1200" dirty="0" smtClean="0">
+                <a:solidFill>
+                  <a:schemeClr val="tx1"/>
+                </a:solidFill>
+                <a:effectLst/>
+                <a:latin typeface="+mn-lt"/>
+                <a:ea typeface="+mn-ea"/>
+                <a:cs typeface="+mn-cs"/>
+              </a:rPr>
+              <a:t> model, as</a:t>
+            </a:r>
+            <a:r>
+              <a:rPr lang="en-GB" sz="1200" kern="1200" baseline="0" dirty="0" smtClean="0">
+                <a:solidFill>
+                  <a:schemeClr val="tx1"/>
+                </a:solidFill>
+                <a:effectLst/>
+                <a:latin typeface="+mn-lt"/>
+                <a:ea typeface="+mn-ea"/>
+                <a:cs typeface="+mn-cs"/>
+              </a:rPr>
+              <a:t> analyse the data</a:t>
+            </a:r>
+            <a:r>
+              <a:rPr lang="en-GB" sz="1200" kern="1200" dirty="0" smtClean="0">
+                <a:solidFill>
+                  <a:schemeClr val="tx1"/>
+                </a:solidFill>
+                <a:effectLst/>
+                <a:latin typeface="+mn-lt"/>
+                <a:ea typeface="+mn-ea"/>
+                <a:cs typeface="+mn-cs"/>
+              </a:rPr>
+              <a:t> to see whether or not it conforms to this sort of pattern. In other words, the data is fit to the model, as opposed to classic techniques where models are fit to the data. </a:t>
+            </a:r>
+            <a:endParaRPr lang="en-GB" sz="1200" kern="1200" dirty="0">
+              <a:solidFill>
+                <a:schemeClr val="tx1"/>
+              </a:solidFill>
+              <a:effectLst/>
+              <a:latin typeface="+mn-lt"/>
+              <a:ea typeface="+mn-ea"/>
+              <a:cs typeface="+mn-cs"/>
+            </a:endParaRPr>
           </a:p>
         </p:txBody>
       </p:sp>
@@ -2515,7 +2749,7 @@
           <a:p>
             <a:fld id="{59BC607B-BC83-1C44-A501-8F981FF41469}" type="slidenum">
               <a:rPr lang="en-US" smtClean="0"/>
-              <a:t>8</a:t>
+              <a:t>5</a:t>
             </a:fld>
             <a:endParaRPr lang="en-US"/>
           </a:p>
@@ -2524,7 +2758,7 @@
     </p:spTree>
     <p:extLst>
       <p:ext uri="{BB962C8B-B14F-4D97-AF65-F5344CB8AC3E}">
-        <p14:creationId xmlns:p14="http://schemas.microsoft.com/office/powerpoint/2010/main" val="2284114108"/>
+        <p14:creationId xmlns:p14="http://schemas.microsoft.com/office/powerpoint/2010/main" val="342580351"/>
       </p:ext>
     </p:extLst>
   </p:cSld>
@@ -2578,6 +2812,42 @@
           <a:bodyPr/>
           <a:lstStyle/>
           <a:p>
+            <a:r>
+              <a:rPr lang="en-GB" sz="1200" kern="1200" dirty="0" smtClean="0">
+                <a:solidFill>
+                  <a:schemeClr val="tx1"/>
+                </a:solidFill>
+                <a:effectLst/>
+                <a:latin typeface="+mn-lt"/>
+                <a:ea typeface="+mn-ea"/>
+                <a:cs typeface="+mn-cs"/>
+              </a:rPr>
+              <a:t>The aim of the current research is apply the </a:t>
+            </a:r>
+            <a:r>
+              <a:rPr lang="en-GB" sz="1200" kern="1200" dirty="0" err="1" smtClean="0">
+                <a:solidFill>
+                  <a:schemeClr val="tx1"/>
+                </a:solidFill>
+                <a:effectLst/>
+                <a:latin typeface="+mn-lt"/>
+                <a:ea typeface="+mn-ea"/>
+                <a:cs typeface="+mn-cs"/>
+              </a:rPr>
+              <a:t>Rasch</a:t>
+            </a:r>
+            <a:r>
+              <a:rPr lang="en-GB" sz="1200" kern="1200" dirty="0" smtClean="0">
+                <a:solidFill>
+                  <a:schemeClr val="tx1"/>
+                </a:solidFill>
+                <a:effectLst/>
+                <a:latin typeface="+mn-lt"/>
+                <a:ea typeface="+mn-ea"/>
+                <a:cs typeface="+mn-cs"/>
+              </a:rPr>
+              <a:t> model to consumer data. The data that I have consist of 999 individuals that responded to a number of different statements about their usual laundry product, such as ‘This product gives excellent cleaning overall’, and the response options ranged from ‘strongly disagree’ to ‘strongly agree’.</a:t>
+            </a:r>
             <a:endParaRPr lang="en-GB" dirty="0"/>
           </a:p>
         </p:txBody>
@@ -2599,7 +2869,7 @@
           <a:p>
             <a:fld id="{59BC607B-BC83-1C44-A501-8F981FF41469}" type="slidenum">
               <a:rPr lang="en-US" smtClean="0"/>
-              <a:t>9</a:t>
+              <a:t>6</a:t>
             </a:fld>
             <a:endParaRPr lang="en-US"/>
           </a:p>
@@ -2608,7 +2878,7 @@
     </p:spTree>
     <p:extLst>
       <p:ext uri="{BB962C8B-B14F-4D97-AF65-F5344CB8AC3E}">
-        <p14:creationId xmlns:p14="http://schemas.microsoft.com/office/powerpoint/2010/main" val="552679817"/>
+        <p14:creationId xmlns:p14="http://schemas.microsoft.com/office/powerpoint/2010/main" val="3139509268"/>
       </p:ext>
     </p:extLst>
   </p:cSld>
@@ -2662,109 +2932,62 @@
           <a:bodyPr/>
           <a:lstStyle/>
           <a:p>
-            <a:r>
-              <a:rPr lang="en-GB" dirty="0" smtClean="0"/>
-              <a:t>What can we get from the data?</a:t>
-            </a:r>
-          </a:p>
-          <a:p>
-            <a:pPr marL="228600" indent="-228600">
-              <a:buAutoNum type="arabicParenR"/>
+            <a:pPr marL="0" marR="0" lvl="0" indent="0" algn="l" defTabSz="914400" rtl="0" eaLnBrk="1" fontAlgn="auto" latinLnBrk="0" hangingPunct="1">
+              <a:lnSpc>
+                <a:spcPct val="100000"/>
+              </a:lnSpc>
+              <a:spcBef>
+                <a:spcPts val="0"/>
+              </a:spcBef>
+              <a:spcAft>
+                <a:spcPts val="0"/>
+              </a:spcAft>
+              <a:buClrTx/>
+              <a:buSzTx/>
+              <a:buFontTx/>
+              <a:buNone/>
+              <a:tabLst/>
+              <a:defRPr/>
             </a:pPr>
             <a:r>
-              <a:rPr lang="en-GB" dirty="0" smtClean="0"/>
-              <a:t>Remove </a:t>
-            </a:r>
-            <a:r>
-              <a:rPr lang="en-GB" dirty="0" err="1" smtClean="0"/>
-              <a:t>misfitting</a:t>
-            </a:r>
-            <a:r>
-              <a:rPr lang="en-GB" dirty="0" smtClean="0"/>
-              <a:t> people – people who don’t add any information (different</a:t>
-            </a:r>
-            <a:r>
-              <a:rPr lang="en-GB" baseline="0" dirty="0" smtClean="0"/>
-              <a:t> people were removed from the two types of analyses)</a:t>
+              <a:rPr lang="en-GB" sz="1200" kern="1200" dirty="0" smtClean="0">
+                <a:solidFill>
+                  <a:schemeClr val="tx1"/>
+                </a:solidFill>
+                <a:effectLst/>
+                <a:latin typeface="+mn-lt"/>
+                <a:ea typeface="+mn-ea"/>
+                <a:cs typeface="+mn-cs"/>
+              </a:rPr>
+              <a:t>The aim of the current research is apply the </a:t>
+            </a:r>
+            <a:r>
+              <a:rPr lang="en-GB" sz="1200" kern="1200" dirty="0" err="1" smtClean="0">
+                <a:solidFill>
+                  <a:schemeClr val="tx1"/>
+                </a:solidFill>
+                <a:effectLst/>
+                <a:latin typeface="+mn-lt"/>
+                <a:ea typeface="+mn-ea"/>
+                <a:cs typeface="+mn-cs"/>
+              </a:rPr>
+              <a:t>Rasch</a:t>
+            </a:r>
+            <a:r>
+              <a:rPr lang="en-GB" sz="1200" kern="1200" dirty="0" smtClean="0">
+                <a:solidFill>
+                  <a:schemeClr val="tx1"/>
+                </a:solidFill>
+                <a:effectLst/>
+                <a:latin typeface="+mn-lt"/>
+                <a:ea typeface="+mn-ea"/>
+                <a:cs typeface="+mn-cs"/>
+              </a:rPr>
+              <a:t> model to consumer data. The data that I have consist of 999 individuals that responded to a number of different statements about their usual laundry product, such as ‘This product gives excellent cleaning overall’, and the response options ranged from ‘strongly disagree’ to ‘strongly agree’.</a:t>
             </a:r>
             <a:endParaRPr lang="en-GB" dirty="0" smtClean="0"/>
           </a:p>
           <a:p>
-            <a:pPr marL="228600" indent="-228600">
-              <a:buAutoNum type="arabicParenR"/>
-            </a:pPr>
-            <a:r>
-              <a:rPr lang="en-GB" dirty="0" smtClean="0"/>
-              <a:t>Remove </a:t>
-            </a:r>
-            <a:r>
-              <a:rPr lang="en-GB" dirty="0" err="1" smtClean="0"/>
-              <a:t>misfitting</a:t>
-            </a:r>
-            <a:r>
-              <a:rPr lang="en-GB" dirty="0" smtClean="0"/>
-              <a:t> items – items that are either redundant and don’t tell us anything, or items that often</a:t>
-            </a:r>
-            <a:r>
-              <a:rPr lang="en-GB" baseline="0" dirty="0" smtClean="0"/>
-              <a:t> have random responses, suggesting that they might be confusing or misleading to the consumer</a:t>
-            </a:r>
-          </a:p>
-          <a:p>
-            <a:pPr marL="228600" indent="-228600">
-              <a:buAutoNum type="arabicParenR"/>
-            </a:pPr>
-            <a:r>
-              <a:rPr lang="en-GB" baseline="0" dirty="0" smtClean="0"/>
-              <a:t>Ordering of item ability – which ones are the easiest and which ones are the most difficult to endorse</a:t>
-            </a:r>
-          </a:p>
-          <a:p>
-            <a:pPr marL="228600" indent="-228600">
-              <a:buAutoNum type="arabicParenR"/>
-            </a:pPr>
-            <a:r>
-              <a:rPr lang="en-GB" baseline="0" dirty="0" smtClean="0"/>
-              <a:t>Person-item distributions – not well targeted for this sample and the statements are generally too easy to endorse</a:t>
-            </a:r>
-          </a:p>
-          <a:p>
-            <a:pPr marL="228600" indent="-228600">
-              <a:buAutoNum type="arabicParenR"/>
-            </a:pPr>
-            <a:r>
-              <a:rPr lang="en-GB" baseline="0" dirty="0" smtClean="0"/>
-              <a:t>Laundry product scores (and other demographics)</a:t>
-            </a:r>
-          </a:p>
-          <a:p>
-            <a:pPr marL="228600" indent="-228600">
-              <a:buAutoNum type="arabicParenR"/>
-            </a:pPr>
-            <a:r>
-              <a:rPr lang="en-GB" baseline="0" dirty="0" smtClean="0"/>
-              <a:t>ANOVA &amp; DIF – laundry products</a:t>
-            </a:r>
-          </a:p>
-          <a:p>
-            <a:pPr marL="228600" indent="-228600">
-              <a:buAutoNum type="arabicParenR"/>
-            </a:pPr>
-            <a:r>
-              <a:rPr lang="en-GB" baseline="0" dirty="0" smtClean="0"/>
-              <a:t>ANOVA &amp; DIF – other demographics</a:t>
-            </a:r>
-          </a:p>
-          <a:p>
-            <a:pPr marL="0" indent="0">
-              <a:buNone/>
-            </a:pPr>
-            <a:endParaRPr lang="en-GB" baseline="0" dirty="0" smtClean="0"/>
-          </a:p>
-          <a:p>
-            <a:pPr marL="0" indent="0">
-              <a:buNone/>
-            </a:pPr>
             <a:endParaRPr lang="en-GB" dirty="0"/>
           </a:p>
         </p:txBody>
@@ -2786,7 +3009,7 @@
           <a:p>
             <a:fld id="{59BC607B-BC83-1C44-A501-8F981FF41469}" type="slidenum">
               <a:rPr lang="en-US" smtClean="0"/>
-              <a:t>10</a:t>
+              <a:t>7</a:t>
             </a:fld>
             <a:endParaRPr lang="en-US"/>
           </a:p>
@@ -2795,7 +3018,7 @@
     </p:spTree>
     <p:extLst>
       <p:ext uri="{BB962C8B-B14F-4D97-AF65-F5344CB8AC3E}">
-        <p14:creationId xmlns:p14="http://schemas.microsoft.com/office/powerpoint/2010/main" val="3263838574"/>
+        <p14:creationId xmlns:p14="http://schemas.microsoft.com/office/powerpoint/2010/main" val="1840742618"/>
       </p:ext>
     </p:extLst>
   </p:cSld>
@@ -2849,109 +3072,143 @@
           <a:bodyPr/>
           <a:lstStyle/>
           <a:p>
-            <a:r>
-              <a:rPr lang="en-GB" dirty="0" smtClean="0"/>
-              <a:t>What can we get from the data?</a:t>
-            </a:r>
-          </a:p>
-          <a:p>
-            <a:pPr marL="228600" indent="-228600">
-              <a:buAutoNum type="arabicParenR"/>
-            </a:pPr>
-            <a:r>
-              <a:rPr lang="en-GB" dirty="0" smtClean="0"/>
-              <a:t>Remove </a:t>
-            </a:r>
-            <a:r>
-              <a:rPr lang="en-GB" dirty="0" err="1" smtClean="0"/>
-              <a:t>misfitting</a:t>
-            </a:r>
-            <a:r>
-              <a:rPr lang="en-GB" dirty="0" smtClean="0"/>
-              <a:t> people – people who don’t add any information (different</a:t>
-            </a:r>
-            <a:r>
-              <a:rPr lang="en-GB" baseline="0" dirty="0" smtClean="0"/>
-              <a:t> people were removed from the two types of analyses)</a:t>
-            </a:r>
-            <a:endParaRPr lang="en-GB" dirty="0" smtClean="0"/>
-          </a:p>
-          <a:p>
-            <a:pPr marL="228600" indent="-228600">
-              <a:buAutoNum type="arabicParenR"/>
-            </a:pPr>
-            <a:r>
-              <a:rPr lang="en-GB" dirty="0" smtClean="0"/>
-              <a:t>Remove </a:t>
-            </a:r>
-            <a:r>
-              <a:rPr lang="en-GB" dirty="0" err="1" smtClean="0"/>
-              <a:t>misfitting</a:t>
-            </a:r>
-            <a:r>
-              <a:rPr lang="en-GB" dirty="0" smtClean="0"/>
-              <a:t> items – items that are either redundant and don’t tell us anything, or items that often</a:t>
-            </a:r>
-            <a:r>
-              <a:rPr lang="en-GB" baseline="0" dirty="0" smtClean="0"/>
-              <a:t> have random responses, suggesting that they might be confusing or misleading to the consumer</a:t>
-            </a:r>
-          </a:p>
-          <a:p>
-            <a:pPr marL="228600" indent="-228600">
-              <a:buAutoNum type="arabicParenR"/>
-            </a:pPr>
-            <a:r>
-              <a:rPr lang="en-GB" baseline="0" dirty="0" smtClean="0"/>
-              <a:t>Ordering of item ability – which ones are the easiest and which ones are the most difficult to endorse</a:t>
-            </a:r>
-          </a:p>
-          <a:p>
-            <a:pPr marL="228600" indent="-228600">
-              <a:buAutoNum type="arabicParenR"/>
-            </a:pPr>
-            <a:r>
-              <a:rPr lang="en-GB" baseline="0" dirty="0" smtClean="0"/>
-              <a:t>Person-item distributions – not well targeted for this sample and the statements are generally too easy to endorse</a:t>
-            </a:r>
-          </a:p>
-          <a:p>
-            <a:pPr marL="228600" indent="-228600">
-              <a:buAutoNum type="arabicParenR"/>
-            </a:pPr>
-            <a:r>
-              <a:rPr lang="en-GB" baseline="0" dirty="0" smtClean="0"/>
-              <a:t>Laundry product scores (and other demographics)</a:t>
-            </a:r>
-          </a:p>
-          <a:p>
-            <a:pPr marL="228600" indent="-228600">
-              <a:buAutoNum type="arabicParenR"/>
-            </a:pPr>
-            <a:r>
-              <a:rPr lang="en-GB" baseline="0" dirty="0" smtClean="0"/>
-              <a:t>ANOVA &amp; DIF – laundry products</a:t>
-            </a:r>
-          </a:p>
-          <a:p>
-            <a:pPr marL="228600" indent="-228600">
-              <a:buAutoNum type="arabicParenR"/>
-            </a:pPr>
-            <a:r>
-              <a:rPr lang="en-GB" baseline="0" dirty="0" smtClean="0"/>
-              <a:t>ANOVA &amp; DIF – other demographics</a:t>
-            </a:r>
-          </a:p>
-          <a:p>
-            <a:pPr marL="0" indent="0">
-              <a:buNone/>
-            </a:pPr>
-            <a:endParaRPr lang="en-GB" baseline="0" dirty="0" smtClean="0"/>
-          </a:p>
-          <a:p>
-            <a:pPr marL="0" indent="0">
-              <a:buNone/>
-            </a:pPr>
+            <a:pPr lvl="0"/>
+            <a:r>
+              <a:rPr lang="en-GB" sz="1200" kern="1200" dirty="0" smtClean="0">
+                <a:solidFill>
+                  <a:schemeClr val="tx1"/>
+                </a:solidFill>
+                <a:effectLst/>
+                <a:latin typeface="+mn-lt"/>
+                <a:ea typeface="+mn-ea"/>
+                <a:cs typeface="+mn-cs"/>
+              </a:rPr>
+              <a:t>In this context, the latent trait that we are measuring with the </a:t>
+            </a:r>
+            <a:r>
+              <a:rPr lang="en-GB" sz="1200" kern="1200" dirty="0" err="1" smtClean="0">
+                <a:solidFill>
+                  <a:schemeClr val="tx1"/>
+                </a:solidFill>
+                <a:effectLst/>
+                <a:latin typeface="+mn-lt"/>
+                <a:ea typeface="+mn-ea"/>
+                <a:cs typeface="+mn-cs"/>
+              </a:rPr>
+              <a:t>Rasch</a:t>
+            </a:r>
+            <a:r>
+              <a:rPr lang="en-GB" sz="1200" kern="1200" dirty="0" smtClean="0">
+                <a:solidFill>
+                  <a:schemeClr val="tx1"/>
+                </a:solidFill>
+                <a:effectLst/>
+                <a:latin typeface="+mn-lt"/>
+                <a:ea typeface="+mn-ea"/>
+                <a:cs typeface="+mn-cs"/>
+              </a:rPr>
+              <a:t> model is the ‘endorsement of usual laundry product’. The survey statements are the </a:t>
+            </a:r>
+            <a:r>
+              <a:rPr lang="en-GB" sz="1200" kern="1200" dirty="0" err="1" smtClean="0">
+                <a:solidFill>
+                  <a:schemeClr val="tx1"/>
+                </a:solidFill>
+                <a:effectLst/>
+                <a:latin typeface="+mn-lt"/>
+                <a:ea typeface="+mn-ea"/>
+                <a:cs typeface="+mn-cs"/>
+              </a:rPr>
+              <a:t>Rasch</a:t>
+            </a:r>
+            <a:r>
+              <a:rPr lang="en-GB" sz="1200" kern="1200" dirty="0" smtClean="0">
+                <a:solidFill>
+                  <a:schemeClr val="tx1"/>
+                </a:solidFill>
+                <a:effectLst/>
+                <a:latin typeface="+mn-lt"/>
+                <a:ea typeface="+mn-ea"/>
+                <a:cs typeface="+mn-cs"/>
+              </a:rPr>
+              <a:t> items, and the item difficulty corresponds to the likelihood of that specific statement to be endorsed. Similarly, the person ability can be considered as the likelihood of an individual to endorse their usual laundry product.  A person with a higher ability is more likely to endorse their product than a person of a lower ability.</a:t>
+            </a:r>
+          </a:p>
+          <a:p>
+            <a:r>
+              <a:rPr lang="en-GB" sz="1200" kern="1200" dirty="0" smtClean="0">
+                <a:solidFill>
+                  <a:schemeClr val="tx1"/>
+                </a:solidFill>
+                <a:effectLst/>
+                <a:latin typeface="+mn-lt"/>
+                <a:ea typeface="+mn-ea"/>
+                <a:cs typeface="+mn-cs"/>
+              </a:rPr>
+              <a:t> </a:t>
+            </a:r>
+          </a:p>
+          <a:p>
+            <a:r>
+              <a:rPr lang="en-GB" sz="1200" kern="1200" dirty="0" smtClean="0">
+                <a:solidFill>
+                  <a:schemeClr val="tx1"/>
+                </a:solidFill>
+                <a:effectLst/>
+                <a:latin typeface="+mn-lt"/>
+                <a:ea typeface="+mn-ea"/>
+                <a:cs typeface="+mn-cs"/>
+              </a:rPr>
+              <a:t>I’ve used specific </a:t>
+            </a:r>
+            <a:r>
+              <a:rPr lang="en-GB" sz="1200" kern="1200" dirty="0" err="1" smtClean="0">
+                <a:solidFill>
+                  <a:schemeClr val="tx1"/>
+                </a:solidFill>
+                <a:effectLst/>
+                <a:latin typeface="+mn-lt"/>
+                <a:ea typeface="+mn-ea"/>
+                <a:cs typeface="+mn-cs"/>
+              </a:rPr>
+              <a:t>Rasch</a:t>
+            </a:r>
+            <a:r>
+              <a:rPr lang="en-GB" sz="1200" kern="1200" dirty="0" smtClean="0">
+                <a:solidFill>
+                  <a:schemeClr val="tx1"/>
+                </a:solidFill>
+                <a:effectLst/>
+                <a:latin typeface="+mn-lt"/>
+                <a:ea typeface="+mn-ea"/>
+                <a:cs typeface="+mn-cs"/>
+              </a:rPr>
+              <a:t> measurement software to assess the fit of the data to the </a:t>
+            </a:r>
+            <a:r>
+              <a:rPr lang="en-GB" sz="1200" kern="1200" dirty="0" err="1" smtClean="0">
+                <a:solidFill>
+                  <a:schemeClr val="tx1"/>
+                </a:solidFill>
+                <a:effectLst/>
+                <a:latin typeface="+mn-lt"/>
+                <a:ea typeface="+mn-ea"/>
+                <a:cs typeface="+mn-cs"/>
+              </a:rPr>
+              <a:t>Rasch</a:t>
+            </a:r>
+            <a:r>
+              <a:rPr lang="en-GB" sz="1200" kern="1200" dirty="0" smtClean="0">
+                <a:solidFill>
+                  <a:schemeClr val="tx1"/>
+                </a:solidFill>
+                <a:effectLst/>
+                <a:latin typeface="+mn-lt"/>
+                <a:ea typeface="+mn-ea"/>
+                <a:cs typeface="+mn-cs"/>
+              </a:rPr>
+              <a:t> model. The fit of the data can be determined according to several fit statistics that reveal how closely the data follows the expected pattern. </a:t>
+            </a:r>
             <a:endParaRPr lang="en-GB" dirty="0"/>
           </a:p>
         </p:txBody>
@@ -2973,7 +3230,7 @@
           <a:p>
             <a:fld id="{59BC607B-BC83-1C44-A501-8F981FF41469}" type="slidenum">
               <a:rPr lang="en-US" smtClean="0"/>
-              <a:t>11</a:t>
+              <a:t>8</a:t>
             </a:fld>
             <a:endParaRPr lang="en-US"/>
           </a:p>
@@ -2982,7 +3239,7 @@
     </p:spTree>
     <p:extLst>
       <p:ext uri="{BB962C8B-B14F-4D97-AF65-F5344CB8AC3E}">
-        <p14:creationId xmlns:p14="http://schemas.microsoft.com/office/powerpoint/2010/main" val="4199624833"/>
+        <p14:creationId xmlns:p14="http://schemas.microsoft.com/office/powerpoint/2010/main" val="3340170883"/>
       </p:ext>
     </p:extLst>
   </p:cSld>
@@ -3037,108 +3294,65 @@
           <a:lstStyle/>
           <a:p>
             <a:r>
-              <a:rPr lang="en-GB" dirty="0" smtClean="0"/>
-              <a:t>What can we get from the data?</a:t>
-            </a:r>
-          </a:p>
-          <a:p>
-            <a:pPr marL="228600" indent="-228600">
-              <a:buAutoNum type="arabicParenR"/>
-            </a:pPr>
-            <a:r>
-              <a:rPr lang="en-GB" dirty="0" smtClean="0"/>
-              <a:t>Remove </a:t>
-            </a:r>
-            <a:r>
-              <a:rPr lang="en-GB" dirty="0" err="1" smtClean="0"/>
+              <a:rPr lang="en-GB" sz="1200" kern="1200" dirty="0" smtClean="0">
+                <a:solidFill>
+                  <a:schemeClr val="tx1"/>
+                </a:solidFill>
+                <a:effectLst/>
+                <a:latin typeface="+mn-lt"/>
+                <a:ea typeface="+mn-ea"/>
+                <a:cs typeface="+mn-cs"/>
+              </a:rPr>
+              <a:t>Firstly, we are able to examine the people themselves, where each person has a fit residual. The closer the residual is to zero, the more closely the person fits the </a:t>
+            </a:r>
+            <a:r>
+              <a:rPr lang="en-GB" sz="1200" kern="1200" dirty="0" err="1" smtClean="0">
+                <a:solidFill>
+                  <a:schemeClr val="tx1"/>
+                </a:solidFill>
+                <a:effectLst/>
+                <a:latin typeface="+mn-lt"/>
+                <a:ea typeface="+mn-ea"/>
+                <a:cs typeface="+mn-cs"/>
+              </a:rPr>
+              <a:t>Rasch</a:t>
+            </a:r>
+            <a:r>
+              <a:rPr lang="en-GB" sz="1200" kern="1200" dirty="0" smtClean="0">
+                <a:solidFill>
+                  <a:schemeClr val="tx1"/>
+                </a:solidFill>
+                <a:effectLst/>
+                <a:latin typeface="+mn-lt"/>
+                <a:ea typeface="+mn-ea"/>
+                <a:cs typeface="+mn-cs"/>
+              </a:rPr>
+              <a:t> model. Significant fit residuals can reveal if a person’s responses are too predictable, where they might just be selecting the same response for all items. Similarly, we are also able to see if a person’s responses are too random and meaningless. We can then remove these </a:t>
+            </a:r>
+            <a:r>
+              <a:rPr lang="en-GB" sz="1200" kern="1200" dirty="0" err="1" smtClean="0">
+                <a:solidFill>
+                  <a:schemeClr val="tx1"/>
+                </a:solidFill>
+                <a:effectLst/>
+                <a:latin typeface="+mn-lt"/>
+                <a:ea typeface="+mn-ea"/>
+                <a:cs typeface="+mn-cs"/>
+              </a:rPr>
               <a:t>misfitting</a:t>
             </a:r>
             <a:r>
-              <a:rPr lang="en-GB" dirty="0" smtClean="0"/>
-              <a:t> people – people who don’t add any information (different</a:t>
-            </a:r>
-            <a:r>
-              <a:rPr lang="en-GB" baseline="0" dirty="0" smtClean="0"/>
-              <a:t> people were removed from the two types of analyses)</a:t>
-            </a:r>
-            <a:endParaRPr lang="en-GB" dirty="0" smtClean="0"/>
-          </a:p>
-          <a:p>
-            <a:pPr marL="228600" indent="-228600">
-              <a:buAutoNum type="arabicParenR"/>
-            </a:pPr>
-            <a:r>
-              <a:rPr lang="en-GB" dirty="0" smtClean="0"/>
-              <a:t>Remove </a:t>
-            </a:r>
-            <a:r>
-              <a:rPr lang="en-GB" dirty="0" err="1" smtClean="0"/>
-              <a:t>misfitting</a:t>
-            </a:r>
-            <a:r>
-              <a:rPr lang="en-GB" dirty="0" smtClean="0"/>
-              <a:t> items – items that are either redundant and don’t tell us anything, or items that often</a:t>
-            </a:r>
-            <a:r>
-              <a:rPr lang="en-GB" baseline="0" dirty="0" smtClean="0"/>
-              <a:t> have random responses, suggesting that they might be confusing or misleading to the consumer</a:t>
-            </a:r>
-          </a:p>
-          <a:p>
-            <a:pPr marL="228600" indent="-228600">
-              <a:buAutoNum type="arabicParenR"/>
-            </a:pPr>
-            <a:r>
-              <a:rPr lang="en-GB" baseline="0" dirty="0" smtClean="0"/>
-              <a:t>Ordering of item ability – which ones are the easiest and which ones are the most difficult to endorse</a:t>
-            </a:r>
-          </a:p>
-          <a:p>
-            <a:pPr marL="228600" indent="-228600">
-              <a:buAutoNum type="arabicParenR"/>
-            </a:pPr>
-            <a:r>
-              <a:rPr lang="en-GB" baseline="0" dirty="0" smtClean="0"/>
-              <a:t>Person-item distributions – not well targeted for this sample and the statements are generally too easy to endorse</a:t>
-            </a:r>
-          </a:p>
-          <a:p>
-            <a:pPr marL="228600" indent="-228600">
-              <a:buAutoNum type="arabicParenR"/>
-            </a:pPr>
-            <a:r>
-              <a:rPr lang="en-GB" baseline="0" dirty="0" smtClean="0"/>
-              <a:t>Laundry product scores (and other demographics)</a:t>
-            </a:r>
-          </a:p>
-          <a:p>
-            <a:pPr marL="228600" indent="-228600">
-              <a:buAutoNum type="arabicParenR"/>
-            </a:pPr>
-            <a:r>
-              <a:rPr lang="en-GB" baseline="0" dirty="0" smtClean="0"/>
-              <a:t>ANOVA &amp; DIF – laundry products</a:t>
-            </a:r>
-          </a:p>
-          <a:p>
-            <a:pPr marL="228600" indent="-228600">
-              <a:buAutoNum type="arabicParenR"/>
-            </a:pPr>
-            <a:r>
-              <a:rPr lang="en-GB" baseline="0" dirty="0" smtClean="0"/>
-              <a:t>ANOVA &amp; DIF – other demographics</a:t>
-            </a:r>
-          </a:p>
-          <a:p>
-            <a:pPr marL="0" indent="0">
-              <a:buNone/>
-            </a:pPr>
-            <a:endParaRPr lang="en-GB" baseline="0" dirty="0" smtClean="0"/>
-          </a:p>
-          <a:p>
-            <a:pPr marL="0" indent="0">
-              <a:buNone/>
-            </a:pPr>
+              <a:rPr lang="en-GB" sz="1200" kern="1200" dirty="0" smtClean="0">
+                <a:solidFill>
+                  <a:schemeClr val="tx1"/>
+                </a:solidFill>
+                <a:effectLst/>
+                <a:latin typeface="+mn-lt"/>
+                <a:ea typeface="+mn-ea"/>
+                <a:cs typeface="+mn-cs"/>
+              </a:rPr>
+              <a:t> people – who don’t give us meaningful information – from the analysis. </a:t>
+            </a:r>
             <a:endParaRPr lang="en-GB" dirty="0"/>
           </a:p>
         </p:txBody>
@@ -3160,7 +3374,7 @@
           <a:p>
             <a:fld id="{59BC607B-BC83-1C44-A501-8F981FF41469}" type="slidenum">
               <a:rPr lang="en-US" smtClean="0"/>
-              <a:t>12</a:t>
+              <a:t>9</a:t>
             </a:fld>
             <a:endParaRPr lang="en-US"/>
           </a:p>
@@ -3169,7 +3383,7 @@
     </p:spTree>
     <p:extLst>
       <p:ext uri="{BB962C8B-B14F-4D97-AF65-F5344CB8AC3E}">
-        <p14:creationId xmlns:p14="http://schemas.microsoft.com/office/powerpoint/2010/main" val="924401340"/>
+        <p14:creationId xmlns:p14="http://schemas.microsoft.com/office/powerpoint/2010/main" val="125834891"/>
       </p:ext>
     </p:extLst>
   </p:cSld>
@@ -3310,7 +3524,7 @@
           <a:p>
             <a:fld id="{52232136-154D-8E49-9F0F-8D035B85AE6F}" type="datetimeFigureOut">
               <a:rPr lang="en-US" smtClean="0"/>
-              <a:t>1/17/2020</a:t>
+              <a:t>1/22/2020</a:t>
             </a:fld>
             <a:endParaRPr lang="en-US"/>
           </a:p>
@@ -3480,7 +3694,7 @@
           <a:p>
             <a:fld id="{52232136-154D-8E49-9F0F-8D035B85AE6F}" type="datetimeFigureOut">
               <a:rPr lang="en-US" smtClean="0"/>
-              <a:t>1/17/2020</a:t>
+              <a:t>1/22/2020</a:t>
             </a:fld>
             <a:endParaRPr lang="en-US"/>
           </a:p>
@@ -3660,7 +3874,7 @@
           <a:p>
             <a:fld id="{52232136-154D-8E49-9F0F-8D035B85AE6F}" type="datetimeFigureOut">
               <a:rPr lang="en-US" smtClean="0"/>
-              <a:t>1/17/2020</a:t>
+              <a:t>1/22/2020</a:t>
             </a:fld>
             <a:endParaRPr lang="en-US"/>
           </a:p>
@@ -3830,7 +4044,7 @@
           <a:p>
             <a:fld id="{52232136-154D-8E49-9F0F-8D035B85AE6F}" type="datetimeFigureOut">
               <a:rPr lang="en-US" smtClean="0"/>
-              <a:t>1/17/2020</a:t>
+              <a:t>1/22/2020</a:t>
             </a:fld>
             <a:endParaRPr lang="en-US"/>
           </a:p>
@@ -4076,7 +4290,7 @@
           <a:p>
             <a:fld id="{52232136-154D-8E49-9F0F-8D035B85AE6F}" type="datetimeFigureOut">
               <a:rPr lang="en-US" smtClean="0"/>
-              <a:t>1/17/2020</a:t>
+              <a:t>1/22/2020</a:t>
             </a:fld>
             <a:endParaRPr lang="en-US"/>
           </a:p>
@@ -4308,7 +4522,7 @@
           <a:p>
             <a:fld id="{52232136-154D-8E49-9F0F-8D035B85AE6F}" type="datetimeFigureOut">
               <a:rPr lang="en-US" smtClean="0"/>
-              <a:t>1/17/2020</a:t>
+              <a:t>1/22/2020</a:t>
             </a:fld>
             <a:endParaRPr lang="en-US"/>
           </a:p>
@@ -4675,7 +4889,7 @@
           <a:p>
             <a:fld id="{52232136-154D-8E49-9F0F-8D035B85AE6F}" type="datetimeFigureOut">
               <a:rPr lang="en-US" smtClean="0"/>
-              <a:t>1/17/2020</a:t>
+              <a:t>1/22/2020</a:t>
             </a:fld>
             <a:endParaRPr lang="en-US"/>
           </a:p>
@@ -4793,7 +5007,7 @@
           <a:p>
             <a:fld id="{52232136-154D-8E49-9F0F-8D035B85AE6F}" type="datetimeFigureOut">
               <a:rPr lang="en-US" smtClean="0"/>
-              <a:t>1/17/2020</a:t>
+              <a:t>1/22/2020</a:t>
             </a:fld>
             <a:endParaRPr lang="en-US"/>
           </a:p>
@@ -4888,7 +5102,7 @@
           <a:p>
             <a:fld id="{52232136-154D-8E49-9F0F-8D035B85AE6F}" type="datetimeFigureOut">
               <a:rPr lang="en-US" smtClean="0"/>
-              <a:t>1/17/2020</a:t>
+              <a:t>1/22/2020</a:t>
             </a:fld>
             <a:endParaRPr lang="en-US"/>
           </a:p>
@@ -5165,7 +5379,7 @@
           <a:p>
             <a:fld id="{52232136-154D-8E49-9F0F-8D035B85AE6F}" type="datetimeFigureOut">
               <a:rPr lang="en-US" smtClean="0"/>
-              <a:t>1/17/2020</a:t>
+              <a:t>1/22/2020</a:t>
             </a:fld>
             <a:endParaRPr lang="en-US"/>
           </a:p>
@@ -5418,7 +5632,7 @@
           <a:p>
             <a:fld id="{52232136-154D-8E49-9F0F-8D035B85AE6F}" type="datetimeFigureOut">
               <a:rPr lang="en-US" smtClean="0"/>
-              <a:t>1/17/2020</a:t>
+              <a:t>1/22/2020</a:t>
             </a:fld>
             <a:endParaRPr lang="en-US"/>
           </a:p>
@@ -5631,7 +5845,7 @@
           <a:p>
             <a:fld id="{52232136-154D-8E49-9F0F-8D035B85AE6F}" type="datetimeFigureOut">
               <a:rPr lang="en-US" smtClean="0"/>
-              <a:t>1/17/2020</a:t>
+              <a:t>1/22/2020</a:t>
             </a:fld>
             <a:endParaRPr lang="en-US"/>
           </a:p>
@@ -6096,7 +6310,7 @@
           </p:blipFill>
           <p:spPr>
             <a:xfrm>
-              <a:off x="2051924" y="989746"/>
+              <a:off x="2063956" y="989746"/>
               <a:ext cx="7460564" cy="4796835"/>
             </a:xfrm>
             <a:prstGeom prst="rect">
@@ -7064,7 +7278,7 @@
         </p:blipFill>
         <p:spPr>
           <a:xfrm>
-            <a:off x="3076642" y="4425287"/>
+            <a:off x="3100706" y="4413255"/>
             <a:ext cx="345648" cy="345648"/>
           </a:xfrm>
           <a:prstGeom prst="rect">
@@ -7094,176 +7308,12 @@
         </p:blipFill>
         <p:spPr>
           <a:xfrm>
-            <a:off x="4177326" y="5226527"/>
+            <a:off x="4153262" y="5250591"/>
             <a:ext cx="345648" cy="345648"/>
           </a:xfrm>
           <a:prstGeom prst="rect">
             <a:avLst/>
           </a:prstGeom>
-        </p:spPr>
-      </p:pic>
-      <p:pic>
-        <p:nvPicPr>
-          <p:cNvPr id="1028" name="Picture 4" descr="Image result for arm and hammer logo&quot;"/>
-          <p:cNvPicPr>
-            <a:picLocks noChangeAspect="1" noChangeArrowheads="1"/>
-          </p:cNvPicPr>
-          <p:nvPr/>
-        </p:nvPicPr>
-        <p:blipFill>
-          <a:blip r:embed="rId5">
-            <a:extLst>
-              <a:ext uri="{28A0092B-C50C-407E-A947-70E740481C1C}">
-                <a14:useLocalDpi xmlns:a14="http://schemas.microsoft.com/office/drawing/2010/main" val="0"/>
-              </a:ext>
-            </a:extLst>
-          </a:blip>
-          <a:srcRect/>
-          <a:stretch>
-            <a:fillRect/>
-          </a:stretch>
-        </p:blipFill>
-        <p:spPr bwMode="auto">
-          <a:xfrm>
-            <a:off x="3088088" y="2771690"/>
-            <a:ext cx="382129" cy="382129"/>
-          </a:xfrm>
-          <a:prstGeom prst="rect">
-            <a:avLst/>
-          </a:prstGeom>
-          <a:noFill/>
-          <a:extLst>
-            <a:ext uri="{909E8E84-426E-40DD-AFC4-6F175D3DCCD1}">
-              <a14:hiddenFill xmlns:a14="http://schemas.microsoft.com/office/drawing/2010/main">
-                <a:solidFill>
-                  <a:srgbClr val="FFFFFF"/>
-                </a:solidFill>
-              </a14:hiddenFill>
-            </a:ext>
-          </a:extLst>
-        </p:spPr>
-      </p:pic>
-      <p:pic>
-        <p:nvPicPr>
-          <p:cNvPr id="44" name="Picture 4" descr="Image result for arm and hammer logo&quot;"/>
-          <p:cNvPicPr>
-            <a:picLocks noChangeAspect="1" noChangeArrowheads="1"/>
-          </p:cNvPicPr>
-          <p:nvPr/>
-        </p:nvPicPr>
-        <p:blipFill>
-          <a:blip r:embed="rId5">
-            <a:extLst>
-              <a:ext uri="{28A0092B-C50C-407E-A947-70E740481C1C}">
-                <a14:useLocalDpi xmlns:a14="http://schemas.microsoft.com/office/drawing/2010/main" val="0"/>
-              </a:ext>
-            </a:extLst>
-          </a:blip>
-          <a:srcRect/>
-          <a:stretch>
-            <a:fillRect/>
-          </a:stretch>
-        </p:blipFill>
-        <p:spPr bwMode="auto">
-          <a:xfrm>
-            <a:off x="1973506" y="4016483"/>
-            <a:ext cx="382129" cy="382129"/>
-          </a:xfrm>
-          <a:prstGeom prst="rect">
-            <a:avLst/>
-          </a:prstGeom>
-          <a:noFill/>
-          <a:extLst>
-            <a:ext uri="{909E8E84-426E-40DD-AFC4-6F175D3DCCD1}">
-              <a14:hiddenFill xmlns:a14="http://schemas.microsoft.com/office/drawing/2010/main">
-                <a:solidFill>
-                  <a:srgbClr val="FFFFFF"/>
-                </a:solidFill>
-              </a14:hiddenFill>
-            </a:ext>
-          </a:extLst>
-        </p:spPr>
-      </p:pic>
-      <p:pic>
-        <p:nvPicPr>
-          <p:cNvPr id="1030" name="Picture 6" descr="Image result for henkel logo&quot;"/>
-          <p:cNvPicPr>
-            <a:picLocks noChangeAspect="1" noChangeArrowheads="1"/>
-          </p:cNvPicPr>
-          <p:nvPr/>
-        </p:nvPicPr>
-        <p:blipFill>
-          <a:blip r:embed="rId6">
-            <a:extLst>
-              <a:ext uri="{28A0092B-C50C-407E-A947-70E740481C1C}">
-                <a14:useLocalDpi xmlns:a14="http://schemas.microsoft.com/office/drawing/2010/main" val="0"/>
-              </a:ext>
-            </a:extLst>
-          </a:blip>
-          <a:srcRect/>
-          <a:stretch>
-            <a:fillRect/>
-          </a:stretch>
-        </p:blipFill>
-        <p:spPr bwMode="auto">
-          <a:xfrm>
-            <a:off x="3701977" y="3179227"/>
-            <a:ext cx="625277" cy="352760"/>
-          </a:xfrm>
-          <a:prstGeom prst="rect">
-            <a:avLst/>
-          </a:prstGeom>
-          <a:noFill/>
-          <a:extLst>
-            <a:ext uri="{909E8E84-426E-40DD-AFC4-6F175D3DCCD1}">
-              <a14:hiddenFill xmlns:a14="http://schemas.microsoft.com/office/drawing/2010/main">
-                <a:solidFill>
-                  <a:srgbClr val="FFFFFF"/>
-                </a:solidFill>
-              </a14:hiddenFill>
-            </a:ext>
-          </a:extLst>
-        </p:spPr>
-      </p:pic>
-      <p:pic>
-        <p:nvPicPr>
-          <p:cNvPr id="47" name="Picture 6" descr="Image result for henkel logo&quot;"/>
-          <p:cNvPicPr>
-            <a:picLocks noChangeAspect="1" noChangeArrowheads="1"/>
-          </p:cNvPicPr>
-          <p:nvPr/>
-        </p:nvPicPr>
-        <p:blipFill>
-          <a:blip r:embed="rId6">
-            <a:extLst>
-              <a:ext uri="{28A0092B-C50C-407E-A947-70E740481C1C}">
-                <a14:useLocalDpi xmlns:a14="http://schemas.microsoft.com/office/drawing/2010/main" val="0"/>
-              </a:ext>
-            </a:extLst>
-          </a:blip>
-          <a:srcRect/>
-          <a:stretch>
-            <a:fillRect/>
-          </a:stretch>
-        </p:blipFill>
-        <p:spPr bwMode="auto">
-          <a:xfrm>
-            <a:off x="2950274" y="4873767"/>
-            <a:ext cx="625277" cy="352760"/>
-          </a:xfrm>
-          <a:prstGeom prst="rect">
-            <a:avLst/>
-          </a:prstGeom>
-          <a:noFill/>
-          <a:extLst>
-            <a:ext uri="{909E8E84-426E-40DD-AFC4-6F175D3DCCD1}">
-              <a14:hiddenFill xmlns:a14="http://schemas.microsoft.com/office/drawing/2010/main">
-                <a:solidFill>
-                  <a:srgbClr val="FFFFFF"/>
-                </a:solidFill>
-              </a14:hiddenFill>
-            </a:ext>
-          </a:extLst>
         </p:spPr>
       </p:pic>
       <p:sp>
@@ -7290,13 +7340,13 @@
           <a:p>
             <a:r>
               <a:rPr lang="en-GB" dirty="0" smtClean="0">
-                <a:hlinkClick r:id="rId7"/>
+                <a:hlinkClick r:id="rId5"/>
               </a:rPr>
               <a:t>https</a:t>
             </a:r>
             <a:r>
               <a:rPr lang="en-GB" dirty="0">
-                <a:hlinkClick r:id="rId7"/>
+                <a:hlinkClick r:id="rId5"/>
               </a:rPr>
               <a:t>://www.statista.com/statistics/188716/top-liquid-laundry-detergent-brands-in-the-united-states/</a:t>
             </a:r>
@@ -7341,39 +7391,57 @@
           <a:chExt cx="0" cy="0"/>
         </a:xfrm>
       </p:grpSpPr>
+      <p:pic>
+        <p:nvPicPr>
+          <p:cNvPr id="2050" name="Picture 2" descr="Business people in organization office and freelance job character. Premium Vector"/>
+          <p:cNvPicPr>
+            <a:picLocks noChangeAspect="1" noChangeArrowheads="1"/>
+          </p:cNvPicPr>
+          <p:nvPr/>
+        </p:nvPicPr>
+        <p:blipFill>
+          <a:blip r:embed="rId3">
+            <a:extLst>
+              <a:ext uri="{28A0092B-C50C-407E-A947-70E740481C1C}">
+                <a14:useLocalDpi xmlns:a14="http://schemas.microsoft.com/office/drawing/2010/main" val="0"/>
+              </a:ext>
+            </a:extLst>
+          </a:blip>
+          <a:srcRect/>
+          <a:stretch>
+            <a:fillRect/>
+          </a:stretch>
+        </p:blipFill>
+        <p:spPr bwMode="auto">
+          <a:xfrm>
+            <a:off x="4455757" y="1930270"/>
+            <a:ext cx="3224212" cy="3224212"/>
+          </a:xfrm>
+          <a:prstGeom prst="rect">
+            <a:avLst/>
+          </a:prstGeom>
+          <a:noFill/>
+          <a:extLst>
+            <a:ext uri="{909E8E84-426E-40DD-AFC4-6F175D3DCCD1}">
+              <a14:hiddenFill xmlns:a14="http://schemas.microsoft.com/office/drawing/2010/main">
+                <a:solidFill>
+                  <a:srgbClr val="FFFFFF"/>
+                </a:solidFill>
+              </a14:hiddenFill>
+            </a:ext>
+          </a:extLst>
+        </p:spPr>
+      </p:pic>
       <p:sp>
         <p:nvSpPr>
-          <p:cNvPr id="2" name="Title 1"/>
-          <p:cNvSpPr>
-            <a:spLocks noGrp="1"/>
-          </p:cNvSpPr>
-          <p:nvPr>
-            <p:ph type="title"/>
-          </p:nvPr>
-        </p:nvSpPr>
-        <p:spPr/>
-        <p:txBody>
-          <a:bodyPr/>
-          <a:lstStyle/>
-          <a:p>
-            <a:r>
-              <a:rPr lang="en-GB" dirty="0" smtClean="0"/>
-              <a:t>Individual item fit (Agreements)</a:t>
-            </a:r>
-            <a:endParaRPr lang="en-GB" dirty="0"/>
-          </a:p>
-        </p:txBody>
-      </p:sp>
-      <p:sp>
-        <p:nvSpPr>
-          <p:cNvPr id="3" name="TextBox 2"/>
+          <p:cNvPr id="8" name="TextBox 7"/>
           <p:cNvSpPr txBox="1"/>
           <p:nvPr/>
         </p:nvSpPr>
         <p:spPr>
           <a:xfrm>
-            <a:off x="558800" y="1574800"/>
-            <a:ext cx="5308600" cy="4524315"/>
+            <a:off x="4759763" y="759365"/>
+            <a:ext cx="2616200" cy="461665"/>
           </a:xfrm>
           <a:prstGeom prst="rect">
             <a:avLst/>
@@ -7386,171 +7454,171 @@
           </a:bodyPr>
           <a:lstStyle/>
           <a:p>
-            <a:pPr marL="342900" indent="-342900">
-              <a:buFont typeface="+mj-lt"/>
-              <a:buAutoNum type="arabicPeriod"/>
-            </a:pPr>
-            <a:r>
-              <a:rPr lang="en-GB" dirty="0" smtClean="0"/>
-              <a:t>Excellent value</a:t>
-            </a:r>
-          </a:p>
-          <a:p>
-            <a:pPr marL="342900" indent="-342900">
-              <a:buFont typeface="+mj-lt"/>
-              <a:buAutoNum type="arabicPeriod"/>
-            </a:pPr>
-            <a:r>
-              <a:rPr lang="en-GB" dirty="0" smtClean="0"/>
-              <a:t>Cleaning overall</a:t>
-            </a:r>
-          </a:p>
-          <a:p>
-            <a:pPr marL="342900" indent="-342900">
-              <a:buFont typeface="+mj-lt"/>
-              <a:buAutoNum type="arabicPeriod"/>
-            </a:pPr>
-            <a:r>
-              <a:rPr lang="en-GB" dirty="0" smtClean="0"/>
-              <a:t>Removing tough stains</a:t>
-            </a:r>
-          </a:p>
-          <a:p>
-            <a:pPr marL="342900" indent="-342900">
-              <a:buFont typeface="+mj-lt"/>
-              <a:buAutoNum type="arabicPeriod"/>
-            </a:pPr>
-            <a:r>
-              <a:rPr lang="en-GB" dirty="0"/>
-              <a:t>Providing bright whites</a:t>
-            </a:r>
-          </a:p>
-          <a:p>
-            <a:pPr marL="342900" indent="-342900">
-              <a:buFont typeface="+mj-lt"/>
-              <a:buAutoNum type="arabicPeriod"/>
-            </a:pPr>
-            <a:r>
-              <a:rPr lang="en-GB" dirty="0"/>
-              <a:t>Keeping dark clothes dark</a:t>
-            </a:r>
-          </a:p>
-          <a:p>
-            <a:pPr marL="342900" indent="-342900">
-              <a:buFont typeface="+mj-lt"/>
-              <a:buAutoNum type="arabicPeriod"/>
-            </a:pPr>
-            <a:r>
-              <a:rPr lang="en-GB" dirty="0"/>
-              <a:t>Providing vivid colours</a:t>
-            </a:r>
-          </a:p>
-          <a:p>
-            <a:pPr marL="342900" indent="-342900">
-              <a:buFont typeface="+mj-lt"/>
-              <a:buAutoNum type="arabicPeriod"/>
-            </a:pPr>
-            <a:r>
-              <a:rPr lang="en-GB" dirty="0" smtClean="0"/>
-              <a:t>Overall scent</a:t>
-            </a:r>
-          </a:p>
-          <a:p>
-            <a:pPr marL="342900" indent="-342900">
-              <a:buFont typeface="+mj-lt"/>
-              <a:buAutoNum type="arabicPeriod"/>
-            </a:pPr>
-            <a:r>
-              <a:rPr lang="en-GB" dirty="0" smtClean="0"/>
-              <a:t>Good level of suds</a:t>
-            </a:r>
-          </a:p>
-          <a:p>
-            <a:pPr marL="342900" indent="-342900">
-              <a:buFont typeface="+mj-lt"/>
-              <a:buAutoNum type="arabicPeriod"/>
-            </a:pPr>
-            <a:r>
-              <a:rPr lang="en-GB" dirty="0" smtClean="0"/>
-              <a:t>Removing bad odours</a:t>
-            </a:r>
-          </a:p>
-          <a:p>
-            <a:pPr marL="342900" indent="-342900">
-              <a:buFont typeface="+mj-lt"/>
-              <a:buAutoNum type="arabicPeriod"/>
-            </a:pPr>
-            <a:r>
-              <a:rPr lang="en-GB" dirty="0"/>
-              <a:t>Product appearance</a:t>
-            </a:r>
-          </a:p>
-          <a:p>
-            <a:pPr marL="342900" indent="-342900">
-              <a:buFont typeface="+mj-lt"/>
-              <a:buAutoNum type="arabicPeriod"/>
-            </a:pPr>
-            <a:r>
-              <a:rPr lang="en-GB" dirty="0"/>
-              <a:t>Not leaving residues</a:t>
-            </a:r>
-          </a:p>
-          <a:p>
-            <a:pPr marL="342900" indent="-342900">
-              <a:buFont typeface="+mj-lt"/>
-              <a:buAutoNum type="arabicPeriod"/>
-            </a:pPr>
-            <a:r>
-              <a:rPr lang="en-GB" dirty="0" smtClean="0"/>
-              <a:t>Trusted brand</a:t>
-            </a:r>
-          </a:p>
-          <a:p>
-            <a:pPr marL="342900" indent="-342900">
-              <a:buFont typeface="+mj-lt"/>
-              <a:buAutoNum type="arabicPeriod"/>
-            </a:pPr>
-            <a:r>
-              <a:rPr lang="en-GB" dirty="0" smtClean="0"/>
-              <a:t>Makes me feel proud</a:t>
-            </a:r>
-          </a:p>
-          <a:p>
-            <a:pPr marL="342900" indent="-342900">
-              <a:buFont typeface="+mj-lt"/>
-              <a:buAutoNum type="arabicPeriod"/>
-            </a:pPr>
-            <a:r>
-              <a:rPr lang="en-GB" dirty="0" smtClean="0"/>
-              <a:t>Package quality</a:t>
-            </a:r>
-          </a:p>
-          <a:p>
-            <a:pPr marL="342900" indent="-342900">
-              <a:buFont typeface="+mj-lt"/>
-              <a:buAutoNum type="arabicPeriod"/>
-            </a:pPr>
-            <a:r>
-              <a:rPr lang="en-GB" dirty="0" smtClean="0"/>
-              <a:t>Worth the price</a:t>
-            </a:r>
-          </a:p>
-          <a:p>
-            <a:pPr marL="342900" indent="-342900">
-              <a:buFont typeface="+mj-lt"/>
-              <a:buAutoNum type="arabicPeriod"/>
-            </a:pPr>
-            <a:r>
-              <a:rPr lang="en-GB" dirty="0" smtClean="0"/>
-              <a:t>I would recommend this product</a:t>
-            </a:r>
+            <a:pPr algn="ctr"/>
+            <a:r>
+              <a:rPr lang="en-GB" sz="2400" b="1" dirty="0" smtClean="0"/>
+              <a:t>999 participants</a:t>
+            </a:r>
+            <a:endParaRPr lang="en-GB" sz="2400" b="1" dirty="0"/>
           </a:p>
         </p:txBody>
       </p:sp>
+      <p:sp>
+        <p:nvSpPr>
+          <p:cNvPr id="2" name="Multiply 1"/>
+          <p:cNvSpPr/>
+          <p:nvPr/>
+        </p:nvSpPr>
+        <p:spPr>
+          <a:xfrm>
+            <a:off x="5380893" y="1930270"/>
+            <a:ext cx="1080000" cy="1044000"/>
+          </a:xfrm>
+          <a:prstGeom prst="mathMultiply">
+            <a:avLst/>
+          </a:prstGeom>
+          <a:solidFill>
+            <a:schemeClr val="tx1"/>
+          </a:solidFill>
+        </p:spPr>
+        <p:style>
+          <a:lnRef idx="2">
+            <a:schemeClr val="accent1">
+              <a:shade val="50000"/>
+            </a:schemeClr>
+          </a:lnRef>
+          <a:fillRef idx="1">
+            <a:schemeClr val="accent1"/>
+          </a:fillRef>
+          <a:effectRef idx="0">
+            <a:schemeClr val="accent1"/>
+          </a:effectRef>
+          <a:fontRef idx="minor">
+            <a:schemeClr val="lt1"/>
+          </a:fontRef>
+        </p:style>
+        <p:txBody>
+          <a:bodyPr rtlCol="0" anchor="ctr"/>
+          <a:lstStyle/>
+          <a:p>
+            <a:pPr algn="ctr"/>
+            <a:endParaRPr lang="en-GB"/>
+          </a:p>
+        </p:txBody>
+      </p:sp>
+      <p:sp>
+        <p:nvSpPr>
+          <p:cNvPr id="5" name="Multiply 4"/>
+          <p:cNvSpPr/>
+          <p:nvPr/>
+        </p:nvSpPr>
+        <p:spPr>
+          <a:xfrm>
+            <a:off x="6570786" y="1941990"/>
+            <a:ext cx="1080000" cy="1044000"/>
+          </a:xfrm>
+          <a:prstGeom prst="mathMultiply">
+            <a:avLst/>
+          </a:prstGeom>
+          <a:solidFill>
+            <a:schemeClr val="tx1"/>
+          </a:solidFill>
+        </p:spPr>
+        <p:style>
+          <a:lnRef idx="2">
+            <a:schemeClr val="accent1">
+              <a:shade val="50000"/>
+            </a:schemeClr>
+          </a:lnRef>
+          <a:fillRef idx="1">
+            <a:schemeClr val="accent1"/>
+          </a:fillRef>
+          <a:effectRef idx="0">
+            <a:schemeClr val="accent1"/>
+          </a:effectRef>
+          <a:fontRef idx="minor">
+            <a:schemeClr val="lt1"/>
+          </a:fontRef>
+        </p:style>
+        <p:txBody>
+          <a:bodyPr rtlCol="0" anchor="ctr"/>
+          <a:lstStyle/>
+          <a:p>
+            <a:pPr algn="ctr"/>
+            <a:endParaRPr lang="en-GB"/>
+          </a:p>
+        </p:txBody>
+      </p:sp>
+      <p:sp>
+        <p:nvSpPr>
+          <p:cNvPr id="6" name="TextBox 5"/>
+          <p:cNvSpPr txBox="1"/>
+          <p:nvPr/>
+        </p:nvSpPr>
+        <p:spPr>
+          <a:xfrm>
+            <a:off x="4771483" y="1210708"/>
+            <a:ext cx="2616200" cy="461665"/>
+          </a:xfrm>
+          <a:prstGeom prst="rect">
+            <a:avLst/>
+          </a:prstGeom>
+          <a:noFill/>
+        </p:spPr>
+        <p:txBody>
+          <a:bodyPr wrap="square" rtlCol="0">
+            <a:spAutoFit/>
+          </a:bodyPr>
+          <a:lstStyle/>
+          <a:p>
+            <a:pPr algn="ctr"/>
+            <a:r>
+              <a:rPr lang="en-GB" sz="2400" b="1" dirty="0" smtClean="0"/>
+              <a:t>729 participants</a:t>
+            </a:r>
+            <a:endParaRPr lang="en-GB" sz="2400" b="1" dirty="0"/>
+          </a:p>
+        </p:txBody>
+      </p:sp>
+      <p:cxnSp>
+        <p:nvCxnSpPr>
+          <p:cNvPr id="4" name="Straight Connector 3"/>
+          <p:cNvCxnSpPr/>
+          <p:nvPr/>
+        </p:nvCxnSpPr>
+        <p:spPr>
+          <a:xfrm>
+            <a:off x="5029199" y="987970"/>
+            <a:ext cx="468000" cy="0"/>
+          </a:xfrm>
+          <a:prstGeom prst="line">
+            <a:avLst/>
+          </a:prstGeom>
+          <a:ln w="57150">
+            <a:solidFill>
+              <a:srgbClr val="FF0000"/>
+            </a:solidFill>
+          </a:ln>
+        </p:spPr>
+        <p:style>
+          <a:lnRef idx="1">
+            <a:schemeClr val="accent1"/>
+          </a:lnRef>
+          <a:fillRef idx="0">
+            <a:schemeClr val="accent1"/>
+          </a:fillRef>
+          <a:effectRef idx="0">
+            <a:schemeClr val="accent1"/>
+          </a:effectRef>
+          <a:fontRef idx="minor">
+            <a:schemeClr val="tx1"/>
+          </a:fontRef>
+        </p:style>
+      </p:cxnSp>
     </p:spTree>
     <p:extLst>
       <p:ext uri="{BB962C8B-B14F-4D97-AF65-F5344CB8AC3E}">
-        <p14:creationId xmlns:p14="http://schemas.microsoft.com/office/powerpoint/2010/main" val="295375842"/>
+        <p14:creationId xmlns:p14="http://schemas.microsoft.com/office/powerpoint/2010/main" val="2433902331"/>
       </p:ext>
     </p:extLst>
   </p:cSld>
@@ -7568,343 +7636,6 @@
 </file>
 
 <file path=ppt/slides/slide11.xml><?xml version="1.0" encoding="utf-8"?>
-<p:sld xmlns:a="http://schemas.openxmlformats.org/drawingml/2006/main" xmlns:r="http://schemas.openxmlformats.org/officeDocument/2006/relationships" xmlns:p="http://schemas.openxmlformats.org/presentationml/2006/main">
-  <p:cSld>
-    <p:spTree>
-      <p:nvGrpSpPr>
-        <p:cNvPr id="1" name=""/>
-        <p:cNvGrpSpPr/>
-        <p:nvPr/>
-      </p:nvGrpSpPr>
-      <p:grpSpPr>
-        <a:xfrm>
-          <a:off x="0" y="0"/>
-          <a:ext cx="0" cy="0"/>
-          <a:chOff x="0" y="0"/>
-          <a:chExt cx="0" cy="0"/>
-        </a:xfrm>
-      </p:grpSpPr>
-      <p:sp>
-        <p:nvSpPr>
-          <p:cNvPr id="2" name="Title 1"/>
-          <p:cNvSpPr>
-            <a:spLocks noGrp="1"/>
-          </p:cNvSpPr>
-          <p:nvPr>
-            <p:ph type="title"/>
-          </p:nvPr>
-        </p:nvSpPr>
-        <p:spPr/>
-        <p:txBody>
-          <a:bodyPr/>
-          <a:lstStyle/>
-          <a:p>
-            <a:r>
-              <a:rPr lang="en-GB" dirty="0" smtClean="0"/>
-              <a:t>Individual item fit (Agreements)</a:t>
-            </a:r>
-            <a:endParaRPr lang="en-GB" dirty="0"/>
-          </a:p>
-        </p:txBody>
-      </p:sp>
-      <p:sp>
-        <p:nvSpPr>
-          <p:cNvPr id="3" name="TextBox 2"/>
-          <p:cNvSpPr txBox="1"/>
-          <p:nvPr/>
-        </p:nvSpPr>
-        <p:spPr>
-          <a:xfrm>
-            <a:off x="558800" y="1574800"/>
-            <a:ext cx="5308600" cy="4524315"/>
-          </a:xfrm>
-          <a:prstGeom prst="rect">
-            <a:avLst/>
-          </a:prstGeom>
-          <a:noFill/>
-        </p:spPr>
-        <p:txBody>
-          <a:bodyPr wrap="square" rtlCol="0">
-            <a:spAutoFit/>
-          </a:bodyPr>
-          <a:lstStyle/>
-          <a:p>
-            <a:pPr marL="342900" indent="-342900">
-              <a:buFont typeface="+mj-lt"/>
-              <a:buAutoNum type="arabicPeriod"/>
-            </a:pPr>
-            <a:r>
-              <a:rPr lang="en-GB" dirty="0" smtClean="0">
-                <a:solidFill>
-                  <a:schemeClr val="bg1">
-                    <a:lumMod val="75000"/>
-                  </a:schemeClr>
-                </a:solidFill>
-              </a:rPr>
-              <a:t>Excellent value</a:t>
-            </a:r>
-          </a:p>
-          <a:p>
-            <a:pPr marL="342900" indent="-342900">
-              <a:buFont typeface="+mj-lt"/>
-              <a:buAutoNum type="arabicPeriod"/>
-            </a:pPr>
-            <a:r>
-              <a:rPr lang="en-GB" dirty="0" smtClean="0">
-                <a:solidFill>
-                  <a:schemeClr val="bg1">
-                    <a:lumMod val="75000"/>
-                  </a:schemeClr>
-                </a:solidFill>
-              </a:rPr>
-              <a:t>Cleaning overall</a:t>
-            </a:r>
-          </a:p>
-          <a:p>
-            <a:pPr marL="342900" indent="-342900">
-              <a:buFont typeface="+mj-lt"/>
-              <a:buAutoNum type="arabicPeriod"/>
-            </a:pPr>
-            <a:r>
-              <a:rPr lang="en-GB" dirty="0" smtClean="0">
-                <a:solidFill>
-                  <a:schemeClr val="bg1">
-                    <a:lumMod val="75000"/>
-                  </a:schemeClr>
-                </a:solidFill>
-              </a:rPr>
-              <a:t>Removing tough stains</a:t>
-            </a:r>
-          </a:p>
-          <a:p>
-            <a:pPr marL="342900" indent="-342900">
-              <a:buFont typeface="+mj-lt"/>
-              <a:buAutoNum type="arabicPeriod"/>
-            </a:pPr>
-            <a:r>
-              <a:rPr lang="en-GB" dirty="0">
-                <a:solidFill>
-                  <a:schemeClr val="bg1">
-                    <a:lumMod val="75000"/>
-                  </a:schemeClr>
-                </a:solidFill>
-              </a:rPr>
-              <a:t>Providing bright whites</a:t>
-            </a:r>
-          </a:p>
-          <a:p>
-            <a:pPr marL="342900" indent="-342900">
-              <a:buFont typeface="+mj-lt"/>
-              <a:buAutoNum type="arabicPeriod"/>
-            </a:pPr>
-            <a:r>
-              <a:rPr lang="en-GB" dirty="0">
-                <a:solidFill>
-                  <a:schemeClr val="bg1">
-                    <a:lumMod val="75000"/>
-                  </a:schemeClr>
-                </a:solidFill>
-              </a:rPr>
-              <a:t>Keeping dark clothes dark</a:t>
-            </a:r>
-          </a:p>
-          <a:p>
-            <a:pPr marL="342900" indent="-342900">
-              <a:buFont typeface="+mj-lt"/>
-              <a:buAutoNum type="arabicPeriod"/>
-            </a:pPr>
-            <a:r>
-              <a:rPr lang="en-GB" dirty="0">
-                <a:solidFill>
-                  <a:schemeClr val="bg1">
-                    <a:lumMod val="75000"/>
-                  </a:schemeClr>
-                </a:solidFill>
-              </a:rPr>
-              <a:t>Providing vivid colours</a:t>
-            </a:r>
-          </a:p>
-          <a:p>
-            <a:pPr marL="342900" indent="-342900">
-              <a:buFont typeface="+mj-lt"/>
-              <a:buAutoNum type="arabicPeriod"/>
-            </a:pPr>
-            <a:r>
-              <a:rPr lang="en-GB" dirty="0" smtClean="0">
-                <a:solidFill>
-                  <a:schemeClr val="bg1">
-                    <a:lumMod val="75000"/>
-                  </a:schemeClr>
-                </a:solidFill>
-              </a:rPr>
-              <a:t>Overall scent</a:t>
-            </a:r>
-          </a:p>
-          <a:p>
-            <a:pPr marL="342900" indent="-342900">
-              <a:buFont typeface="+mj-lt"/>
-              <a:buAutoNum type="arabicPeriod"/>
-            </a:pPr>
-            <a:r>
-              <a:rPr lang="en-GB" dirty="0" smtClean="0">
-                <a:solidFill>
-                  <a:schemeClr val="bg1">
-                    <a:lumMod val="75000"/>
-                  </a:schemeClr>
-                </a:solidFill>
-              </a:rPr>
-              <a:t>Good level of suds</a:t>
-            </a:r>
-          </a:p>
-          <a:p>
-            <a:pPr marL="342900" indent="-342900">
-              <a:buFont typeface="+mj-lt"/>
-              <a:buAutoNum type="arabicPeriod"/>
-            </a:pPr>
-            <a:r>
-              <a:rPr lang="en-GB" dirty="0" smtClean="0">
-                <a:solidFill>
-                  <a:schemeClr val="bg1">
-                    <a:lumMod val="75000"/>
-                  </a:schemeClr>
-                </a:solidFill>
-              </a:rPr>
-              <a:t>Removing bad odours</a:t>
-            </a:r>
-          </a:p>
-          <a:p>
-            <a:pPr marL="342900" indent="-342900">
-              <a:buFont typeface="+mj-lt"/>
-              <a:buAutoNum type="arabicPeriod"/>
-            </a:pPr>
-            <a:r>
-              <a:rPr lang="en-GB" dirty="0">
-                <a:solidFill>
-                  <a:schemeClr val="bg1">
-                    <a:lumMod val="75000"/>
-                  </a:schemeClr>
-                </a:solidFill>
-              </a:rPr>
-              <a:t>Product appearance</a:t>
-            </a:r>
-          </a:p>
-          <a:p>
-            <a:pPr marL="342900" indent="-342900">
-              <a:buFont typeface="+mj-lt"/>
-              <a:buAutoNum type="arabicPeriod"/>
-            </a:pPr>
-            <a:r>
-              <a:rPr lang="en-GB" dirty="0">
-                <a:solidFill>
-                  <a:schemeClr val="bg1">
-                    <a:lumMod val="75000"/>
-                  </a:schemeClr>
-                </a:solidFill>
-              </a:rPr>
-              <a:t>Not leaving residues</a:t>
-            </a:r>
-          </a:p>
-          <a:p>
-            <a:pPr marL="342900" indent="-342900">
-              <a:buFont typeface="+mj-lt"/>
-              <a:buAutoNum type="arabicPeriod"/>
-            </a:pPr>
-            <a:r>
-              <a:rPr lang="en-GB" dirty="0" smtClean="0">
-                <a:solidFill>
-                  <a:schemeClr val="bg1">
-                    <a:lumMod val="75000"/>
-                  </a:schemeClr>
-                </a:solidFill>
-              </a:rPr>
-              <a:t>Trusted brand</a:t>
-            </a:r>
-          </a:p>
-          <a:p>
-            <a:pPr marL="342900" indent="-342900">
-              <a:buFont typeface="+mj-lt"/>
-              <a:buAutoNum type="arabicPeriod"/>
-            </a:pPr>
-            <a:r>
-              <a:rPr lang="en-GB" b="1" dirty="0" smtClean="0">
-                <a:solidFill>
-                  <a:srgbClr val="FF0000"/>
-                </a:solidFill>
-              </a:rPr>
-              <a:t>Makes me feel proud</a:t>
-            </a:r>
-          </a:p>
-          <a:p>
-            <a:pPr marL="342900" indent="-342900">
-              <a:buFont typeface="+mj-lt"/>
-              <a:buAutoNum type="arabicPeriod"/>
-            </a:pPr>
-            <a:r>
-              <a:rPr lang="en-GB" dirty="0" smtClean="0">
-                <a:solidFill>
-                  <a:schemeClr val="bg1">
-                    <a:lumMod val="75000"/>
-                  </a:schemeClr>
-                </a:solidFill>
-              </a:rPr>
-              <a:t>Package quality</a:t>
-            </a:r>
-          </a:p>
-          <a:p>
-            <a:pPr marL="342900" indent="-342900">
-              <a:buFont typeface="+mj-lt"/>
-              <a:buAutoNum type="arabicPeriod"/>
-            </a:pPr>
-            <a:r>
-              <a:rPr lang="en-GB" dirty="0" smtClean="0">
-                <a:solidFill>
-                  <a:schemeClr val="bg1">
-                    <a:lumMod val="75000"/>
-                  </a:schemeClr>
-                </a:solidFill>
-              </a:rPr>
-              <a:t>Worth the price</a:t>
-            </a:r>
-          </a:p>
-          <a:p>
-            <a:pPr marL="342900" indent="-342900">
-              <a:buFont typeface="+mj-lt"/>
-              <a:buAutoNum type="arabicPeriod"/>
-            </a:pPr>
-            <a:r>
-              <a:rPr lang="en-GB" dirty="0" smtClean="0">
-                <a:solidFill>
-                  <a:schemeClr val="bg1">
-                    <a:lumMod val="75000"/>
-                  </a:schemeClr>
-                </a:solidFill>
-              </a:rPr>
-              <a:t>I would recommend this product</a:t>
-            </a:r>
-          </a:p>
-        </p:txBody>
-      </p:sp>
-    </p:spTree>
-    <p:extLst>
-      <p:ext uri="{BB962C8B-B14F-4D97-AF65-F5344CB8AC3E}">
-        <p14:creationId xmlns:p14="http://schemas.microsoft.com/office/powerpoint/2010/main" val="679498340"/>
-      </p:ext>
-    </p:extLst>
-  </p:cSld>
-  <p:clrMapOvr>
-    <a:masterClrMapping/>
-  </p:clrMapOvr>
-  <p:timing>
-    <p:tnLst>
-      <p:par>
-        <p:cTn id="1" dur="indefinite" restart="never" nodeType="tmRoot"/>
-      </p:par>
-    </p:tnLst>
-  </p:timing>
-</p:sld>
-</file>
-
-<file path=ppt/slides/slide12.xml><?xml version="1.0" encoding="utf-8"?>
 <p:sld xmlns:a="http://schemas.openxmlformats.org/drawingml/2006/main" xmlns:r="http://schemas.openxmlformats.org/officeDocument/2006/relationships" xmlns:p="http://schemas.openxmlformats.org/presentationml/2006/main">
   <p:cSld>
     <p:spTree>
@@ -7948,7 +7679,13 @@
               <a:buAutoNum type="arabicPeriod"/>
             </a:pPr>
             <a:r>
-              <a:rPr lang="en-GB" dirty="0" smtClean="0"/>
+              <a:rPr lang="en-GB" dirty="0" smtClean="0">
+                <a:solidFill>
+                  <a:schemeClr val="bg1">
+                    <a:lumMod val="75000"/>
+                  </a:schemeClr>
+                </a:solidFill>
+              </a:rPr>
               <a:t>Excellent value</a:t>
             </a:r>
           </a:p>
@@ -7958,7 +7695,13 @@
               <a:buAutoNum type="arabicPeriod"/>
             </a:pPr>
             <a:r>
-              <a:rPr lang="en-GB" dirty="0" smtClean="0"/>
+              <a:rPr lang="en-GB" dirty="0" smtClean="0">
+                <a:solidFill>
+                  <a:schemeClr val="bg1">
+                    <a:lumMod val="75000"/>
+                  </a:schemeClr>
+                </a:solidFill>
+              </a:rPr>
               <a:t>Cleaning overall</a:t>
             </a:r>
           </a:p>
@@ -7968,7 +7711,13 @@
               <a:buAutoNum type="arabicPeriod"/>
             </a:pPr>
             <a:r>
-              <a:rPr lang="en-GB" dirty="0" smtClean="0"/>
+              <a:rPr lang="en-GB" dirty="0" smtClean="0">
+                <a:solidFill>
+                  <a:schemeClr val="bg1">
+                    <a:lumMod val="75000"/>
+                  </a:schemeClr>
+                </a:solidFill>
+              </a:rPr>
               <a:t>Removing tough stains</a:t>
             </a:r>
           </a:p>
@@ -7978,7 +7727,13 @@
               <a:buAutoNum type="arabicPeriod"/>
             </a:pPr>
             <a:r>
-              <a:rPr lang="en-GB" dirty="0"/>
+              <a:rPr lang="en-GB" dirty="0">
+                <a:solidFill>
+                  <a:schemeClr val="bg1">
+                    <a:lumMod val="75000"/>
+                  </a:schemeClr>
+                </a:solidFill>
+              </a:rPr>
               <a:t>Providing bright whites</a:t>
             </a:r>
           </a:p>
@@ -7988,7 +7743,13 @@
               <a:buAutoNum type="arabicPeriod"/>
             </a:pPr>
             <a:r>
-              <a:rPr lang="en-GB" dirty="0"/>
+              <a:rPr lang="en-GB" dirty="0">
+                <a:solidFill>
+                  <a:schemeClr val="bg1">
+                    <a:lumMod val="75000"/>
+                  </a:schemeClr>
+                </a:solidFill>
+              </a:rPr>
               <a:t>Keeping dark clothes dark</a:t>
             </a:r>
           </a:p>
@@ -7998,7 +7759,13 @@
               <a:buAutoNum type="arabicPeriod"/>
             </a:pPr>
             <a:r>
-              <a:rPr lang="en-GB" dirty="0"/>
+              <a:rPr lang="en-GB" dirty="0">
+                <a:solidFill>
+                  <a:schemeClr val="bg1">
+                    <a:lumMod val="75000"/>
+                  </a:schemeClr>
+                </a:solidFill>
+              </a:rPr>
               <a:t>Providing vivid colours</a:t>
             </a:r>
           </a:p>
@@ -8008,7 +7775,13 @@
               <a:buAutoNum type="arabicPeriod"/>
             </a:pPr>
             <a:r>
-              <a:rPr lang="en-GB" dirty="0" smtClean="0"/>
+              <a:rPr lang="en-GB" dirty="0" smtClean="0">
+                <a:solidFill>
+                  <a:schemeClr val="bg1">
+                    <a:lumMod val="75000"/>
+                  </a:schemeClr>
+                </a:solidFill>
+              </a:rPr>
               <a:t>Overall scent</a:t>
             </a:r>
           </a:p>
@@ -8018,7 +7791,13 @@
               <a:buAutoNum type="arabicPeriod"/>
             </a:pPr>
             <a:r>
-              <a:rPr lang="en-GB" dirty="0" smtClean="0"/>
+              <a:rPr lang="en-GB" dirty="0" smtClean="0">
+                <a:solidFill>
+                  <a:schemeClr val="bg1">
+                    <a:lumMod val="75000"/>
+                  </a:schemeClr>
+                </a:solidFill>
+              </a:rPr>
               <a:t>Good level of suds</a:t>
             </a:r>
           </a:p>
@@ -8028,7 +7807,13 @@
               <a:buAutoNum type="arabicPeriod"/>
             </a:pPr>
             <a:r>
-              <a:rPr lang="en-GB" dirty="0" smtClean="0"/>
+              <a:rPr lang="en-GB" dirty="0" smtClean="0">
+                <a:solidFill>
+                  <a:schemeClr val="bg1">
+                    <a:lumMod val="75000"/>
+                  </a:schemeClr>
+                </a:solidFill>
+              </a:rPr>
               <a:t>Removing bad odours</a:t>
             </a:r>
           </a:p>
@@ -8038,7 +7823,13 @@
               <a:buAutoNum type="arabicPeriod"/>
             </a:pPr>
             <a:r>
-              <a:rPr lang="en-GB" dirty="0"/>
+              <a:rPr lang="en-GB" dirty="0">
+                <a:solidFill>
+                  <a:schemeClr val="bg1">
+                    <a:lumMod val="75000"/>
+                  </a:schemeClr>
+                </a:solidFill>
+              </a:rPr>
               <a:t>Product appearance</a:t>
             </a:r>
           </a:p>
@@ -8048,7 +7839,13 @@
               <a:buAutoNum type="arabicPeriod"/>
             </a:pPr>
             <a:r>
-              <a:rPr lang="en-GB" dirty="0"/>
+              <a:rPr lang="en-GB" dirty="0">
+                <a:solidFill>
+                  <a:schemeClr val="bg1">
+                    <a:lumMod val="75000"/>
+                  </a:schemeClr>
+                </a:solidFill>
+              </a:rPr>
               <a:t>Not leaving residues</a:t>
             </a:r>
           </a:p>
@@ -8058,7 +7855,13 @@
               <a:buAutoNum type="arabicPeriod"/>
             </a:pPr>
             <a:r>
-              <a:rPr lang="en-GB" dirty="0" smtClean="0"/>
+              <a:rPr lang="en-GB" dirty="0" smtClean="0">
+                <a:solidFill>
+                  <a:schemeClr val="bg1">
+                    <a:lumMod val="75000"/>
+                  </a:schemeClr>
+                </a:solidFill>
+              </a:rPr>
               <a:t>Trusted brand</a:t>
             </a:r>
           </a:p>
@@ -8068,7 +7871,13 @@
               <a:buAutoNum type="arabicPeriod"/>
             </a:pPr>
             <a:r>
-              <a:rPr lang="en-GB" dirty="0" smtClean="0"/>
+              <a:rPr lang="en-GB" dirty="0" smtClean="0">
+                <a:solidFill>
+                  <a:schemeClr val="bg1">
+                    <a:lumMod val="75000"/>
+                  </a:schemeClr>
+                </a:solidFill>
+              </a:rPr>
               <a:t>Makes me feel proud</a:t>
             </a:r>
           </a:p>
@@ -8078,7 +7887,13 @@
               <a:buAutoNum type="arabicPeriod"/>
             </a:pPr>
             <a:r>
-              <a:rPr lang="en-GB" dirty="0" smtClean="0"/>
+              <a:rPr lang="en-GB" dirty="0" smtClean="0">
+                <a:solidFill>
+                  <a:schemeClr val="bg1">
+                    <a:lumMod val="75000"/>
+                  </a:schemeClr>
+                </a:solidFill>
+              </a:rPr>
               <a:t>Package quality</a:t>
             </a:r>
           </a:p>
@@ -8088,7 +7903,13 @@
               <a:buAutoNum type="arabicPeriod"/>
             </a:pPr>
             <a:r>
-              <a:rPr lang="en-GB" dirty="0" smtClean="0"/>
+              <a:rPr lang="en-GB" dirty="0" smtClean="0">
+                <a:solidFill>
+                  <a:schemeClr val="bg1">
+                    <a:lumMod val="75000"/>
+                  </a:schemeClr>
+                </a:solidFill>
+              </a:rPr>
               <a:t>Worth the price</a:t>
             </a:r>
           </a:p>
@@ -8098,9 +7919,43 @@
               <a:buAutoNum type="arabicPeriod"/>
             </a:pPr>
             <a:r>
+              <a:rPr lang="en-GB" dirty="0" smtClean="0">
+                <a:solidFill>
+                  <a:schemeClr val="bg1">
+                    <a:lumMod val="75000"/>
+                  </a:schemeClr>
+                </a:solidFill>
+              </a:rPr>
+              <a:t>I would recommend this product</a:t>
+            </a:r>
+          </a:p>
+        </p:txBody>
+      </p:sp>
+      <p:sp>
+        <p:nvSpPr>
+          <p:cNvPr id="4" name="Title 1"/>
+          <p:cNvSpPr>
+            <a:spLocks noGrp="1"/>
+          </p:cNvSpPr>
+          <p:nvPr>
+            <p:ph type="title"/>
+          </p:nvPr>
+        </p:nvSpPr>
+        <p:spPr>
+          <a:xfrm>
+            <a:off x="838200" y="365125"/>
+            <a:ext cx="10515600" cy="1325563"/>
+          </a:xfrm>
+        </p:spPr>
+        <p:txBody>
+          <a:bodyPr/>
+          <a:lstStyle/>
+          <a:p>
+            <a:r>
               <a:rPr lang="en-GB" dirty="0" smtClean="0"/>
-              <a:t>I would recommend this product</a:t>
-            </a:r>
+              <a:t>Individual item fit</a:t>
+            </a:r>
+            <a:endParaRPr lang="en-GB" dirty="0"/>
           </a:p>
         </p:txBody>
       </p:sp>
@@ -8333,7 +8188,7 @@
 </p:sld>
 </file>
 
-<file path=ppt/slides/slide13.xml><?xml version="1.0" encoding="utf-8"?>
+<file path=ppt/slides/slide12.xml><?xml version="1.0" encoding="utf-8"?>
 <p:sld xmlns:a="http://schemas.openxmlformats.org/drawingml/2006/main" xmlns:r="http://schemas.openxmlformats.org/officeDocument/2006/relationships" xmlns:p="http://schemas.openxmlformats.org/presentationml/2006/main">
   <p:cSld>
     <p:spTree>
@@ -8377,7 +8232,13 @@
               <a:buAutoNum type="arabicPeriod"/>
             </a:pPr>
             <a:r>
-              <a:rPr lang="en-GB" dirty="0" smtClean="0"/>
+              <a:rPr lang="en-GB" dirty="0" smtClean="0">
+                <a:solidFill>
+                  <a:schemeClr val="bg1">
+                    <a:lumMod val="75000"/>
+                  </a:schemeClr>
+                </a:solidFill>
+              </a:rPr>
               <a:t>Excellent value</a:t>
             </a:r>
           </a:p>
@@ -8401,7 +8262,13 @@
               <a:buAutoNum type="arabicPeriod"/>
             </a:pPr>
             <a:r>
-              <a:rPr lang="en-GB" dirty="0" smtClean="0"/>
+              <a:rPr lang="en-GB" dirty="0" smtClean="0">
+                <a:solidFill>
+                  <a:schemeClr val="bg1">
+                    <a:lumMod val="75000"/>
+                  </a:schemeClr>
+                </a:solidFill>
+              </a:rPr>
               <a:t>Removing tough stains</a:t>
             </a:r>
           </a:p>
@@ -8411,7 +8278,13 @@
               <a:buAutoNum type="arabicPeriod"/>
             </a:pPr>
             <a:r>
-              <a:rPr lang="en-GB" dirty="0"/>
+              <a:rPr lang="en-GB" dirty="0">
+                <a:solidFill>
+                  <a:schemeClr val="bg1">
+                    <a:lumMod val="75000"/>
+                  </a:schemeClr>
+                </a:solidFill>
+              </a:rPr>
               <a:t>Providing bright whites</a:t>
             </a:r>
           </a:p>
@@ -8435,7 +8308,13 @@
               <a:buAutoNum type="arabicPeriod"/>
             </a:pPr>
             <a:r>
-              <a:rPr lang="en-GB" dirty="0"/>
+              <a:rPr lang="en-GB" dirty="0">
+                <a:solidFill>
+                  <a:schemeClr val="bg1">
+                    <a:lumMod val="75000"/>
+                  </a:schemeClr>
+                </a:solidFill>
+              </a:rPr>
               <a:t>Providing vivid colours</a:t>
             </a:r>
           </a:p>
@@ -8445,7 +8324,13 @@
               <a:buAutoNum type="arabicPeriod"/>
             </a:pPr>
             <a:r>
-              <a:rPr lang="en-GB" dirty="0" smtClean="0"/>
+              <a:rPr lang="en-GB" dirty="0" smtClean="0">
+                <a:solidFill>
+                  <a:schemeClr val="bg1">
+                    <a:lumMod val="75000"/>
+                  </a:schemeClr>
+                </a:solidFill>
+              </a:rPr>
               <a:t>Overall scent</a:t>
             </a:r>
           </a:p>
@@ -8455,7 +8340,13 @@
               <a:buAutoNum type="arabicPeriod"/>
             </a:pPr>
             <a:r>
-              <a:rPr lang="en-GB" dirty="0" smtClean="0"/>
+              <a:rPr lang="en-GB" dirty="0" smtClean="0">
+                <a:solidFill>
+                  <a:schemeClr val="bg1">
+                    <a:lumMod val="75000"/>
+                  </a:schemeClr>
+                </a:solidFill>
+              </a:rPr>
               <a:t>Good level of suds</a:t>
             </a:r>
           </a:p>
@@ -8465,7 +8356,13 @@
               <a:buAutoNum type="arabicPeriod"/>
             </a:pPr>
             <a:r>
-              <a:rPr lang="en-GB" dirty="0" smtClean="0"/>
+              <a:rPr lang="en-GB" dirty="0" smtClean="0">
+                <a:solidFill>
+                  <a:schemeClr val="bg1">
+                    <a:lumMod val="75000"/>
+                  </a:schemeClr>
+                </a:solidFill>
+              </a:rPr>
               <a:t>Removing bad odours</a:t>
             </a:r>
           </a:p>
@@ -8475,7 +8372,13 @@
               <a:buAutoNum type="arabicPeriod"/>
             </a:pPr>
             <a:r>
-              <a:rPr lang="en-GB" dirty="0"/>
+              <a:rPr lang="en-GB" dirty="0">
+                <a:solidFill>
+                  <a:schemeClr val="bg1">
+                    <a:lumMod val="75000"/>
+                  </a:schemeClr>
+                </a:solidFill>
+              </a:rPr>
               <a:t>Product appearance</a:t>
             </a:r>
           </a:p>
@@ -8485,7 +8388,13 @@
               <a:buAutoNum type="arabicPeriod"/>
             </a:pPr>
             <a:r>
-              <a:rPr lang="en-GB" dirty="0"/>
+              <a:rPr lang="en-GB" dirty="0">
+                <a:solidFill>
+                  <a:schemeClr val="bg1">
+                    <a:lumMod val="75000"/>
+                  </a:schemeClr>
+                </a:solidFill>
+              </a:rPr>
               <a:t>Not leaving residues</a:t>
             </a:r>
           </a:p>
@@ -8495,7 +8404,13 @@
               <a:buAutoNum type="arabicPeriod"/>
             </a:pPr>
             <a:r>
-              <a:rPr lang="en-GB" dirty="0" smtClean="0"/>
+              <a:rPr lang="en-GB" dirty="0" smtClean="0">
+                <a:solidFill>
+                  <a:schemeClr val="bg1">
+                    <a:lumMod val="75000"/>
+                  </a:schemeClr>
+                </a:solidFill>
+              </a:rPr>
               <a:t>Trusted brand</a:t>
             </a:r>
           </a:p>
@@ -8554,6 +8469,34 @@
               </a:rPr>
               <a:t>I would recommend this product</a:t>
             </a:r>
+          </a:p>
+        </p:txBody>
+      </p:sp>
+      <p:sp>
+        <p:nvSpPr>
+          <p:cNvPr id="4" name="Title 1"/>
+          <p:cNvSpPr>
+            <a:spLocks noGrp="1"/>
+          </p:cNvSpPr>
+          <p:nvPr>
+            <p:ph type="title"/>
+          </p:nvPr>
+        </p:nvSpPr>
+        <p:spPr>
+          <a:xfrm>
+            <a:off x="838200" y="365125"/>
+            <a:ext cx="10515600" cy="1325563"/>
+          </a:xfrm>
+        </p:spPr>
+        <p:txBody>
+          <a:bodyPr/>
+          <a:lstStyle/>
+          <a:p>
+            <a:r>
+              <a:rPr lang="en-GB" dirty="0" smtClean="0"/>
+              <a:t>Individual item fit</a:t>
+            </a:r>
+            <a:endParaRPr lang="en-GB" dirty="0"/>
           </a:p>
         </p:txBody>
       </p:sp>
@@ -9134,7 +9077,7 @@
 </p:sld>
 </file>
 
-<file path=ppt/slides/slide14.xml><?xml version="1.0" encoding="utf-8"?>
+<file path=ppt/slides/slide13.xml><?xml version="1.0" encoding="utf-8"?>
 <p:sld xmlns:a="http://schemas.openxmlformats.org/drawingml/2006/main" xmlns:r="http://schemas.openxmlformats.org/officeDocument/2006/relationships" xmlns:p="http://schemas.openxmlformats.org/presentationml/2006/main">
   <p:cSld>
     <p:spTree>
@@ -9299,7 +9242,7 @@
 </p:sld>
 </file>
 
-<file path=ppt/slides/slide15.xml><?xml version="1.0" encoding="utf-8"?>
+<file path=ppt/slides/slide14.xml><?xml version="1.0" encoding="utf-8"?>
 <p:sld xmlns:a="http://schemas.openxmlformats.org/drawingml/2006/main" xmlns:r="http://schemas.openxmlformats.org/officeDocument/2006/relationships" xmlns:p="http://schemas.openxmlformats.org/presentationml/2006/main">
   <p:cSld>
     <p:spTree>
@@ -11093,7 +11036,7 @@
 </p:sld>
 </file>
 
-<file path=ppt/slides/slide16.xml><?xml version="1.0" encoding="utf-8"?>
+<file path=ppt/slides/slide15.xml><?xml version="1.0" encoding="utf-8"?>
 <p:sld xmlns:a="http://schemas.openxmlformats.org/drawingml/2006/main" xmlns:r="http://schemas.openxmlformats.org/officeDocument/2006/relationships" xmlns:p="http://schemas.openxmlformats.org/presentationml/2006/main">
   <p:cSld>
     <p:spTree>
@@ -11366,6 +11309,210 @@
 </p:sld>
 </file>
 
+<file path=ppt/slides/slide16.xml><?xml version="1.0" encoding="utf-8"?>
+<p:sld xmlns:a="http://schemas.openxmlformats.org/drawingml/2006/main" xmlns:r="http://schemas.openxmlformats.org/officeDocument/2006/relationships" xmlns:p="http://schemas.openxmlformats.org/presentationml/2006/main">
+  <p:cSld>
+    <p:spTree>
+      <p:nvGrpSpPr>
+        <p:cNvPr id="1" name=""/>
+        <p:cNvGrpSpPr/>
+        <p:nvPr/>
+      </p:nvGrpSpPr>
+      <p:grpSpPr>
+        <a:xfrm>
+          <a:off x="0" y="0"/>
+          <a:ext cx="0" cy="0"/>
+          <a:chOff x="0" y="0"/>
+          <a:chExt cx="0" cy="0"/>
+        </a:xfrm>
+      </p:grpSpPr>
+      <p:grpSp>
+        <p:nvGrpSpPr>
+          <p:cNvPr id="3" name="Group 2"/>
+          <p:cNvGrpSpPr/>
+          <p:nvPr/>
+        </p:nvGrpSpPr>
+        <p:grpSpPr>
+          <a:xfrm>
+            <a:off x="2954214" y="2180497"/>
+            <a:ext cx="6269531" cy="4308230"/>
+            <a:chOff x="3323491" y="2488954"/>
+            <a:chExt cx="5539155" cy="3806338"/>
+          </a:xfrm>
+        </p:grpSpPr>
+        <p:pic>
+          <p:nvPicPr>
+            <p:cNvPr id="1026" name="Picture 2" descr="Scales, flat design, vector illustration. Premium Vector"/>
+            <p:cNvPicPr>
+              <a:picLocks noChangeAspect="1" noChangeArrowheads="1"/>
+            </p:cNvPicPr>
+            <p:nvPr/>
+          </p:nvPicPr>
+          <p:blipFill rotWithShape="1">
+            <a:blip r:embed="rId3">
+              <a:extLst>
+                <a:ext uri="{28A0092B-C50C-407E-A947-70E740481C1C}">
+                  <a14:useLocalDpi xmlns:a14="http://schemas.microsoft.com/office/drawing/2010/main" val="0"/>
+                </a:ext>
+              </a:extLst>
+            </a:blip>
+            <a:srcRect l="3503" t="1" r="3599" b="47063"/>
+            <a:stretch/>
+          </p:blipFill>
+          <p:spPr bwMode="auto">
+            <a:xfrm>
+              <a:off x="3323491" y="3138854"/>
+              <a:ext cx="5539155" cy="3156438"/>
+            </a:xfrm>
+            <a:prstGeom prst="rect">
+              <a:avLst/>
+            </a:prstGeom>
+            <a:noFill/>
+            <a:extLst>
+              <a:ext uri="{909E8E84-426E-40DD-AFC4-6F175D3DCCD1}">
+                <a14:hiddenFill xmlns:a14="http://schemas.microsoft.com/office/drawing/2010/main">
+                  <a:solidFill>
+                    <a:srgbClr val="FFFFFF"/>
+                  </a:solidFill>
+                </a14:hiddenFill>
+              </a:ext>
+            </a:extLst>
+          </p:spPr>
+        </p:pic>
+        <p:pic>
+          <p:nvPicPr>
+            <p:cNvPr id="4" name="Picture 2" descr="Bubble background with detergent Free Vector"/>
+            <p:cNvPicPr>
+              <a:picLocks noChangeAspect="1" noChangeArrowheads="1"/>
+            </p:cNvPicPr>
+            <p:nvPr/>
+          </p:nvPicPr>
+          <p:blipFill>
+            <a:blip r:embed="rId4">
+              <a:extLst>
+                <a:ext uri="{28A0092B-C50C-407E-A947-70E740481C1C}">
+                  <a14:useLocalDpi xmlns:a14="http://schemas.microsoft.com/office/drawing/2010/main" val="0"/>
+                </a:ext>
+              </a:extLst>
+            </a:blip>
+            <a:srcRect/>
+            <a:stretch>
+              <a:fillRect/>
+            </a:stretch>
+          </p:blipFill>
+          <p:spPr bwMode="auto">
+            <a:xfrm>
+              <a:off x="3606067" y="2955563"/>
+              <a:ext cx="1656000" cy="1656000"/>
+            </a:xfrm>
+            <a:prstGeom prst="rect">
+              <a:avLst/>
+            </a:prstGeom>
+            <a:noFill/>
+            <a:extLst>
+              <a:ext uri="{909E8E84-426E-40DD-AFC4-6F175D3DCCD1}">
+                <a14:hiddenFill xmlns:a14="http://schemas.microsoft.com/office/drawing/2010/main">
+                  <a:solidFill>
+                    <a:srgbClr val="FFFFFF"/>
+                  </a:solidFill>
+                </a14:hiddenFill>
+              </a:ext>
+            </a:extLst>
+          </p:spPr>
+        </p:pic>
+        <p:pic>
+          <p:nvPicPr>
+            <p:cNvPr id="5" name="Picture 10" descr="Laundry detergent sale realistic advertisement Free Vector"/>
+            <p:cNvPicPr>
+              <a:picLocks noChangeAspect="1" noChangeArrowheads="1"/>
+            </p:cNvPicPr>
+            <p:nvPr/>
+          </p:nvPicPr>
+          <p:blipFill>
+            <a:blip r:embed="rId5">
+              <a:extLst>
+                <a:ext uri="{28A0092B-C50C-407E-A947-70E740481C1C}">
+                  <a14:useLocalDpi xmlns:a14="http://schemas.microsoft.com/office/drawing/2010/main" val="0"/>
+                </a:ext>
+              </a:extLst>
+            </a:blip>
+            <a:srcRect/>
+            <a:stretch>
+              <a:fillRect/>
+            </a:stretch>
+          </p:blipFill>
+          <p:spPr bwMode="auto">
+            <a:xfrm>
+              <a:off x="6914464" y="2488954"/>
+              <a:ext cx="1656000" cy="1656000"/>
+            </a:xfrm>
+            <a:prstGeom prst="rect">
+              <a:avLst/>
+            </a:prstGeom>
+            <a:noFill/>
+            <a:extLst>
+              <a:ext uri="{909E8E84-426E-40DD-AFC4-6F175D3DCCD1}">
+                <a14:hiddenFill xmlns:a14="http://schemas.microsoft.com/office/drawing/2010/main">
+                  <a:solidFill>
+                    <a:srgbClr val="FFFFFF"/>
+                  </a:solidFill>
+                </a14:hiddenFill>
+              </a:ext>
+            </a:extLst>
+          </p:spPr>
+        </p:pic>
+      </p:grpSp>
+      <p:sp>
+        <p:nvSpPr>
+          <p:cNvPr id="6" name="TextBox 5"/>
+          <p:cNvSpPr txBox="1"/>
+          <p:nvPr/>
+        </p:nvSpPr>
+        <p:spPr>
+          <a:xfrm>
+            <a:off x="4507736" y="1039726"/>
+            <a:ext cx="3162487" cy="461665"/>
+          </a:xfrm>
+          <a:prstGeom prst="rect">
+            <a:avLst/>
+          </a:prstGeom>
+          <a:noFill/>
+        </p:spPr>
+        <p:txBody>
+          <a:bodyPr wrap="square" rtlCol="0">
+            <a:spAutoFit/>
+          </a:bodyPr>
+          <a:lstStyle/>
+          <a:p>
+            <a:pPr algn="ctr"/>
+            <a:r>
+              <a:rPr lang="en-GB" sz="2400" b="1" dirty="0" smtClean="0"/>
+              <a:t>Which brand is best?</a:t>
+            </a:r>
+            <a:endParaRPr lang="en-GB" sz="2400" b="1" dirty="0"/>
+          </a:p>
+        </p:txBody>
+      </p:sp>
+    </p:spTree>
+    <p:extLst>
+      <p:ext uri="{BB962C8B-B14F-4D97-AF65-F5344CB8AC3E}">
+        <p14:creationId xmlns:p14="http://schemas.microsoft.com/office/powerpoint/2010/main" val="779244944"/>
+      </p:ext>
+    </p:extLst>
+  </p:cSld>
+  <p:clrMapOvr>
+    <a:masterClrMapping/>
+  </p:clrMapOvr>
+  <p:timing>
+    <p:tnLst>
+      <p:par>
+        <p:cTn id="1" dur="indefinite" restart="never" nodeType="tmRoot"/>
+      </p:par>
+    </p:tnLst>
+  </p:timing>
+</p:sld>
+</file>
+
 <file path=ppt/slides/slide17.xml><?xml version="1.0" encoding="utf-8"?>
 <p:sld xmlns:a="http://schemas.openxmlformats.org/drawingml/2006/main" xmlns:r="http://schemas.openxmlformats.org/officeDocument/2006/relationships" xmlns:p="http://schemas.openxmlformats.org/presentationml/2006/main">
   <p:cSld>
@@ -11383,75 +11530,16 @@
           <a:chExt cx="0" cy="0"/>
         </a:xfrm>
       </p:grpSpPr>
-      <p:pic>
-        <p:nvPicPr>
-          <p:cNvPr id="4" name="Picture 3"/>
-          <p:cNvPicPr>
-            <a:picLocks noChangeAspect="1"/>
-          </p:cNvPicPr>
-          <p:nvPr/>
-        </p:nvPicPr>
-        <p:blipFill rotWithShape="1">
-          <a:blip r:embed="rId3">
-            <a:extLst>
-              <a:ext uri="{28A0092B-C50C-407E-A947-70E740481C1C}">
-                <a14:useLocalDpi xmlns:a14="http://schemas.microsoft.com/office/drawing/2010/main" val="0"/>
-              </a:ext>
-            </a:extLst>
-          </a:blip>
-          <a:srcRect l="704" b="2599"/>
-          <a:stretch/>
-        </p:blipFill>
-        <p:spPr>
-          <a:xfrm>
-            <a:off x="139700" y="1964193"/>
-            <a:ext cx="5797241" cy="2734807"/>
-          </a:xfrm>
-          <a:prstGeom prst="rect">
-            <a:avLst/>
-          </a:prstGeom>
-        </p:spPr>
-      </p:pic>
-      <p:pic>
-        <p:nvPicPr>
-          <p:cNvPr id="5" name="Picture 4"/>
-          <p:cNvPicPr>
-            <a:picLocks noChangeAspect="1"/>
-          </p:cNvPicPr>
-          <p:nvPr/>
-        </p:nvPicPr>
-        <p:blipFill>
-          <a:blip r:embed="rId4">
-            <a:extLst>
-              <a:ext uri="{28A0092B-C50C-407E-A947-70E740481C1C}">
-                <a14:useLocalDpi xmlns:a14="http://schemas.microsoft.com/office/drawing/2010/main" val="0"/>
-              </a:ext>
-            </a:extLst>
-          </a:blip>
-          <a:stretch>
-            <a:fillRect/>
-          </a:stretch>
-        </p:blipFill>
-        <p:spPr>
-          <a:xfrm>
-            <a:off x="6209312" y="1911197"/>
-            <a:ext cx="5965103" cy="2808000"/>
-          </a:xfrm>
-          <a:prstGeom prst="rect">
-            <a:avLst/>
-          </a:prstGeom>
-        </p:spPr>
-      </p:pic>
       <p:sp>
         <p:nvSpPr>
-          <p:cNvPr id="6" name="TextBox 5"/>
+          <p:cNvPr id="18" name="TextBox 17"/>
           <p:cNvSpPr txBox="1"/>
           <p:nvPr/>
         </p:nvSpPr>
         <p:spPr>
           <a:xfrm>
-            <a:off x="2297240" y="789050"/>
-            <a:ext cx="2054633" cy="461665"/>
+            <a:off x="558800" y="1574800"/>
+            <a:ext cx="5308600" cy="2862322"/>
           </a:xfrm>
           <a:prstGeom prst="rect">
             <a:avLst/>
@@ -11464,48 +11552,293 @@
           </a:bodyPr>
           <a:lstStyle/>
           <a:p>
-            <a:r>
-              <a:rPr lang="en-GB" sz="2400" dirty="0" smtClean="0"/>
-              <a:t>Ratings</a:t>
-            </a:r>
-            <a:endParaRPr lang="en-GB" sz="2400" dirty="0"/>
+            <a:pPr marL="342900" indent="-342900">
+              <a:buFont typeface="+mj-lt"/>
+              <a:buAutoNum type="arabicPeriod"/>
+            </a:pPr>
+            <a:r>
+              <a:rPr lang="en-GB" dirty="0" smtClean="0">
+                <a:solidFill>
+                  <a:schemeClr val="bg1">
+                    <a:lumMod val="75000"/>
+                  </a:schemeClr>
+                </a:solidFill>
+              </a:rPr>
+              <a:t>Excellent value</a:t>
+            </a:r>
+          </a:p>
+          <a:p>
+            <a:pPr marL="342900" indent="-342900">
+              <a:buFont typeface="+mj-lt"/>
+              <a:buAutoNum type="arabicPeriod" startAt="3"/>
+            </a:pPr>
+            <a:r>
+              <a:rPr lang="en-GB" dirty="0" smtClean="0">
+                <a:solidFill>
+                  <a:schemeClr val="bg1">
+                    <a:lumMod val="75000"/>
+                  </a:schemeClr>
+                </a:solidFill>
+              </a:rPr>
+              <a:t>Removing tough stains</a:t>
+            </a:r>
+          </a:p>
+          <a:p>
+            <a:pPr marL="342900" indent="-342900">
+              <a:buFont typeface="+mj-lt"/>
+              <a:buAutoNum type="arabicPeriod" startAt="3"/>
+            </a:pPr>
+            <a:r>
+              <a:rPr lang="en-GB" dirty="0">
+                <a:solidFill>
+                  <a:schemeClr val="bg1">
+                    <a:lumMod val="75000"/>
+                  </a:schemeClr>
+                </a:solidFill>
+              </a:rPr>
+              <a:t>Providing bright </a:t>
+            </a:r>
+            <a:r>
+              <a:rPr lang="en-GB" dirty="0" smtClean="0">
+                <a:solidFill>
+                  <a:schemeClr val="bg1">
+                    <a:lumMod val="75000"/>
+                  </a:schemeClr>
+                </a:solidFill>
+              </a:rPr>
+              <a:t>whites</a:t>
+            </a:r>
+          </a:p>
+          <a:p>
+            <a:pPr marL="342900" indent="-342900">
+              <a:buFont typeface="+mj-lt"/>
+              <a:buAutoNum type="arabicPeriod" startAt="6"/>
+            </a:pPr>
+            <a:r>
+              <a:rPr lang="en-GB" dirty="0" smtClean="0">
+                <a:solidFill>
+                  <a:schemeClr val="bg1">
+                    <a:lumMod val="75000"/>
+                  </a:schemeClr>
+                </a:solidFill>
+              </a:rPr>
+              <a:t>Providing vivid colours</a:t>
+            </a:r>
+            <a:endParaRPr lang="en-GB" dirty="0">
+              <a:solidFill>
+                <a:schemeClr val="bg1">
+                  <a:lumMod val="75000"/>
+                </a:schemeClr>
+              </a:solidFill>
+            </a:endParaRPr>
+          </a:p>
+          <a:p>
+            <a:pPr marL="342900" indent="-342900">
+              <a:buFont typeface="+mj-lt"/>
+              <a:buAutoNum type="arabicPeriod" startAt="7"/>
+            </a:pPr>
+            <a:r>
+              <a:rPr lang="en-GB" dirty="0" smtClean="0">
+                <a:solidFill>
+                  <a:schemeClr val="bg1">
+                    <a:lumMod val="75000"/>
+                  </a:schemeClr>
+                </a:solidFill>
+              </a:rPr>
+              <a:t>Overall scent</a:t>
+            </a:r>
+          </a:p>
+          <a:p>
+            <a:pPr marL="342900" indent="-342900">
+              <a:buFont typeface="+mj-lt"/>
+              <a:buAutoNum type="arabicPeriod" startAt="7"/>
+            </a:pPr>
+            <a:r>
+              <a:rPr lang="en-GB" b="1" dirty="0" smtClean="0"/>
+              <a:t>Good level of suds</a:t>
+            </a:r>
+          </a:p>
+          <a:p>
+            <a:pPr marL="342900" indent="-342900">
+              <a:buFont typeface="+mj-lt"/>
+              <a:buAutoNum type="arabicPeriod" startAt="7"/>
+            </a:pPr>
+            <a:r>
+              <a:rPr lang="en-GB" dirty="0" smtClean="0">
+                <a:solidFill>
+                  <a:schemeClr val="bg1">
+                    <a:lumMod val="75000"/>
+                  </a:schemeClr>
+                </a:solidFill>
+              </a:rPr>
+              <a:t>Removing bad odours</a:t>
+            </a:r>
+          </a:p>
+          <a:p>
+            <a:pPr marL="342900" indent="-342900">
+              <a:buFont typeface="+mj-lt"/>
+              <a:buAutoNum type="arabicPeriod" startAt="7"/>
+            </a:pPr>
+            <a:r>
+              <a:rPr lang="en-GB" dirty="0">
+                <a:solidFill>
+                  <a:schemeClr val="bg1">
+                    <a:lumMod val="75000"/>
+                  </a:schemeClr>
+                </a:solidFill>
+              </a:rPr>
+              <a:t>Product appearance</a:t>
+            </a:r>
+          </a:p>
+          <a:p>
+            <a:pPr marL="342900" indent="-342900">
+              <a:buFont typeface="+mj-lt"/>
+              <a:buAutoNum type="arabicPeriod" startAt="7"/>
+            </a:pPr>
+            <a:r>
+              <a:rPr lang="en-GB" dirty="0">
+                <a:solidFill>
+                  <a:schemeClr val="bg1">
+                    <a:lumMod val="75000"/>
+                  </a:schemeClr>
+                </a:solidFill>
+              </a:rPr>
+              <a:t>Not leaving residues</a:t>
+            </a:r>
+          </a:p>
+          <a:p>
+            <a:pPr marL="342900" indent="-342900">
+              <a:buFont typeface="+mj-lt"/>
+              <a:buAutoNum type="arabicPeriod" startAt="7"/>
+            </a:pPr>
+            <a:r>
+              <a:rPr lang="en-GB" dirty="0" smtClean="0">
+                <a:solidFill>
+                  <a:schemeClr val="bg1">
+                    <a:lumMod val="75000"/>
+                  </a:schemeClr>
+                </a:solidFill>
+              </a:rPr>
+              <a:t>Trusted brand</a:t>
+            </a:r>
           </a:p>
         </p:txBody>
       </p:sp>
-      <p:sp>
-        <p:nvSpPr>
-          <p:cNvPr id="7" name="TextBox 6"/>
-          <p:cNvSpPr txBox="1"/>
+      <p:grpSp>
+        <p:nvGrpSpPr>
+          <p:cNvPr id="3" name="Group 2"/>
+          <p:cNvGrpSpPr/>
           <p:nvPr/>
-        </p:nvSpPr>
-        <p:spPr>
+        </p:nvGrpSpPr>
+        <p:grpSpPr>
           <a:xfrm>
-            <a:off x="8240835" y="789050"/>
-            <a:ext cx="2054633" cy="461665"/>
+            <a:off x="5257800" y="1031757"/>
+            <a:ext cx="6451600" cy="4454701"/>
+            <a:chOff x="5257800" y="1031757"/>
+            <a:chExt cx="6451600" cy="4454701"/>
           </a:xfrm>
-          <a:prstGeom prst="rect">
-            <a:avLst/>
-          </a:prstGeom>
-          <a:noFill/>
-        </p:spPr>
-        <p:txBody>
-          <a:bodyPr wrap="square" rtlCol="0">
-            <a:spAutoFit/>
-          </a:bodyPr>
-          <a:lstStyle/>
-          <a:p>
-            <a:r>
-              <a:rPr lang="en-GB" sz="2400" dirty="0" smtClean="0"/>
-              <a:t>Agreements</a:t>
-            </a:r>
-            <a:endParaRPr lang="en-GB" sz="2400" dirty="0"/>
-          </a:p>
-        </p:txBody>
-      </p:sp>
+        </p:grpSpPr>
+        <p:pic>
+          <p:nvPicPr>
+            <p:cNvPr id="17" name="Picture 16"/>
+            <p:cNvPicPr>
+              <a:picLocks noChangeAspect="1"/>
+            </p:cNvPicPr>
+            <p:nvPr/>
+          </p:nvPicPr>
+          <p:blipFill>
+            <a:blip r:embed="rId3">
+              <a:extLst>
+                <a:ext uri="{28A0092B-C50C-407E-A947-70E740481C1C}">
+                  <a14:useLocalDpi xmlns:a14="http://schemas.microsoft.com/office/drawing/2010/main" val="0"/>
+                </a:ext>
+              </a:extLst>
+            </a:blip>
+            <a:stretch>
+              <a:fillRect/>
+            </a:stretch>
+          </p:blipFill>
+          <p:spPr>
+            <a:xfrm>
+              <a:off x="5257800" y="1031757"/>
+              <a:ext cx="6451600" cy="4301067"/>
+            </a:xfrm>
+            <a:prstGeom prst="rect">
+              <a:avLst/>
+            </a:prstGeom>
+          </p:spPr>
+        </p:pic>
+        <p:sp>
+          <p:nvSpPr>
+            <p:cNvPr id="2" name="TextBox 1"/>
+            <p:cNvSpPr txBox="1"/>
+            <p:nvPr/>
+          </p:nvSpPr>
+          <p:spPr>
+            <a:xfrm>
+              <a:off x="6822827" y="5117126"/>
+              <a:ext cx="3305909" cy="369332"/>
+            </a:xfrm>
+            <a:prstGeom prst="rect">
+              <a:avLst/>
+            </a:prstGeom>
+            <a:solidFill>
+              <a:schemeClr val="bg1"/>
+            </a:solidFill>
+          </p:spPr>
+          <p:txBody>
+            <a:bodyPr wrap="square" rtlCol="0">
+              <a:spAutoFit/>
+            </a:bodyPr>
+            <a:lstStyle/>
+            <a:p>
+              <a:pPr algn="ctr"/>
+              <a:r>
+                <a:rPr lang="en-GB" dirty="0" smtClean="0"/>
+                <a:t>Person ability (logits)</a:t>
+              </a:r>
+              <a:endParaRPr lang="en-GB" dirty="0"/>
+            </a:p>
+          </p:txBody>
+        </p:sp>
+        <p:sp>
+          <p:nvSpPr>
+            <p:cNvPr id="5" name="TextBox 4"/>
+            <p:cNvSpPr txBox="1"/>
+            <p:nvPr/>
+          </p:nvSpPr>
+          <p:spPr>
+            <a:xfrm rot="16200000">
+              <a:off x="3764727" y="2978622"/>
+              <a:ext cx="3348000" cy="360000"/>
+            </a:xfrm>
+            <a:prstGeom prst="rect">
+              <a:avLst/>
+            </a:prstGeom>
+            <a:solidFill>
+              <a:schemeClr val="bg1"/>
+            </a:solidFill>
+          </p:spPr>
+          <p:txBody>
+            <a:bodyPr wrap="square" rtlCol="0">
+              <a:spAutoFit/>
+            </a:bodyPr>
+            <a:lstStyle/>
+            <a:p>
+              <a:pPr algn="ctr"/>
+              <a:r>
+                <a:rPr lang="en-GB" dirty="0" smtClean="0"/>
+                <a:t>Expected score for item 8</a:t>
+              </a:r>
+              <a:endParaRPr lang="en-GB" dirty="0"/>
+            </a:p>
+          </p:txBody>
+        </p:sp>
+      </p:grpSp>
     </p:spTree>
     <p:extLst>
       <p:ext uri="{BB962C8B-B14F-4D97-AF65-F5344CB8AC3E}">
-        <p14:creationId xmlns:p14="http://schemas.microsoft.com/office/powerpoint/2010/main" val="3102850076"/>
+        <p14:creationId xmlns:p14="http://schemas.microsoft.com/office/powerpoint/2010/main" val="3650065427"/>
       </p:ext>
     </p:extLst>
   </p:cSld>
@@ -11541,996 +11874,233 @@
       </p:grpSpPr>
       <p:sp>
         <p:nvSpPr>
-          <p:cNvPr id="3" name="TextBox 2"/>
-          <p:cNvSpPr txBox="1"/>
+          <p:cNvPr id="9" name="Rectangle 8"/>
+          <p:cNvSpPr/>
           <p:nvPr/>
         </p:nvSpPr>
         <p:spPr>
           <a:xfrm>
-            <a:off x="558800" y="1574800"/>
-            <a:ext cx="5308600" cy="4247317"/>
+            <a:off x="0" y="0"/>
+            <a:ext cx="12192000" cy="6985000"/>
+          </a:xfrm>
+          <a:prstGeom prst="rect">
+            <a:avLst/>
+          </a:prstGeom>
+        </p:spPr>
+        <p:style>
+          <a:lnRef idx="2">
+            <a:schemeClr val="dk1">
+              <a:shade val="50000"/>
+            </a:schemeClr>
+          </a:lnRef>
+          <a:fillRef idx="1">
+            <a:schemeClr val="dk1"/>
+          </a:fillRef>
+          <a:effectRef idx="0">
+            <a:schemeClr val="dk1"/>
+          </a:effectRef>
+          <a:fontRef idx="minor">
+            <a:schemeClr val="lt1"/>
+          </a:fontRef>
+        </p:style>
+        <p:txBody>
+          <a:bodyPr rtlCol="0" anchor="ctr"/>
+          <a:lstStyle/>
+          <a:p>
+            <a:pPr algn="ctr"/>
+            <a:endParaRPr lang="en-GB"/>
+          </a:p>
+        </p:txBody>
+      </p:sp>
+      <p:sp>
+        <p:nvSpPr>
+          <p:cNvPr id="7" name="Rectangle 6"/>
+          <p:cNvSpPr/>
+          <p:nvPr/>
+        </p:nvSpPr>
+        <p:spPr>
+          <a:xfrm>
+            <a:off x="16586333" y="7679445"/>
+            <a:ext cx="3238500" cy="2874281"/>
+          </a:xfrm>
+          <a:prstGeom prst="rect">
+            <a:avLst/>
+          </a:prstGeom>
+          <a:solidFill>
+            <a:schemeClr val="bg1"/>
+          </a:solidFill>
+        </p:spPr>
+        <p:style>
+          <a:lnRef idx="2">
+            <a:schemeClr val="accent1">
+              <a:shade val="50000"/>
+            </a:schemeClr>
+          </a:lnRef>
+          <a:fillRef idx="1">
+            <a:schemeClr val="accent1"/>
+          </a:fillRef>
+          <a:effectRef idx="0">
+            <a:schemeClr val="accent1"/>
+          </a:effectRef>
+          <a:fontRef idx="minor">
+            <a:schemeClr val="lt1"/>
+          </a:fontRef>
+        </p:style>
+        <p:txBody>
+          <a:bodyPr rtlCol="0" anchor="ctr"/>
+          <a:lstStyle/>
+          <a:p>
+            <a:pPr algn="ctr"/>
+            <a:endParaRPr lang="en-GB"/>
+          </a:p>
+        </p:txBody>
+      </p:sp>
+      <p:pic>
+        <p:nvPicPr>
+          <p:cNvPr id="5" name="Picture 4"/>
+          <p:cNvPicPr>
+            <a:picLocks noChangeAspect="1"/>
+          </p:cNvPicPr>
+          <p:nvPr/>
+        </p:nvPicPr>
+        <p:blipFill>
+          <a:blip r:embed="rId3" cstate="print">
+            <a:extLst>
+              <a:ext uri="{28A0092B-C50C-407E-A947-70E740481C1C}">
+                <a14:useLocalDpi xmlns:a14="http://schemas.microsoft.com/office/drawing/2010/main" val="0"/>
+              </a:ext>
+            </a:extLst>
+          </a:blip>
+          <a:stretch>
+            <a:fillRect/>
+          </a:stretch>
+        </p:blipFill>
+        <p:spPr>
+          <a:xfrm>
+            <a:off x="4769115" y="1391852"/>
+            <a:ext cx="2742670" cy="483126"/>
+          </a:xfrm>
+          <a:prstGeom prst="rect">
+            <a:avLst/>
+          </a:prstGeom>
+        </p:spPr>
+      </p:pic>
+      <p:pic>
+        <p:nvPicPr>
+          <p:cNvPr id="6" name="Picture 5"/>
+          <p:cNvPicPr>
+            <a:picLocks noChangeAspect="1"/>
+          </p:cNvPicPr>
+          <p:nvPr/>
+        </p:nvPicPr>
+        <p:blipFill>
+          <a:blip r:embed="rId4">
+            <a:extLst>
+              <a:ext uri="{28A0092B-C50C-407E-A947-70E740481C1C}">
+                <a14:useLocalDpi xmlns:a14="http://schemas.microsoft.com/office/drawing/2010/main" val="0"/>
+              </a:ext>
+            </a:extLst>
+          </a:blip>
+          <a:stretch>
+            <a:fillRect/>
+          </a:stretch>
+        </p:blipFill>
+        <p:spPr>
+          <a:xfrm>
+            <a:off x="5661051" y="4875734"/>
+            <a:ext cx="831797" cy="831797"/>
+          </a:xfrm>
+          <a:prstGeom prst="rect">
+            <a:avLst/>
+          </a:prstGeom>
+        </p:spPr>
+      </p:pic>
+      <p:pic>
+        <p:nvPicPr>
+          <p:cNvPr id="8" name="Picture 2" descr="Image result for university of leeds logo&quot;"/>
+          <p:cNvPicPr>
+            <a:picLocks noChangeAspect="1" noChangeArrowheads="1"/>
+          </p:cNvPicPr>
+          <p:nvPr/>
+        </p:nvPicPr>
+        <p:blipFill>
+          <a:blip r:embed="rId5">
+            <a:extLst>
+              <a:ext uri="{28A0092B-C50C-407E-A947-70E740481C1C}">
+                <a14:useLocalDpi xmlns:a14="http://schemas.microsoft.com/office/drawing/2010/main" val="0"/>
+              </a:ext>
+            </a:extLst>
+          </a:blip>
+          <a:srcRect/>
+          <a:stretch>
+            <a:fillRect/>
+          </a:stretch>
+        </p:blipFill>
+        <p:spPr bwMode="auto">
+          <a:xfrm>
+            <a:off x="4676510" y="2716238"/>
+            <a:ext cx="2835275" cy="821787"/>
           </a:xfrm>
           <a:prstGeom prst="rect">
             <a:avLst/>
           </a:prstGeom>
           <a:noFill/>
+          <a:extLst>
+            <a:ext uri="{909E8E84-426E-40DD-AFC4-6F175D3DCCD1}">
+              <a14:hiddenFill xmlns:a14="http://schemas.microsoft.com/office/drawing/2010/main">
+                <a:solidFill>
+                  <a:srgbClr val="FFFFFF"/>
+                </a:solidFill>
+              </a14:hiddenFill>
+            </a:ext>
+          </a:extLst>
         </p:spPr>
-        <p:txBody>
-          <a:bodyPr wrap="square" rtlCol="0">
-            <a:spAutoFit/>
-          </a:bodyPr>
-          <a:lstStyle/>
-          <a:p>
-            <a:pPr marL="342900" indent="-342900">
-              <a:buFont typeface="+mj-lt"/>
-              <a:buAutoNum type="arabicPeriod"/>
-            </a:pPr>
-            <a:r>
-              <a:rPr lang="en-GB" dirty="0" smtClean="0">
-                <a:solidFill>
-                  <a:schemeClr val="bg1">
-                    <a:lumMod val="75000"/>
-                  </a:schemeClr>
-                </a:solidFill>
-              </a:rPr>
-              <a:t>Cleaning overall</a:t>
-            </a:r>
-          </a:p>
-          <a:p>
-            <a:pPr marL="342900" indent="-342900">
-              <a:buFont typeface="+mj-lt"/>
-              <a:buAutoNum type="arabicPeriod"/>
-            </a:pPr>
-            <a:r>
-              <a:rPr lang="en-GB" dirty="0" smtClean="0">
-                <a:solidFill>
-                  <a:schemeClr val="bg1">
-                    <a:lumMod val="75000"/>
-                  </a:schemeClr>
-                </a:solidFill>
-              </a:rPr>
-              <a:t>Removing stains overall</a:t>
-            </a:r>
-          </a:p>
-          <a:p>
-            <a:pPr marL="342900" indent="-342900">
-              <a:buFont typeface="+mj-lt"/>
-              <a:buAutoNum type="arabicPeriod"/>
-            </a:pPr>
-            <a:r>
-              <a:rPr lang="en-GB" dirty="0" smtClean="0">
-                <a:solidFill>
-                  <a:schemeClr val="bg1">
-                    <a:lumMod val="75000"/>
-                  </a:schemeClr>
-                </a:solidFill>
-              </a:rPr>
-              <a:t>Removing shirt cuff stains</a:t>
-            </a:r>
-          </a:p>
-          <a:p>
-            <a:pPr marL="342900" indent="-342900">
-              <a:buFont typeface="+mj-lt"/>
-              <a:buAutoNum type="arabicPeriod"/>
-            </a:pPr>
-            <a:r>
-              <a:rPr lang="en-GB" dirty="0" smtClean="0">
-                <a:solidFill>
-                  <a:schemeClr val="bg1">
-                    <a:lumMod val="75000"/>
-                  </a:schemeClr>
-                </a:solidFill>
-              </a:rPr>
-              <a:t>Providing garment durability</a:t>
-            </a:r>
-          </a:p>
-          <a:p>
-            <a:pPr marL="342900" indent="-342900">
-              <a:buFont typeface="+mj-lt"/>
-              <a:buAutoNum type="arabicPeriod"/>
-            </a:pPr>
-            <a:r>
-              <a:rPr lang="en-GB" dirty="0" smtClean="0">
-                <a:solidFill>
-                  <a:schemeClr val="bg1">
-                    <a:lumMod val="75000"/>
-                  </a:schemeClr>
-                </a:solidFill>
-              </a:rPr>
-              <a:t>Providing bright whites</a:t>
-            </a:r>
-          </a:p>
-          <a:p>
-            <a:pPr marL="342900" indent="-342900">
-              <a:buFont typeface="+mj-lt"/>
-              <a:buAutoNum type="arabicPeriod"/>
-            </a:pPr>
-            <a:r>
-              <a:rPr lang="en-GB" dirty="0" smtClean="0">
-                <a:solidFill>
-                  <a:schemeClr val="bg1">
-                    <a:lumMod val="75000"/>
-                  </a:schemeClr>
-                </a:solidFill>
-              </a:rPr>
-              <a:t>Keeping dark clothes dark</a:t>
-            </a:r>
-          </a:p>
-          <a:p>
-            <a:pPr marL="342900" indent="-342900">
-              <a:buFont typeface="+mj-lt"/>
-              <a:buAutoNum type="arabicPeriod" startAt="8"/>
-            </a:pPr>
-            <a:r>
-              <a:rPr lang="en-GB" dirty="0" smtClean="0">
-                <a:solidFill>
-                  <a:schemeClr val="bg1">
-                    <a:lumMod val="75000"/>
-                  </a:schemeClr>
-                </a:solidFill>
-              </a:rPr>
-              <a:t>Enduring freshness</a:t>
-            </a:r>
-          </a:p>
-          <a:p>
-            <a:pPr marL="342900" indent="-342900">
-              <a:buFont typeface="+mj-lt"/>
-              <a:buAutoNum type="arabicPeriod" startAt="8"/>
-            </a:pPr>
-            <a:r>
-              <a:rPr lang="en-GB" dirty="0" smtClean="0">
-                <a:solidFill>
-                  <a:schemeClr val="bg1">
-                    <a:lumMod val="75000"/>
-                  </a:schemeClr>
-                </a:solidFill>
-              </a:rPr>
-              <a:t>Removing bad odours</a:t>
-            </a:r>
-          </a:p>
-          <a:p>
-            <a:pPr marL="342900" indent="-342900">
-              <a:buFont typeface="+mj-lt"/>
-              <a:buAutoNum type="arabicPeriod" startAt="8"/>
-            </a:pPr>
-            <a:r>
-              <a:rPr lang="en-GB" dirty="0" smtClean="0">
-                <a:solidFill>
-                  <a:schemeClr val="bg1">
-                    <a:lumMod val="75000"/>
-                  </a:schemeClr>
-                </a:solidFill>
-              </a:rPr>
-              <a:t>Providing vivid colours</a:t>
-            </a:r>
-          </a:p>
-          <a:p>
-            <a:pPr marL="342900" indent="-342900">
-              <a:buFont typeface="+mj-lt"/>
-              <a:buAutoNum type="arabicPeriod" startAt="12"/>
-            </a:pPr>
-            <a:r>
-              <a:rPr lang="en-GB" dirty="0" smtClean="0">
-                <a:solidFill>
-                  <a:schemeClr val="bg1">
-                    <a:lumMod val="75000"/>
-                  </a:schemeClr>
-                </a:solidFill>
-              </a:rPr>
-              <a:t>Product appearance</a:t>
-            </a:r>
-          </a:p>
-          <a:p>
-            <a:pPr marL="342900" indent="-342900">
-              <a:buFont typeface="+mj-lt"/>
-              <a:buAutoNum type="arabicPeriod" startAt="12"/>
-            </a:pPr>
-            <a:r>
-              <a:rPr lang="en-GB" dirty="0" smtClean="0">
-                <a:solidFill>
-                  <a:schemeClr val="bg1">
-                    <a:lumMod val="75000"/>
-                  </a:schemeClr>
-                </a:solidFill>
-              </a:rPr>
-              <a:t>Not leaving residues</a:t>
-            </a:r>
-          </a:p>
-          <a:p>
-            <a:pPr marL="342900" indent="-342900">
-              <a:buFont typeface="+mj-lt"/>
-              <a:buAutoNum type="arabicPeriod" startAt="12"/>
-            </a:pPr>
-            <a:r>
-              <a:rPr lang="en-GB" dirty="0" smtClean="0">
-                <a:solidFill>
-                  <a:schemeClr val="bg1">
-                    <a:lumMod val="75000"/>
-                  </a:schemeClr>
-                </a:solidFill>
-              </a:rPr>
-              <a:t>Providing fabric softness</a:t>
-            </a:r>
-          </a:p>
-          <a:p>
-            <a:pPr marL="342900" indent="-342900">
-              <a:buFont typeface="+mj-lt"/>
-              <a:buAutoNum type="arabicPeriod" startAt="12"/>
-            </a:pPr>
-            <a:r>
-              <a:rPr lang="en-GB" dirty="0" smtClean="0">
-                <a:solidFill>
-                  <a:schemeClr val="bg1">
-                    <a:lumMod val="75000"/>
-                  </a:schemeClr>
-                </a:solidFill>
-              </a:rPr>
-              <a:t>Gentle to sensitive skin</a:t>
-            </a:r>
-          </a:p>
-          <a:p>
-            <a:pPr marL="342900" indent="-342900">
-              <a:buFont typeface="+mj-lt"/>
-              <a:buAutoNum type="arabicPeriod" startAt="12"/>
-            </a:pPr>
-            <a:r>
-              <a:rPr lang="en-GB" b="1" dirty="0" smtClean="0"/>
-              <a:t>Overall suds experience</a:t>
-            </a:r>
-          </a:p>
-          <a:p>
-            <a:pPr marL="342900" indent="-342900">
-              <a:buFont typeface="+mj-lt"/>
-              <a:buAutoNum type="arabicPeriod" startAt="12"/>
-            </a:pPr>
-            <a:r>
-              <a:rPr lang="en-GB" dirty="0" smtClean="0">
-                <a:solidFill>
-                  <a:schemeClr val="bg1">
-                    <a:lumMod val="75000"/>
-                  </a:schemeClr>
-                </a:solidFill>
-              </a:rPr>
-              <a:t>Easy to rinse</a:t>
-            </a:r>
-          </a:p>
-        </p:txBody>
-      </p:sp>
-      <p:sp>
-        <p:nvSpPr>
-          <p:cNvPr id="4" name="TextBox 3"/>
-          <p:cNvSpPr txBox="1"/>
+      </p:pic>
+      <p:pic>
+        <p:nvPicPr>
+          <p:cNvPr id="1032" name="Picture 8" descr="Image result for university of leeds logo&quot;"/>
+          <p:cNvPicPr>
+            <a:picLocks noChangeAspect="1" noChangeArrowheads="1"/>
+          </p:cNvPicPr>
           <p:nvPr/>
-        </p:nvSpPr>
-        <p:spPr>
+        </p:nvPicPr>
+        <p:blipFill>
+          <a:blip r:embed="rId6">
+            <a:extLst>
+              <a:ext uri="{28A0092B-C50C-407E-A947-70E740481C1C}">
+                <a14:useLocalDpi xmlns:a14="http://schemas.microsoft.com/office/drawing/2010/main" val="0"/>
+              </a:ext>
+            </a:extLst>
+          </a:blip>
+          <a:srcRect/>
+          <a:stretch>
+            <a:fillRect/>
+          </a:stretch>
+        </p:blipFill>
+        <p:spPr bwMode="auto">
           <a:xfrm>
-            <a:off x="1213500" y="800925"/>
-            <a:ext cx="4699000" cy="461665"/>
+            <a:off x="4104101" y="2600887"/>
+            <a:ext cx="3919192" cy="1117583"/>
           </a:xfrm>
           <a:prstGeom prst="rect">
             <a:avLst/>
           </a:prstGeom>
           <a:noFill/>
+          <a:extLst>
+            <a:ext uri="{909E8E84-426E-40DD-AFC4-6F175D3DCCD1}">
+              <a14:hiddenFill xmlns:a14="http://schemas.microsoft.com/office/drawing/2010/main">
+                <a:solidFill>
+                  <a:srgbClr val="FFFFFF"/>
+                </a:solidFill>
+              </a14:hiddenFill>
+            </a:ext>
+          </a:extLst>
         </p:spPr>
-        <p:txBody>
-          <a:bodyPr wrap="square" rtlCol="0">
-            <a:spAutoFit/>
-          </a:bodyPr>
-          <a:lstStyle/>
-          <a:p>
-            <a:r>
-              <a:rPr lang="en-GB" sz="2400" dirty="0" smtClean="0"/>
-              <a:t>Ratings</a:t>
-            </a:r>
-            <a:endParaRPr lang="en-GB" sz="2400" dirty="0"/>
-          </a:p>
-        </p:txBody>
-      </p:sp>
+      </p:pic>
     </p:spTree>
     <p:extLst>
       <p:ext uri="{BB962C8B-B14F-4D97-AF65-F5344CB8AC3E}">
-        <p14:creationId xmlns:p14="http://schemas.microsoft.com/office/powerpoint/2010/main" val="761790231"/>
-      </p:ext>
-    </p:extLst>
-  </p:cSld>
-  <p:clrMapOvr>
-    <a:masterClrMapping/>
-  </p:clrMapOvr>
-  <p:timing>
-    <p:tnLst>
-      <p:par>
-        <p:cTn id="1" dur="indefinite" restart="never" nodeType="tmRoot"/>
-      </p:par>
-    </p:tnLst>
-  </p:timing>
-</p:sld>
-</file>
-
-<file path=ppt/slides/slide19.xml><?xml version="1.0" encoding="utf-8"?>
-<p:sld xmlns:a="http://schemas.openxmlformats.org/drawingml/2006/main" xmlns:r="http://schemas.openxmlformats.org/officeDocument/2006/relationships" xmlns:p="http://schemas.openxmlformats.org/presentationml/2006/main">
-  <p:cSld>
-    <p:spTree>
-      <p:nvGrpSpPr>
-        <p:cNvPr id="1" name=""/>
-        <p:cNvGrpSpPr/>
-        <p:nvPr/>
-      </p:nvGrpSpPr>
-      <p:grpSpPr>
-        <a:xfrm>
-          <a:off x="0" y="0"/>
-          <a:ext cx="0" cy="0"/>
-          <a:chOff x="0" y="0"/>
-          <a:chExt cx="0" cy="0"/>
-        </a:xfrm>
-      </p:grpSpPr>
-      <p:sp>
-        <p:nvSpPr>
-          <p:cNvPr id="3" name="TextBox 2"/>
-          <p:cNvSpPr txBox="1"/>
-          <p:nvPr/>
-        </p:nvSpPr>
-        <p:spPr>
-          <a:xfrm>
-            <a:off x="558800" y="1574800"/>
-            <a:ext cx="5308600" cy="4247317"/>
-          </a:xfrm>
-          <a:prstGeom prst="rect">
-            <a:avLst/>
-          </a:prstGeom>
-          <a:noFill/>
-        </p:spPr>
-        <p:txBody>
-          <a:bodyPr wrap="square" rtlCol="0">
-            <a:spAutoFit/>
-          </a:bodyPr>
-          <a:lstStyle/>
-          <a:p>
-            <a:pPr marL="342900" indent="-342900">
-              <a:buFont typeface="+mj-lt"/>
-              <a:buAutoNum type="arabicPeriod"/>
-            </a:pPr>
-            <a:r>
-              <a:rPr lang="en-GB" dirty="0" smtClean="0">
-                <a:solidFill>
-                  <a:schemeClr val="bg1">
-                    <a:lumMod val="75000"/>
-                  </a:schemeClr>
-                </a:solidFill>
-              </a:rPr>
-              <a:t>Cleaning overall</a:t>
-            </a:r>
-          </a:p>
-          <a:p>
-            <a:pPr marL="342900" indent="-342900">
-              <a:buFont typeface="+mj-lt"/>
-              <a:buAutoNum type="arabicPeriod"/>
-            </a:pPr>
-            <a:r>
-              <a:rPr lang="en-GB" dirty="0" smtClean="0">
-                <a:solidFill>
-                  <a:schemeClr val="bg1">
-                    <a:lumMod val="75000"/>
-                  </a:schemeClr>
-                </a:solidFill>
-              </a:rPr>
-              <a:t>Removing stains overall</a:t>
-            </a:r>
-          </a:p>
-          <a:p>
-            <a:pPr marL="342900" indent="-342900">
-              <a:buFont typeface="+mj-lt"/>
-              <a:buAutoNum type="arabicPeriod"/>
-            </a:pPr>
-            <a:r>
-              <a:rPr lang="en-GB" dirty="0" smtClean="0">
-                <a:solidFill>
-                  <a:schemeClr val="bg1">
-                    <a:lumMod val="75000"/>
-                  </a:schemeClr>
-                </a:solidFill>
-              </a:rPr>
-              <a:t>Removing shirt cuff stains</a:t>
-            </a:r>
-          </a:p>
-          <a:p>
-            <a:pPr marL="342900" indent="-342900">
-              <a:buFont typeface="+mj-lt"/>
-              <a:buAutoNum type="arabicPeriod"/>
-            </a:pPr>
-            <a:r>
-              <a:rPr lang="en-GB" dirty="0" smtClean="0">
-                <a:solidFill>
-                  <a:schemeClr val="bg1">
-                    <a:lumMod val="75000"/>
-                  </a:schemeClr>
-                </a:solidFill>
-              </a:rPr>
-              <a:t>Providing garment durability</a:t>
-            </a:r>
-          </a:p>
-          <a:p>
-            <a:pPr marL="342900" indent="-342900">
-              <a:buFont typeface="+mj-lt"/>
-              <a:buAutoNum type="arabicPeriod"/>
-            </a:pPr>
-            <a:r>
-              <a:rPr lang="en-GB" dirty="0" smtClean="0">
-                <a:solidFill>
-                  <a:schemeClr val="bg1">
-                    <a:lumMod val="75000"/>
-                  </a:schemeClr>
-                </a:solidFill>
-              </a:rPr>
-              <a:t>Providing bright whites</a:t>
-            </a:r>
-          </a:p>
-          <a:p>
-            <a:pPr marL="342900" indent="-342900">
-              <a:buFont typeface="+mj-lt"/>
-              <a:buAutoNum type="arabicPeriod"/>
-            </a:pPr>
-            <a:r>
-              <a:rPr lang="en-GB" dirty="0" smtClean="0">
-                <a:solidFill>
-                  <a:schemeClr val="bg1">
-                    <a:lumMod val="75000"/>
-                  </a:schemeClr>
-                </a:solidFill>
-              </a:rPr>
-              <a:t>Keeping dark clothes dark</a:t>
-            </a:r>
-          </a:p>
-          <a:p>
-            <a:pPr marL="342900" indent="-342900">
-              <a:buFont typeface="+mj-lt"/>
-              <a:buAutoNum type="arabicPeriod" startAt="8"/>
-            </a:pPr>
-            <a:r>
-              <a:rPr lang="en-GB" dirty="0" smtClean="0">
-                <a:solidFill>
-                  <a:schemeClr val="bg1">
-                    <a:lumMod val="75000"/>
-                  </a:schemeClr>
-                </a:solidFill>
-              </a:rPr>
-              <a:t>Enduring freshness</a:t>
-            </a:r>
-          </a:p>
-          <a:p>
-            <a:pPr marL="342900" indent="-342900">
-              <a:buFont typeface="+mj-lt"/>
-              <a:buAutoNum type="arabicPeriod" startAt="8"/>
-            </a:pPr>
-            <a:r>
-              <a:rPr lang="en-GB" dirty="0" smtClean="0">
-                <a:solidFill>
-                  <a:schemeClr val="bg1">
-                    <a:lumMod val="75000"/>
-                  </a:schemeClr>
-                </a:solidFill>
-              </a:rPr>
-              <a:t>Removing bad odours</a:t>
-            </a:r>
-          </a:p>
-          <a:p>
-            <a:pPr marL="342900" indent="-342900">
-              <a:buFont typeface="+mj-lt"/>
-              <a:buAutoNum type="arabicPeriod" startAt="8"/>
-            </a:pPr>
-            <a:r>
-              <a:rPr lang="en-GB" dirty="0" smtClean="0">
-                <a:solidFill>
-                  <a:schemeClr val="bg1">
-                    <a:lumMod val="75000"/>
-                  </a:schemeClr>
-                </a:solidFill>
-              </a:rPr>
-              <a:t>Providing vivid colours</a:t>
-            </a:r>
-          </a:p>
-          <a:p>
-            <a:pPr marL="342900" indent="-342900">
-              <a:buFont typeface="+mj-lt"/>
-              <a:buAutoNum type="arabicPeriod" startAt="12"/>
-            </a:pPr>
-            <a:r>
-              <a:rPr lang="en-GB" dirty="0" smtClean="0">
-                <a:solidFill>
-                  <a:schemeClr val="bg1">
-                    <a:lumMod val="75000"/>
-                  </a:schemeClr>
-                </a:solidFill>
-              </a:rPr>
-              <a:t>Product appearance</a:t>
-            </a:r>
-          </a:p>
-          <a:p>
-            <a:pPr marL="342900" indent="-342900">
-              <a:buFont typeface="+mj-lt"/>
-              <a:buAutoNum type="arabicPeriod" startAt="12"/>
-            </a:pPr>
-            <a:r>
-              <a:rPr lang="en-GB" dirty="0" smtClean="0">
-                <a:solidFill>
-                  <a:schemeClr val="bg1">
-                    <a:lumMod val="75000"/>
-                  </a:schemeClr>
-                </a:solidFill>
-              </a:rPr>
-              <a:t>Not leaving residues</a:t>
-            </a:r>
-          </a:p>
-          <a:p>
-            <a:pPr marL="342900" indent="-342900">
-              <a:buFont typeface="+mj-lt"/>
-              <a:buAutoNum type="arabicPeriod" startAt="12"/>
-            </a:pPr>
-            <a:r>
-              <a:rPr lang="en-GB" dirty="0" smtClean="0">
-                <a:solidFill>
-                  <a:schemeClr val="bg1">
-                    <a:lumMod val="75000"/>
-                  </a:schemeClr>
-                </a:solidFill>
-              </a:rPr>
-              <a:t>Providing fabric softness</a:t>
-            </a:r>
-          </a:p>
-          <a:p>
-            <a:pPr marL="342900" indent="-342900">
-              <a:buFont typeface="+mj-lt"/>
-              <a:buAutoNum type="arabicPeriod" startAt="12"/>
-            </a:pPr>
-            <a:r>
-              <a:rPr lang="en-GB" dirty="0" smtClean="0">
-                <a:solidFill>
-                  <a:schemeClr val="bg1">
-                    <a:lumMod val="75000"/>
-                  </a:schemeClr>
-                </a:solidFill>
-              </a:rPr>
-              <a:t>Gentle to sensitive skin</a:t>
-            </a:r>
-          </a:p>
-          <a:p>
-            <a:pPr marL="342900" indent="-342900">
-              <a:buFont typeface="+mj-lt"/>
-              <a:buAutoNum type="arabicPeriod" startAt="12"/>
-            </a:pPr>
-            <a:r>
-              <a:rPr lang="en-GB" b="1" dirty="0" smtClean="0"/>
-              <a:t>Overall suds experience</a:t>
-            </a:r>
-          </a:p>
-          <a:p>
-            <a:pPr marL="342900" indent="-342900">
-              <a:buFont typeface="+mj-lt"/>
-              <a:buAutoNum type="arabicPeriod" startAt="12"/>
-            </a:pPr>
-            <a:r>
-              <a:rPr lang="en-GB" dirty="0" smtClean="0">
-                <a:solidFill>
-                  <a:schemeClr val="bg1">
-                    <a:lumMod val="75000"/>
-                  </a:schemeClr>
-                </a:solidFill>
-              </a:rPr>
-              <a:t>Easy to rinse</a:t>
-            </a:r>
-          </a:p>
-        </p:txBody>
-      </p:sp>
-      <p:sp>
-        <p:nvSpPr>
-          <p:cNvPr id="4" name="TextBox 3"/>
-          <p:cNvSpPr txBox="1"/>
-          <p:nvPr/>
-        </p:nvSpPr>
-        <p:spPr>
-          <a:xfrm>
-            <a:off x="1213500" y="800925"/>
-            <a:ext cx="4699000" cy="461665"/>
-          </a:xfrm>
-          <a:prstGeom prst="rect">
-            <a:avLst/>
-          </a:prstGeom>
-          <a:noFill/>
-        </p:spPr>
-        <p:txBody>
-          <a:bodyPr wrap="square" rtlCol="0">
-            <a:spAutoFit/>
-          </a:bodyPr>
-          <a:lstStyle/>
-          <a:p>
-            <a:r>
-              <a:rPr lang="en-GB" sz="2400" dirty="0" smtClean="0"/>
-              <a:t>Ratings</a:t>
-            </a:r>
-            <a:endParaRPr lang="en-GB" sz="2400" dirty="0"/>
-          </a:p>
-        </p:txBody>
-      </p:sp>
-      <p:grpSp>
-        <p:nvGrpSpPr>
-          <p:cNvPr id="16" name="Group 15"/>
-          <p:cNvGrpSpPr/>
-          <p:nvPr/>
-        </p:nvGrpSpPr>
-        <p:grpSpPr>
-          <a:xfrm>
-            <a:off x="4236368" y="1513868"/>
-            <a:ext cx="8273132" cy="4013579"/>
-            <a:chOff x="4426868" y="1691668"/>
-            <a:chExt cx="8273132" cy="4013579"/>
-          </a:xfrm>
-        </p:grpSpPr>
-        <p:grpSp>
-          <p:nvGrpSpPr>
-            <p:cNvPr id="15" name="Group 14"/>
-            <p:cNvGrpSpPr/>
-            <p:nvPr/>
-          </p:nvGrpSpPr>
-          <p:grpSpPr>
-            <a:xfrm>
-              <a:off x="5041900" y="1691668"/>
-              <a:ext cx="7658100" cy="4013579"/>
-              <a:chOff x="5041900" y="1691668"/>
-              <a:chExt cx="7658100" cy="4013579"/>
-            </a:xfrm>
-          </p:grpSpPr>
-          <p:grpSp>
-            <p:nvGrpSpPr>
-              <p:cNvPr id="12" name="Group 11"/>
-              <p:cNvGrpSpPr/>
-              <p:nvPr/>
-            </p:nvGrpSpPr>
-            <p:grpSpPr>
-              <a:xfrm>
-                <a:off x="5041900" y="1691668"/>
-                <a:ext cx="7658100" cy="4013579"/>
-                <a:chOff x="4305300" y="1716880"/>
-                <a:chExt cx="7658100" cy="4013579"/>
-              </a:xfrm>
-            </p:grpSpPr>
-            <p:pic>
-              <p:nvPicPr>
-                <p:cNvPr id="5" name="Picture 4"/>
-                <p:cNvPicPr>
-                  <a:picLocks noChangeAspect="1"/>
-                </p:cNvPicPr>
-                <p:nvPr/>
-              </p:nvPicPr>
-              <p:blipFill>
-                <a:blip r:embed="rId3">
-                  <a:extLst>
-                    <a:ext uri="{28A0092B-C50C-407E-A947-70E740481C1C}">
-                      <a14:useLocalDpi xmlns:a14="http://schemas.microsoft.com/office/drawing/2010/main" val="0"/>
-                    </a:ext>
-                  </a:extLst>
-                </a:blip>
-                <a:stretch>
-                  <a:fillRect/>
-                </a:stretch>
-              </p:blipFill>
-              <p:spPr>
-                <a:xfrm>
-                  <a:off x="4305300" y="1858962"/>
-                  <a:ext cx="7566618" cy="3487738"/>
-                </a:xfrm>
-                <a:prstGeom prst="rect">
-                  <a:avLst/>
-                </a:prstGeom>
-              </p:spPr>
-            </p:pic>
-            <p:sp>
-              <p:nvSpPr>
-                <p:cNvPr id="6" name="Rectangle 5"/>
-                <p:cNvSpPr/>
-                <p:nvPr/>
-              </p:nvSpPr>
-              <p:spPr>
-                <a:xfrm>
-                  <a:off x="5270500" y="1858962"/>
-                  <a:ext cx="5549900" cy="249238"/>
-                </a:xfrm>
-                <a:prstGeom prst="rect">
-                  <a:avLst/>
-                </a:prstGeom>
-                <a:solidFill>
-                  <a:schemeClr val="bg1"/>
-                </a:solidFill>
-                <a:ln>
-                  <a:noFill/>
-                </a:ln>
-              </p:spPr>
-              <p:style>
-                <a:lnRef idx="2">
-                  <a:schemeClr val="accent1">
-                    <a:shade val="50000"/>
-                  </a:schemeClr>
-                </a:lnRef>
-                <a:fillRef idx="1">
-                  <a:schemeClr val="accent1"/>
-                </a:fillRef>
-                <a:effectRef idx="0">
-                  <a:schemeClr val="accent1"/>
-                </a:effectRef>
-                <a:fontRef idx="minor">
-                  <a:schemeClr val="lt1"/>
-                </a:fontRef>
-              </p:style>
-              <p:txBody>
-                <a:bodyPr rtlCol="0" anchor="ctr"/>
-                <a:lstStyle/>
-                <a:p>
-                  <a:pPr algn="ctr"/>
-                  <a:endParaRPr lang="en-GB"/>
-                </a:p>
-              </p:txBody>
-            </p:sp>
-            <p:sp>
-              <p:nvSpPr>
-                <p:cNvPr id="8" name="Rectangle 7"/>
-                <p:cNvSpPr/>
-                <p:nvPr/>
-              </p:nvSpPr>
-              <p:spPr>
-                <a:xfrm>
-                  <a:off x="11125199" y="1716880"/>
-                  <a:ext cx="838201" cy="3845719"/>
-                </a:xfrm>
-                <a:prstGeom prst="rect">
-                  <a:avLst/>
-                </a:prstGeom>
-                <a:solidFill>
-                  <a:schemeClr val="bg1"/>
-                </a:solidFill>
-                <a:ln>
-                  <a:noFill/>
-                </a:ln>
-              </p:spPr>
-              <p:style>
-                <a:lnRef idx="2">
-                  <a:schemeClr val="accent1">
-                    <a:shade val="50000"/>
-                  </a:schemeClr>
-                </a:lnRef>
-                <a:fillRef idx="1">
-                  <a:schemeClr val="accent1"/>
-                </a:fillRef>
-                <a:effectRef idx="0">
-                  <a:schemeClr val="accent1"/>
-                </a:effectRef>
-                <a:fontRef idx="minor">
-                  <a:schemeClr val="lt1"/>
-                </a:fontRef>
-              </p:style>
-              <p:txBody>
-                <a:bodyPr rtlCol="0" anchor="ctr"/>
-                <a:lstStyle/>
-                <a:p>
-                  <a:pPr algn="ctr"/>
-                  <a:endParaRPr lang="en-GB"/>
-                </a:p>
-              </p:txBody>
-            </p:sp>
-            <p:sp>
-              <p:nvSpPr>
-                <p:cNvPr id="9" name="Rectangle 8"/>
-                <p:cNvSpPr/>
-                <p:nvPr/>
-              </p:nvSpPr>
-              <p:spPr>
-                <a:xfrm>
-                  <a:off x="4362450" y="5131971"/>
-                  <a:ext cx="6972299" cy="598488"/>
-                </a:xfrm>
-                <a:prstGeom prst="rect">
-                  <a:avLst/>
-                </a:prstGeom>
-                <a:solidFill>
-                  <a:schemeClr val="bg1"/>
-                </a:solidFill>
-                <a:ln>
-                  <a:noFill/>
-                </a:ln>
-              </p:spPr>
-              <p:style>
-                <a:lnRef idx="2">
-                  <a:schemeClr val="accent1">
-                    <a:shade val="50000"/>
-                  </a:schemeClr>
-                </a:lnRef>
-                <a:fillRef idx="1">
-                  <a:schemeClr val="accent1"/>
-                </a:fillRef>
-                <a:effectRef idx="0">
-                  <a:schemeClr val="accent1"/>
-                </a:effectRef>
-                <a:fontRef idx="minor">
-                  <a:schemeClr val="lt1"/>
-                </a:fontRef>
-              </p:style>
-              <p:txBody>
-                <a:bodyPr rtlCol="0" anchor="ctr"/>
-                <a:lstStyle/>
-                <a:p>
-                  <a:pPr algn="ctr"/>
-                  <a:endParaRPr lang="en-GB"/>
-                </a:p>
-              </p:txBody>
-            </p:sp>
-            <p:sp>
-              <p:nvSpPr>
-                <p:cNvPr id="7" name="TextBox 6"/>
-                <p:cNvSpPr txBox="1"/>
-                <p:nvPr/>
-              </p:nvSpPr>
-              <p:spPr>
-                <a:xfrm>
-                  <a:off x="9573218" y="3236793"/>
-                  <a:ext cx="2298700" cy="923330"/>
-                </a:xfrm>
-                <a:prstGeom prst="rect">
-                  <a:avLst/>
-                </a:prstGeom>
-                <a:noFill/>
-              </p:spPr>
-              <p:txBody>
-                <a:bodyPr wrap="square" rtlCol="0">
-                  <a:spAutoFit/>
-                </a:bodyPr>
-                <a:lstStyle/>
-                <a:p>
-                  <a:r>
-                    <a:rPr lang="en-GB" dirty="0" smtClean="0">
-                      <a:solidFill>
-                        <a:srgbClr val="000099"/>
-                      </a:solidFill>
-                    </a:rPr>
-                    <a:t>o product 1</a:t>
-                  </a:r>
-                </a:p>
-                <a:p>
-                  <a:r>
-                    <a:rPr lang="en-GB" dirty="0" smtClean="0">
-                      <a:solidFill>
-                        <a:srgbClr val="660066"/>
-                      </a:solidFill>
-                    </a:rPr>
-                    <a:t>+ product 8</a:t>
-                  </a:r>
-                </a:p>
-                <a:p>
-                  <a:r>
-                    <a:rPr lang="en-GB" dirty="0" smtClean="0">
-                      <a:solidFill>
-                        <a:srgbClr val="FF00FF"/>
-                      </a:solidFill>
-                    </a:rPr>
-                    <a:t>* product 9</a:t>
-                  </a:r>
-                  <a:endParaRPr lang="en-GB" dirty="0">
-                    <a:solidFill>
-                      <a:srgbClr val="FF00FF"/>
-                    </a:solidFill>
-                  </a:endParaRPr>
-                </a:p>
-              </p:txBody>
-            </p:sp>
-            <p:sp>
-              <p:nvSpPr>
-                <p:cNvPr id="10" name="TextBox 9"/>
-                <p:cNvSpPr txBox="1"/>
-                <p:nvPr/>
-              </p:nvSpPr>
-              <p:spPr>
-                <a:xfrm>
-                  <a:off x="7372674" y="5162034"/>
-                  <a:ext cx="3701400" cy="369332"/>
-                </a:xfrm>
-                <a:prstGeom prst="rect">
-                  <a:avLst/>
-                </a:prstGeom>
-                <a:noFill/>
-              </p:spPr>
-              <p:txBody>
-                <a:bodyPr wrap="square" rtlCol="0">
-                  <a:spAutoFit/>
-                </a:bodyPr>
-                <a:lstStyle/>
-                <a:p>
-                  <a:r>
-                    <a:rPr lang="en-GB" dirty="0" smtClean="0"/>
-                    <a:t>Person ability</a:t>
-                  </a:r>
-                  <a:endParaRPr lang="en-GB" dirty="0"/>
-                </a:p>
-              </p:txBody>
-            </p:sp>
-          </p:grpSp>
-          <p:sp>
-            <p:nvSpPr>
-              <p:cNvPr id="14" name="Rectangle 13"/>
-              <p:cNvSpPr/>
-              <p:nvPr/>
-            </p:nvSpPr>
-            <p:spPr>
-              <a:xfrm>
-                <a:off x="5041900" y="2603500"/>
-                <a:ext cx="317500" cy="2260600"/>
-              </a:xfrm>
-              <a:prstGeom prst="rect">
-                <a:avLst/>
-              </a:prstGeom>
-              <a:solidFill>
-                <a:schemeClr val="bg1"/>
-              </a:solidFill>
-              <a:ln>
-                <a:noFill/>
-              </a:ln>
-            </p:spPr>
-            <p:style>
-              <a:lnRef idx="2">
-                <a:schemeClr val="accent1">
-                  <a:shade val="50000"/>
-                </a:schemeClr>
-              </a:lnRef>
-              <a:fillRef idx="1">
-                <a:schemeClr val="accent1"/>
-              </a:fillRef>
-              <a:effectRef idx="0">
-                <a:schemeClr val="accent1"/>
-              </a:effectRef>
-              <a:fontRef idx="minor">
-                <a:schemeClr val="lt1"/>
-              </a:fontRef>
-            </p:style>
-            <p:txBody>
-              <a:bodyPr rtlCol="0" anchor="ctr"/>
-              <a:lstStyle/>
-              <a:p>
-                <a:pPr algn="ctr"/>
-                <a:endParaRPr lang="en-GB"/>
-              </a:p>
-            </p:txBody>
-          </p:sp>
-        </p:grpSp>
-        <p:sp>
-          <p:nvSpPr>
-            <p:cNvPr id="11" name="TextBox 10"/>
-            <p:cNvSpPr txBox="1"/>
-            <p:nvPr/>
-          </p:nvSpPr>
-          <p:spPr>
-            <a:xfrm>
-              <a:off x="4426868" y="2994580"/>
-              <a:ext cx="1047100" cy="923330"/>
-            </a:xfrm>
-            <a:prstGeom prst="rect">
-              <a:avLst/>
-            </a:prstGeom>
-            <a:noFill/>
-          </p:spPr>
-          <p:txBody>
-            <a:bodyPr wrap="square" rtlCol="0">
-              <a:spAutoFit/>
-            </a:bodyPr>
-            <a:lstStyle/>
-            <a:p>
-              <a:r>
-                <a:rPr lang="en-GB" dirty="0" smtClean="0"/>
-                <a:t>Expected score for item 16</a:t>
-              </a:r>
-              <a:endParaRPr lang="en-GB" dirty="0"/>
-            </a:p>
-          </p:txBody>
-        </p:sp>
-      </p:grpSp>
-    </p:spTree>
-    <p:extLst>
-      <p:ext uri="{BB962C8B-B14F-4D97-AF65-F5344CB8AC3E}">
-        <p14:creationId xmlns:p14="http://schemas.microsoft.com/office/powerpoint/2010/main" val="41708257"/>
+        <p14:creationId xmlns:p14="http://schemas.microsoft.com/office/powerpoint/2010/main" val="1634783456"/>
       </p:ext>
     </p:extLst>
   </p:cSld>
@@ -12548,206 +12118,6 @@
 </file>
 
 <file path=ppt/slides/slide2.xml><?xml version="1.0" encoding="utf-8"?>
-<p:sld xmlns:a="http://schemas.openxmlformats.org/drawingml/2006/main" xmlns:r="http://schemas.openxmlformats.org/officeDocument/2006/relationships" xmlns:p="http://schemas.openxmlformats.org/presentationml/2006/main">
-  <p:cSld>
-    <p:spTree>
-      <p:nvGrpSpPr>
-        <p:cNvPr id="1" name=""/>
-        <p:cNvGrpSpPr/>
-        <p:nvPr/>
-      </p:nvGrpSpPr>
-      <p:grpSpPr>
-        <a:xfrm>
-          <a:off x="0" y="0"/>
-          <a:ext cx="0" cy="0"/>
-          <a:chOff x="0" y="0"/>
-          <a:chExt cx="0" cy="0"/>
-        </a:xfrm>
-      </p:grpSpPr>
-      <p:pic>
-        <p:nvPicPr>
-          <p:cNvPr id="2" name="Picture 1"/>
-          <p:cNvPicPr>
-            <a:picLocks noChangeAspect="1"/>
-          </p:cNvPicPr>
-          <p:nvPr/>
-        </p:nvPicPr>
-        <p:blipFill>
-          <a:blip r:embed="rId3"/>
-          <a:stretch>
-            <a:fillRect/>
-          </a:stretch>
-        </p:blipFill>
-        <p:spPr>
-          <a:xfrm>
-            <a:off x="2092753" y="1224317"/>
-            <a:ext cx="8006493" cy="4812646"/>
-          </a:xfrm>
-          <a:prstGeom prst="rect">
-            <a:avLst/>
-          </a:prstGeom>
-        </p:spPr>
-      </p:pic>
-      <p:sp>
-        <p:nvSpPr>
-          <p:cNvPr id="3" name="Rectangle 2"/>
-          <p:cNvSpPr/>
-          <p:nvPr/>
-        </p:nvSpPr>
-        <p:spPr>
-          <a:xfrm>
-            <a:off x="2768600" y="6471672"/>
-            <a:ext cx="7442200" cy="369332"/>
-          </a:xfrm>
-          <a:prstGeom prst="rect">
-            <a:avLst/>
-          </a:prstGeom>
-        </p:spPr>
-        <p:txBody>
-          <a:bodyPr wrap="square">
-            <a:spAutoFit/>
-          </a:bodyPr>
-          <a:lstStyle/>
-          <a:p>
-            <a:r>
-              <a:rPr lang="en-GB" dirty="0">
-                <a:hlinkClick r:id="rId4"/>
-              </a:rPr>
-              <a:t>https://cen.acs.org/articles/95/i4/PG-Henkel-head-head-laundry.html</a:t>
-            </a:r>
-            <a:endParaRPr lang="en-GB" dirty="0"/>
-          </a:p>
-        </p:txBody>
-      </p:sp>
-    </p:spTree>
-    <p:extLst>
-      <p:ext uri="{BB962C8B-B14F-4D97-AF65-F5344CB8AC3E}">
-        <p14:creationId xmlns:p14="http://schemas.microsoft.com/office/powerpoint/2010/main" val="288062928"/>
-      </p:ext>
-    </p:extLst>
-  </p:cSld>
-  <p:clrMapOvr>
-    <a:masterClrMapping/>
-  </p:clrMapOvr>
-  <p:timing>
-    <p:tnLst>
-      <p:par>
-        <p:cTn id="1" dur="indefinite" restart="never" nodeType="tmRoot"/>
-      </p:par>
-    </p:tnLst>
-  </p:timing>
-</p:sld>
-</file>
-
-<file path=ppt/slides/slide20.xml><?xml version="1.0" encoding="utf-8"?>
-<p:sld xmlns:a="http://schemas.openxmlformats.org/drawingml/2006/main" xmlns:r="http://schemas.openxmlformats.org/officeDocument/2006/relationships" xmlns:p="http://schemas.openxmlformats.org/presentationml/2006/main">
-  <p:cSld>
-    <p:spTree>
-      <p:nvGrpSpPr>
-        <p:cNvPr id="1" name=""/>
-        <p:cNvGrpSpPr/>
-        <p:nvPr/>
-      </p:nvGrpSpPr>
-      <p:grpSpPr>
-        <a:xfrm>
-          <a:off x="0" y="0"/>
-          <a:ext cx="0" cy="0"/>
-          <a:chOff x="0" y="0"/>
-          <a:chExt cx="0" cy="0"/>
-        </a:xfrm>
-      </p:grpSpPr>
-      <p:sp>
-        <p:nvSpPr>
-          <p:cNvPr id="2" name="Title 1"/>
-          <p:cNvSpPr>
-            <a:spLocks noGrp="1"/>
-          </p:cNvSpPr>
-          <p:nvPr>
-            <p:ph type="title"/>
-          </p:nvPr>
-        </p:nvSpPr>
-        <p:spPr/>
-        <p:txBody>
-          <a:bodyPr/>
-          <a:lstStyle/>
-          <a:p>
-            <a:r>
-              <a:rPr lang="en-GB" dirty="0" smtClean="0"/>
-              <a:t>Summary</a:t>
-            </a:r>
-            <a:endParaRPr lang="en-GB" dirty="0"/>
-          </a:p>
-        </p:txBody>
-      </p:sp>
-      <p:sp>
-        <p:nvSpPr>
-          <p:cNvPr id="3" name="TextBox 2"/>
-          <p:cNvSpPr txBox="1"/>
-          <p:nvPr/>
-        </p:nvSpPr>
-        <p:spPr>
-          <a:xfrm>
-            <a:off x="1016000" y="1690688"/>
-            <a:ext cx="10248900" cy="646331"/>
-          </a:xfrm>
-          <a:prstGeom prst="rect">
-            <a:avLst/>
-          </a:prstGeom>
-          <a:noFill/>
-        </p:spPr>
-        <p:txBody>
-          <a:bodyPr wrap="square" rtlCol="0">
-            <a:spAutoFit/>
-          </a:bodyPr>
-          <a:lstStyle/>
-          <a:p>
-            <a:r>
-              <a:rPr lang="en-GB" dirty="0" smtClean="0"/>
-              <a:t>Thanks for listening!	</a:t>
-            </a:r>
-          </a:p>
-          <a:p>
-            <a:r>
-              <a:rPr lang="en-GB" dirty="0" smtClean="0">
-                <a:solidFill>
-                  <a:schemeClr val="accent1">
-                    <a:lumMod val="75000"/>
-                  </a:schemeClr>
-                </a:solidFill>
-              </a:rPr>
-              <a:t>c.m.chalk@leeds.ac.uk</a:t>
-            </a:r>
-            <a:endParaRPr lang="en-GB" dirty="0">
-              <a:solidFill>
-                <a:schemeClr val="accent1">
-                  <a:lumMod val="75000"/>
-                </a:schemeClr>
-              </a:solidFill>
-            </a:endParaRPr>
-          </a:p>
-        </p:txBody>
-      </p:sp>
-    </p:spTree>
-    <p:extLst>
-      <p:ext uri="{BB962C8B-B14F-4D97-AF65-F5344CB8AC3E}">
-        <p14:creationId xmlns:p14="http://schemas.microsoft.com/office/powerpoint/2010/main" val="1286377750"/>
-      </p:ext>
-    </p:extLst>
-  </p:cSld>
-  <p:clrMapOvr>
-    <a:masterClrMapping/>
-  </p:clrMapOvr>
-  <p:timing>
-    <p:tnLst>
-      <p:par>
-        <p:cTn id="1" dur="indefinite" restart="never" nodeType="tmRoot"/>
-      </p:par>
-    </p:tnLst>
-  </p:timing>
-</p:sld>
-</file>
-
-<file path=ppt/slides/slide3.xml><?xml version="1.0" encoding="utf-8"?>
 <p:sld xmlns:a="http://schemas.openxmlformats.org/drawingml/2006/main" xmlns:r="http://schemas.openxmlformats.org/officeDocument/2006/relationships" xmlns:p="http://schemas.openxmlformats.org/presentationml/2006/main">
   <p:cSld>
     <p:bg>
@@ -12783,7 +12153,7 @@
           <p:cNvPr id="2" name="Title 1" hidden="1">
             <a:extLst>
               <a:ext uri="{FF2B5EF4-FFF2-40B4-BE49-F238E27FC236}">
-                <a16:creationId xmlns="" xmlns:a16="http://schemas.microsoft.com/office/drawing/2014/main" id="{E4A62A27-F9F7-6740-95F2-A32D07E72FA3}"/>
+                <a16:creationId xmlns:a16="http://schemas.microsoft.com/office/drawing/2014/main" xmlns="" id="{E4A62A27-F9F7-6740-95F2-A32D07E72FA3}"/>
               </a:ext>
             </a:extLst>
           </p:cNvPr>
@@ -13026,7 +12396,7 @@
                 <a:ea typeface="Arial" charset="0"/>
                 <a:cs typeface="Arial" charset="0"/>
               </a:rPr>
-              <a:t>Supervisory team: Brian Henson, Sam Whitehead, Philip </a:t>
+              <a:t>Supervisory team: Brian Henson, Philip </a:t>
             </a:r>
             <a:r>
               <a:rPr lang="en-GB" sz="2800" dirty="0" err="1" smtClean="0">
@@ -13038,6 +12408,28 @@
                 <a:cs typeface="Arial" charset="0"/>
               </a:rPr>
               <a:t>Bowtell</a:t>
+            </a:r>
+            <a:r>
+              <a:rPr lang="en-GB" sz="2800" dirty="0">
+                <a:solidFill>
+                  <a:schemeClr val="tx1"/>
+                </a:solidFill>
+                <a:latin typeface="Arial" charset="0"/>
+                <a:ea typeface="Arial" charset="0"/>
+                <a:cs typeface="Arial" charset="0"/>
+              </a:rPr>
+              <a:t>, Sam </a:t>
+            </a:r>
+            <a:r>
+              <a:rPr lang="en-GB" sz="2800" dirty="0" smtClean="0">
+                <a:solidFill>
+                  <a:schemeClr val="tx1"/>
+                </a:solidFill>
+                <a:latin typeface="Arial" charset="0"/>
+                <a:ea typeface="Arial" charset="0"/>
+                <a:cs typeface="Arial" charset="0"/>
+              </a:rPr>
+              <a:t>Whitehead </a:t>
             </a:r>
             <a:endParaRPr lang="en-GB" sz="2800" dirty="0">
               <a:solidFill>
@@ -13100,6 +12492,185 @@
 </p:sld>
 </file>
 
+<file path=ppt/slides/slide3.xml><?xml version="1.0" encoding="utf-8"?>
+<p:sld xmlns:a="http://schemas.openxmlformats.org/drawingml/2006/main" xmlns:r="http://schemas.openxmlformats.org/officeDocument/2006/relationships" xmlns:p="http://schemas.openxmlformats.org/presentationml/2006/main">
+  <p:cSld>
+    <p:spTree>
+      <p:nvGrpSpPr>
+        <p:cNvPr id="1" name=""/>
+        <p:cNvGrpSpPr/>
+        <p:nvPr/>
+      </p:nvGrpSpPr>
+      <p:grpSpPr>
+        <a:xfrm>
+          <a:off x="0" y="0"/>
+          <a:ext cx="0" cy="0"/>
+          <a:chOff x="0" y="0"/>
+          <a:chExt cx="0" cy="0"/>
+        </a:xfrm>
+      </p:grpSpPr>
+      <p:pic>
+        <p:nvPicPr>
+          <p:cNvPr id="2050" name="Picture 2" descr="Mark excellent: evaluation form and pencil Premium Photo"/>
+          <p:cNvPicPr>
+            <a:picLocks noChangeAspect="1" noChangeArrowheads="1"/>
+          </p:cNvPicPr>
+          <p:nvPr/>
+        </p:nvPicPr>
+        <p:blipFill>
+          <a:blip r:embed="rId3">
+            <a:extLst>
+              <a:ext uri="{28A0092B-C50C-407E-A947-70E740481C1C}">
+                <a14:useLocalDpi xmlns:a14="http://schemas.microsoft.com/office/drawing/2010/main" val="0"/>
+              </a:ext>
+            </a:extLst>
+          </a:blip>
+          <a:srcRect/>
+          <a:stretch>
+            <a:fillRect/>
+          </a:stretch>
+        </p:blipFill>
+        <p:spPr bwMode="auto">
+          <a:xfrm>
+            <a:off x="1072660" y="1753473"/>
+            <a:ext cx="4067166" cy="3047127"/>
+          </a:xfrm>
+          <a:prstGeom prst="rect">
+            <a:avLst/>
+          </a:prstGeom>
+          <a:noFill/>
+          <a:extLst>
+            <a:ext uri="{909E8E84-426E-40DD-AFC4-6F175D3DCCD1}">
+              <a14:hiddenFill xmlns:a14="http://schemas.microsoft.com/office/drawing/2010/main">
+                <a:solidFill>
+                  <a:srgbClr val="FFFFFF"/>
+                </a:solidFill>
+              </a14:hiddenFill>
+            </a:ext>
+          </a:extLst>
+        </p:spPr>
+      </p:pic>
+      <p:sp>
+        <p:nvSpPr>
+          <p:cNvPr id="3" name="TextBox 2"/>
+          <p:cNvSpPr txBox="1"/>
+          <p:nvPr/>
+        </p:nvSpPr>
+        <p:spPr>
+          <a:xfrm>
+            <a:off x="1951893" y="1024372"/>
+            <a:ext cx="4519246" cy="461665"/>
+          </a:xfrm>
+          <a:prstGeom prst="rect">
+            <a:avLst/>
+          </a:prstGeom>
+          <a:noFill/>
+        </p:spPr>
+        <p:txBody>
+          <a:bodyPr wrap="square" rtlCol="0">
+            <a:spAutoFit/>
+          </a:bodyPr>
+          <a:lstStyle/>
+          <a:p>
+            <a:r>
+              <a:rPr lang="en-GB" sz="2400" b="1" dirty="0" smtClean="0"/>
+              <a:t>Categorical data</a:t>
+            </a:r>
+            <a:endParaRPr lang="en-GB" sz="2400" b="1" dirty="0"/>
+          </a:p>
+        </p:txBody>
+      </p:sp>
+      <p:sp>
+        <p:nvSpPr>
+          <p:cNvPr id="5" name="TextBox 4"/>
+          <p:cNvSpPr txBox="1"/>
+          <p:nvPr/>
+        </p:nvSpPr>
+        <p:spPr>
+          <a:xfrm>
+            <a:off x="7971691" y="1024371"/>
+            <a:ext cx="4519246" cy="461665"/>
+          </a:xfrm>
+          <a:prstGeom prst="rect">
+            <a:avLst/>
+          </a:prstGeom>
+          <a:noFill/>
+        </p:spPr>
+        <p:txBody>
+          <a:bodyPr wrap="square" rtlCol="0">
+            <a:spAutoFit/>
+          </a:bodyPr>
+          <a:lstStyle/>
+          <a:p>
+            <a:r>
+              <a:rPr lang="en-GB" sz="2400" b="1" dirty="0" smtClean="0"/>
+              <a:t>Latent variable</a:t>
+            </a:r>
+            <a:endParaRPr lang="en-GB" sz="2400" b="1" dirty="0"/>
+          </a:p>
+        </p:txBody>
+      </p:sp>
+      <p:pic>
+        <p:nvPicPr>
+          <p:cNvPr id="2052" name="Picture 4" descr="Illustration of young people with different emotions Free Vector"/>
+          <p:cNvPicPr>
+            <a:picLocks noChangeAspect="1" noChangeArrowheads="1"/>
+          </p:cNvPicPr>
+          <p:nvPr/>
+        </p:nvPicPr>
+        <p:blipFill>
+          <a:blip r:embed="rId4">
+            <a:extLst>
+              <a:ext uri="{28A0092B-C50C-407E-A947-70E740481C1C}">
+                <a14:useLocalDpi xmlns:a14="http://schemas.microsoft.com/office/drawing/2010/main" val="0"/>
+              </a:ext>
+            </a:extLst>
+          </a:blip>
+          <a:srcRect/>
+          <a:stretch>
+            <a:fillRect/>
+          </a:stretch>
+        </p:blipFill>
+        <p:spPr bwMode="auto">
+          <a:xfrm>
+            <a:off x="6569419" y="1735888"/>
+            <a:ext cx="4894523" cy="3260409"/>
+          </a:xfrm>
+          <a:prstGeom prst="rect">
+            <a:avLst/>
+          </a:prstGeom>
+          <a:noFill/>
+          <a:extLst>
+            <a:ext uri="{909E8E84-426E-40DD-AFC4-6F175D3DCCD1}">
+              <a14:hiddenFill xmlns:a14="http://schemas.microsoft.com/office/drawing/2010/main">
+                <a:solidFill>
+                  <a:srgbClr val="FFFFFF"/>
+                </a:solidFill>
+              </a14:hiddenFill>
+            </a:ext>
+          </a:extLst>
+        </p:spPr>
+      </p:pic>
+    </p:spTree>
+    <p:extLst>
+      <p:ext uri="{BB962C8B-B14F-4D97-AF65-F5344CB8AC3E}">
+        <p14:creationId xmlns:p14="http://schemas.microsoft.com/office/powerpoint/2010/main" val="3160674777"/>
+      </p:ext>
+    </p:extLst>
+  </p:cSld>
+  <p:clrMapOvr>
+    <a:masterClrMapping/>
+  </p:clrMapOvr>
+  <p:timing>
+    <p:tnLst>
+      <p:par>
+        <p:cTn id="1" dur="indefinite" restart="never" nodeType="tmRoot"/>
+      </p:par>
+    </p:tnLst>
+  </p:timing>
+</p:sld>
+</file>
+
 <file path=ppt/slides/slide4.xml><?xml version="1.0" encoding="utf-8"?>
 <p:sld xmlns:a="http://schemas.openxmlformats.org/drawingml/2006/main" xmlns:r="http://schemas.openxmlformats.org/officeDocument/2006/relationships" xmlns:p="http://schemas.openxmlformats.org/presentationml/2006/main">
   <p:cSld>
@@ -13170,37 +12741,14 @@
                       <m:jc m:val="centerGroup"/>
                     </m:oMathParaPr>
                     <m:oMath xmlns:m="http://schemas.openxmlformats.org/officeDocument/2006/math">
-                      <m:sSub>
-                        <m:sSubPr>
-                          <m:ctrlPr>
-                            <a:rPr lang="en-GB" sz="2400" i="1">
-                              <a:latin typeface="Cambria Math" panose="02040503050406030204" pitchFamily="18" charset="0"/>
-                              <a:cs typeface="Adobe Devanagari" panose="02040503050201020203" pitchFamily="18" charset="0"/>
-                              <a:sym typeface="Titillium Web"/>
-                            </a:rPr>
-                          </m:ctrlPr>
-                        </m:sSubPr>
-                        <m:e>
-                          <m:r>
-                            <a:rPr lang="en-GB" sz="2400" i="1">
-                              <a:latin typeface="Cambria Math" panose="02040503050406030204" pitchFamily="18" charset="0"/>
-                              <a:cs typeface="Adobe Devanagari" panose="02040503050201020203" pitchFamily="18" charset="0"/>
-                              <a:sym typeface="Titillium Web"/>
-                            </a:rPr>
-                            <m:t>𝑝</m:t>
-                          </m:r>
-                        </m:e>
-                        <m:sub>
-                          <m:r>
-                            <a:rPr lang="en-GB" sz="2400" i="1">
-                              <a:latin typeface="Cambria Math" panose="02040503050406030204" pitchFamily="18" charset="0"/>
-                              <a:cs typeface="Adobe Devanagari" panose="02040503050201020203" pitchFamily="18" charset="0"/>
-                              <a:sym typeface="Titillium Web"/>
-                            </a:rPr>
-                            <m:t>𝑖</m:t>
-                          </m:r>
-                        </m:sub>
-                      </m:sSub>
+                      <m:r>
+                        <a:rPr lang="en-GB" sz="2400" b="0" i="1" smtClean="0">
+                          <a:latin typeface="Cambria Math" panose="02040503050406030204" pitchFamily="18" charset="0"/>
+                          <a:cs typeface="Adobe Devanagari" panose="02040503050201020203" pitchFamily="18" charset="0"/>
+                          <a:sym typeface="Titillium Web"/>
+                        </a:rPr>
+                        <m:t>𝑝</m:t>
+                      </m:r>
                       <m:r>
                         <a:rPr lang="en-GB" sz="2400" i="1">
                           <a:latin typeface="Cambria Math" panose="02040503050406030204" pitchFamily="18" charset="0"/>
@@ -13299,40 +12847,17 @@
                                 </a:rPr>
                                 <m:t>−</m:t>
                               </m:r>
-                              <m:sSub>
-                                <m:sSubPr>
-                                  <m:ctrlPr>
-                                    <a:rPr lang="en-GB" sz="2400" i="1">
-                                      <a:latin typeface="Cambria Math" panose="02040503050406030204" pitchFamily="18" charset="0"/>
-                                      <a:cs typeface="Adobe Devanagari" panose="02040503050201020203" pitchFamily="18" charset="0"/>
-                                      <a:sym typeface="Titillium Web"/>
-                                    </a:rPr>
-                                  </m:ctrlPr>
-                                </m:sSubPr>
-                                <m:e>
-                                  <m:r>
-                                    <m:rPr>
-                                      <m:sty m:val="p"/>
-                                    </m:rPr>
-                                    <a:rPr lang="el-GR" sz="2400" i="1">
-                                      <a:latin typeface="Cambria Math" panose="02040503050406030204" pitchFamily="18" charset="0"/>
-                                      <a:cs typeface="Adobe Devanagari" panose="02040503050201020203" pitchFamily="18" charset="0"/>
-                                      <a:sym typeface="Titillium Web"/>
-                                    </a:rPr>
-                                    <m:t>δ</m:t>
-                                  </m:r>
-                                </m:e>
-                                <m:sub>
-                                  <m:r>
-                                    <a:rPr lang="en-GB" sz="2400" i="1">
-                                      <a:latin typeface="Cambria Math" panose="02040503050406030204" pitchFamily="18" charset="0"/>
-                                      <a:cs typeface="Adobe Devanagari" panose="02040503050201020203" pitchFamily="18" charset="0"/>
-                                      <a:sym typeface="Titillium Web"/>
-                                    </a:rPr>
-                                    <m:t>𝑖</m:t>
-                                  </m:r>
-                                </m:sub>
-                              </m:sSub>
+                              <m:r>
+                                <m:rPr>
+                                  <m:sty m:val="p"/>
+                                </m:rPr>
+                                <a:rPr lang="el-GR" sz="2400" i="1">
+                                  <a:latin typeface="Cambria Math" panose="02040503050406030204" pitchFamily="18" charset="0"/>
+                                  <a:cs typeface="Adobe Devanagari" panose="02040503050201020203" pitchFamily="18" charset="0"/>
+                                  <a:sym typeface="Titillium Web"/>
+                                </a:rPr>
+                                <m:t>δ</m:t>
+                              </m:r>
                               <m:r>
                                 <a:rPr lang="en-GB" sz="2400" i="1">
                                   <a:latin typeface="Cambria Math" panose="02040503050406030204" pitchFamily="18" charset="0"/>
@@ -13405,40 +12930,17 @@
                                 </a:rPr>
                                 <m:t>−</m:t>
                               </m:r>
-                              <m:sSub>
-                                <m:sSubPr>
-                                  <m:ctrlPr>
-                                    <a:rPr lang="en-GB" sz="2400" i="1">
-                                      <a:latin typeface="Cambria Math" panose="02040503050406030204" pitchFamily="18" charset="0"/>
-                                      <a:cs typeface="Adobe Devanagari" panose="02040503050201020203" pitchFamily="18" charset="0"/>
-                                      <a:sym typeface="Titillium Web"/>
-                                    </a:rPr>
-                                  </m:ctrlPr>
-                                </m:sSubPr>
-                                <m:e>
-                                  <m:r>
-                                    <m:rPr>
-                                      <m:sty m:val="p"/>
-                                    </m:rPr>
-                                    <a:rPr lang="el-GR" sz="2400" i="1">
-                                      <a:latin typeface="Cambria Math" panose="02040503050406030204" pitchFamily="18" charset="0"/>
-                                      <a:cs typeface="Adobe Devanagari" panose="02040503050201020203" pitchFamily="18" charset="0"/>
-                                      <a:sym typeface="Titillium Web"/>
-                                    </a:rPr>
-                                    <m:t>δ</m:t>
-                                  </m:r>
-                                </m:e>
-                                <m:sub>
-                                  <m:r>
-                                    <a:rPr lang="en-GB" sz="2400" i="1">
-                                      <a:latin typeface="Cambria Math" panose="02040503050406030204" pitchFamily="18" charset="0"/>
-                                      <a:cs typeface="Adobe Devanagari" panose="02040503050201020203" pitchFamily="18" charset="0"/>
-                                      <a:sym typeface="Titillium Web"/>
-                                    </a:rPr>
-                                    <m:t>𝑖</m:t>
-                                  </m:r>
-                                </m:sub>
-                              </m:sSub>
+                              <m:r>
+                                <m:rPr>
+                                  <m:sty m:val="p"/>
+                                </m:rPr>
+                                <a:rPr lang="el-GR" sz="2400" i="1">
+                                  <a:latin typeface="Cambria Math" panose="02040503050406030204" pitchFamily="18" charset="0"/>
+                                  <a:cs typeface="Adobe Devanagari" panose="02040503050201020203" pitchFamily="18" charset="0"/>
+                                  <a:sym typeface="Titillium Web"/>
+                                </a:rPr>
+                                <m:t>δ</m:t>
+                              </m:r>
                               <m:r>
                                 <a:rPr lang="en-GB" sz="2400" i="1">
                                   <a:latin typeface="Cambria Math" panose="02040503050406030204" pitchFamily="18" charset="0"/>
@@ -13478,7 +12980,7 @@
                 <a:avLst/>
               </a:prstGeom>
               <a:blipFill rotWithShape="0">
-                <a:blip r:embed="rId2"/>
+                <a:blip r:embed="rId3"/>
                 <a:stretch>
                   <a:fillRect/>
                 </a:stretch>
@@ -13565,7 +13067,7 @@
                 <a:avLst/>
               </a:prstGeom>
               <a:blipFill rotWithShape="0">
-                <a:blip r:embed="rId3"/>
+                <a:blip r:embed="rId4"/>
                 <a:stretch>
                   <a:fillRect l="-470" t="-10526" b="-28947"/>
                 </a:stretch>
@@ -13652,7 +13154,7 @@
                 <a:avLst/>
               </a:prstGeom>
               <a:blipFill rotWithShape="0">
-                <a:blip r:embed="rId4"/>
+                <a:blip r:embed="rId5"/>
                 <a:stretch>
                   <a:fillRect l="-470" t="-10526" b="-28947"/>
                 </a:stretch>
@@ -13768,7 +13270,7 @@
                 <a:avLst/>
               </a:prstGeom>
               <a:blipFill rotWithShape="0">
-                <a:blip r:embed="rId5"/>
+                <a:blip r:embed="rId6"/>
                 <a:stretch>
                   <a:fillRect l="-287" t="-10667" b="-30667"/>
                 </a:stretch>
@@ -13836,7 +13338,12 @@
             <p:ph type="title"/>
           </p:nvPr>
         </p:nvSpPr>
-        <p:spPr/>
+        <p:spPr>
+          <a:xfrm>
+            <a:off x="838200" y="365125"/>
+            <a:ext cx="10515600" cy="1325563"/>
+          </a:xfrm>
+        </p:spPr>
         <p:txBody>
           <a:bodyPr/>
           <a:lstStyle/>
@@ -13849,365 +13356,6 @@
           </a:p>
         </p:txBody>
       </p:sp>
-      <mc:AlternateContent xmlns:mc="http://schemas.openxmlformats.org/markup-compatibility/2006" xmlns:a14="http://schemas.microsoft.com/office/drawing/2010/main">
-        <mc:Choice Requires="a14">
-          <p:sp>
-            <p:nvSpPr>
-              <p:cNvPr id="17" name="Rectangle 16"/>
-              <p:cNvSpPr/>
-              <p:nvPr/>
-            </p:nvSpPr>
-            <p:spPr>
-              <a:xfrm>
-                <a:off x="1347789" y="1849598"/>
-                <a:ext cx="3669404" cy="866199"/>
-              </a:xfrm>
-              <a:prstGeom prst="rect">
-                <a:avLst/>
-              </a:prstGeom>
-            </p:spPr>
-            <p:txBody>
-              <a:bodyPr wrap="square">
-                <a:spAutoFit/>
-              </a:bodyPr>
-              <a:lstStyle/>
-              <a:p>
-                <a:pPr/>
-                <a14:m>
-                  <m:oMathPara xmlns:m="http://schemas.openxmlformats.org/officeDocument/2006/math">
-                    <m:oMathParaPr>
-                      <m:jc m:val="centerGroup"/>
-                    </m:oMathParaPr>
-                    <m:oMath xmlns:m="http://schemas.openxmlformats.org/officeDocument/2006/math">
-                      <m:sSub>
-                        <m:sSubPr>
-                          <m:ctrlPr>
-                            <a:rPr lang="en-GB" sz="2400" i="1">
-                              <a:latin typeface="Cambria Math" panose="02040503050406030204" pitchFamily="18" charset="0"/>
-                              <a:cs typeface="Adobe Devanagari" panose="02040503050201020203" pitchFamily="18" charset="0"/>
-                              <a:sym typeface="Titillium Web"/>
-                            </a:rPr>
-                          </m:ctrlPr>
-                        </m:sSubPr>
-                        <m:e>
-                          <m:r>
-                            <a:rPr lang="en-GB" sz="2400" i="1">
-                              <a:latin typeface="Cambria Math" panose="02040503050406030204" pitchFamily="18" charset="0"/>
-                              <a:cs typeface="Adobe Devanagari" panose="02040503050201020203" pitchFamily="18" charset="0"/>
-                              <a:sym typeface="Titillium Web"/>
-                            </a:rPr>
-                            <m:t>𝑝</m:t>
-                          </m:r>
-                        </m:e>
-                        <m:sub>
-                          <m:r>
-                            <a:rPr lang="en-GB" sz="2400" i="1">
-                              <a:latin typeface="Cambria Math" panose="02040503050406030204" pitchFamily="18" charset="0"/>
-                              <a:cs typeface="Adobe Devanagari" panose="02040503050201020203" pitchFamily="18" charset="0"/>
-                              <a:sym typeface="Titillium Web"/>
-                            </a:rPr>
-                            <m:t>𝑖</m:t>
-                          </m:r>
-                        </m:sub>
-                      </m:sSub>
-                      <m:r>
-                        <a:rPr lang="en-GB" sz="2400" i="1">
-                          <a:latin typeface="Cambria Math" panose="02040503050406030204" pitchFamily="18" charset="0"/>
-                          <a:cs typeface="Adobe Devanagari" panose="02040503050201020203" pitchFamily="18" charset="0"/>
-                          <a:sym typeface="Titillium Web"/>
-                        </a:rPr>
-                        <m:t>(</m:t>
-                      </m:r>
-                      <m:r>
-                        <m:rPr>
-                          <m:sty m:val="p"/>
-                        </m:rPr>
-                        <a:rPr lang="el-GR" sz="2400" i="1">
-                          <a:latin typeface="Cambria Math" panose="02040503050406030204" pitchFamily="18" charset="0"/>
-                          <a:cs typeface="Adobe Devanagari" panose="02040503050201020203" pitchFamily="18" charset="0"/>
-                          <a:sym typeface="Titillium Web"/>
-                        </a:rPr>
-                        <m:t>θ</m:t>
-                      </m:r>
-                      <m:r>
-                        <a:rPr lang="en-GB" sz="2400" i="1">
-                          <a:latin typeface="Cambria Math" panose="02040503050406030204" pitchFamily="18" charset="0"/>
-                          <a:cs typeface="Adobe Devanagari" panose="02040503050201020203" pitchFamily="18" charset="0"/>
-                          <a:sym typeface="Titillium Web"/>
-                        </a:rPr>
-                        <m:t>)</m:t>
-                      </m:r>
-                      <m:r>
-                        <a:rPr lang="en-GB" sz="2400" i="1">
-                          <a:latin typeface="Cambria Math" panose="02040503050406030204" pitchFamily="18" charset="0"/>
-                          <a:ea typeface="Titillium Web"/>
-                          <a:cs typeface="Adobe Devanagari" panose="02040503050201020203" pitchFamily="18" charset="0"/>
-                          <a:sym typeface="Titillium Web"/>
-                        </a:rPr>
-                        <m:t>=</m:t>
-                      </m:r>
-                      <m:f>
-                        <m:fPr>
-                          <m:ctrlPr>
-                            <a:rPr lang="en-GB" sz="2400" i="1">
-                              <a:latin typeface="Cambria Math" panose="02040503050406030204" pitchFamily="18" charset="0"/>
-                              <a:cs typeface="Adobe Devanagari" panose="02040503050201020203" pitchFamily="18" charset="0"/>
-                              <a:sym typeface="Titillium Web"/>
-                            </a:rPr>
-                          </m:ctrlPr>
-                        </m:fPr>
-                        <m:num>
-                          <m:sSup>
-                            <m:sSupPr>
-                              <m:ctrlPr>
-                                <a:rPr lang="en-GB" sz="2400" i="1">
-                                  <a:latin typeface="Cambria Math" panose="02040503050406030204" pitchFamily="18" charset="0"/>
-                                  <a:ea typeface="Titillium Web"/>
-                                  <a:cs typeface="Adobe Devanagari" panose="02040503050201020203" pitchFamily="18" charset="0"/>
-                                  <a:sym typeface="Titillium Web"/>
-                                </a:rPr>
-                              </m:ctrlPr>
-                            </m:sSupPr>
-                            <m:e>
-                              <m:r>
-                                <a:rPr lang="en-GB" sz="2400" i="1">
-                                  <a:latin typeface="Cambria Math" panose="02040503050406030204" pitchFamily="18" charset="0"/>
-                                  <a:ea typeface="Titillium Web"/>
-                                  <a:cs typeface="Adobe Devanagari" panose="02040503050201020203" pitchFamily="18" charset="0"/>
-                                  <a:sym typeface="Titillium Web"/>
-                                </a:rPr>
-                                <m:t>𝑒</m:t>
-                              </m:r>
-                            </m:e>
-                            <m:sup>
-                              <m:r>
-                                <a:rPr lang="en-GB" sz="2400" i="1">
-                                  <a:latin typeface="Cambria Math" panose="02040503050406030204" pitchFamily="18" charset="0"/>
-                                  <a:ea typeface="Titillium Web"/>
-                                  <a:cs typeface="Adobe Devanagari" panose="02040503050201020203" pitchFamily="18" charset="0"/>
-                                  <a:sym typeface="Titillium Web"/>
-                                </a:rPr>
-                                <m:t>(</m:t>
-                              </m:r>
-                              <m:r>
-                                <m:rPr>
-                                  <m:sty m:val="p"/>
-                                </m:rPr>
-                                <a:rPr lang="el-GR" sz="2400" i="1">
-                                  <a:latin typeface="Cambria Math" panose="02040503050406030204" pitchFamily="18" charset="0"/>
-                                  <a:cs typeface="Adobe Devanagari" panose="02040503050201020203" pitchFamily="18" charset="0"/>
-                                  <a:sym typeface="Titillium Web"/>
-                                </a:rPr>
-                                <m:t>θ</m:t>
-                              </m:r>
-                              <m:r>
-                                <a:rPr lang="en-GB" sz="2400" i="1">
-                                  <a:latin typeface="Cambria Math" panose="02040503050406030204" pitchFamily="18" charset="0"/>
-                                  <a:cs typeface="Adobe Devanagari" panose="02040503050201020203" pitchFamily="18" charset="0"/>
-                                  <a:sym typeface="Titillium Web"/>
-                                </a:rPr>
-                                <m:t>−</m:t>
-                              </m:r>
-                              <m:sSub>
-                                <m:sSubPr>
-                                  <m:ctrlPr>
-                                    <a:rPr lang="en-GB" sz="2400" i="1">
-                                      <a:latin typeface="Cambria Math" panose="02040503050406030204" pitchFamily="18" charset="0"/>
-                                      <a:cs typeface="Adobe Devanagari" panose="02040503050201020203" pitchFamily="18" charset="0"/>
-                                      <a:sym typeface="Titillium Web"/>
-                                    </a:rPr>
-                                  </m:ctrlPr>
-                                </m:sSubPr>
-                                <m:e>
-                                  <m:r>
-                                    <m:rPr>
-                                      <m:sty m:val="p"/>
-                                    </m:rPr>
-                                    <a:rPr lang="el-GR" sz="2400" i="1">
-                                      <a:latin typeface="Cambria Math" panose="02040503050406030204" pitchFamily="18" charset="0"/>
-                                      <a:cs typeface="Adobe Devanagari" panose="02040503050201020203" pitchFamily="18" charset="0"/>
-                                      <a:sym typeface="Titillium Web"/>
-                                    </a:rPr>
-                                    <m:t>δ</m:t>
-                                  </m:r>
-                                </m:e>
-                                <m:sub>
-                                  <m:r>
-                                    <a:rPr lang="en-GB" sz="2400" i="1">
-                                      <a:latin typeface="Cambria Math" panose="02040503050406030204" pitchFamily="18" charset="0"/>
-                                      <a:cs typeface="Adobe Devanagari" panose="02040503050201020203" pitchFamily="18" charset="0"/>
-                                      <a:sym typeface="Titillium Web"/>
-                                    </a:rPr>
-                                    <m:t>𝑖</m:t>
-                                  </m:r>
-                                </m:sub>
-                              </m:sSub>
-                              <m:r>
-                                <a:rPr lang="en-GB" sz="2400" i="1">
-                                  <a:latin typeface="Cambria Math" panose="02040503050406030204" pitchFamily="18" charset="0"/>
-                                  <a:ea typeface="Titillium Web"/>
-                                  <a:cs typeface="Adobe Devanagari" panose="02040503050201020203" pitchFamily="18" charset="0"/>
-                                  <a:sym typeface="Titillium Web"/>
-                                </a:rPr>
-                                <m:t>)</m:t>
-                              </m:r>
-                            </m:sup>
-                          </m:sSup>
-                        </m:num>
-                        <m:den>
-                          <m:r>
-                            <a:rPr lang="en-GB" sz="2400" i="1">
-                              <a:latin typeface="Cambria Math" panose="02040503050406030204" pitchFamily="18" charset="0"/>
-                              <a:cs typeface="Adobe Devanagari" panose="02040503050201020203" pitchFamily="18" charset="0"/>
-                              <a:sym typeface="Titillium Web"/>
-                            </a:rPr>
-                            <m:t>1+</m:t>
-                          </m:r>
-                          <m:sSup>
-                            <m:sSupPr>
-                              <m:ctrlPr>
-                                <a:rPr lang="en-GB" sz="2400" i="1">
-                                  <a:latin typeface="Cambria Math" panose="02040503050406030204" pitchFamily="18" charset="0"/>
-                                  <a:ea typeface="Titillium Web"/>
-                                  <a:cs typeface="Adobe Devanagari" panose="02040503050201020203" pitchFamily="18" charset="0"/>
-                                  <a:sym typeface="Titillium Web"/>
-                                </a:rPr>
-                              </m:ctrlPr>
-                            </m:sSupPr>
-                            <m:e>
-                              <m:r>
-                                <a:rPr lang="en-GB" sz="2400" i="1">
-                                  <a:latin typeface="Cambria Math" panose="02040503050406030204" pitchFamily="18" charset="0"/>
-                                  <a:ea typeface="Titillium Web"/>
-                                  <a:cs typeface="Adobe Devanagari" panose="02040503050201020203" pitchFamily="18" charset="0"/>
-                                  <a:sym typeface="Titillium Web"/>
-                                </a:rPr>
-                                <m:t>𝑒</m:t>
-                              </m:r>
-                            </m:e>
-                            <m:sup>
-                              <m:r>
-                                <a:rPr lang="en-GB" sz="2400" i="1">
-                                  <a:latin typeface="Cambria Math" panose="02040503050406030204" pitchFamily="18" charset="0"/>
-                                  <a:ea typeface="Titillium Web"/>
-                                  <a:cs typeface="Adobe Devanagari" panose="02040503050201020203" pitchFamily="18" charset="0"/>
-                                  <a:sym typeface="Titillium Web"/>
-                                </a:rPr>
-                                <m:t>(</m:t>
-                              </m:r>
-                              <m:r>
-                                <m:rPr>
-                                  <m:sty m:val="p"/>
-                                </m:rPr>
-                                <a:rPr lang="el-GR" sz="2400" i="1">
-                                  <a:latin typeface="Cambria Math" panose="02040503050406030204" pitchFamily="18" charset="0"/>
-                                  <a:cs typeface="Adobe Devanagari" panose="02040503050201020203" pitchFamily="18" charset="0"/>
-                                  <a:sym typeface="Titillium Web"/>
-                                </a:rPr>
-                                <m:t>θ</m:t>
-                              </m:r>
-                              <m:r>
-                                <a:rPr lang="en-GB" sz="2400" i="1">
-                                  <a:latin typeface="Cambria Math" panose="02040503050406030204" pitchFamily="18" charset="0"/>
-                                  <a:cs typeface="Adobe Devanagari" panose="02040503050201020203" pitchFamily="18" charset="0"/>
-                                  <a:sym typeface="Titillium Web"/>
-                                </a:rPr>
-                                <m:t>−</m:t>
-                              </m:r>
-                              <m:sSub>
-                                <m:sSubPr>
-                                  <m:ctrlPr>
-                                    <a:rPr lang="en-GB" sz="2400" i="1">
-                                      <a:latin typeface="Cambria Math" panose="02040503050406030204" pitchFamily="18" charset="0"/>
-                                      <a:cs typeface="Adobe Devanagari" panose="02040503050201020203" pitchFamily="18" charset="0"/>
-                                      <a:sym typeface="Titillium Web"/>
-                                    </a:rPr>
-                                  </m:ctrlPr>
-                                </m:sSubPr>
-                                <m:e>
-                                  <m:r>
-                                    <m:rPr>
-                                      <m:sty m:val="p"/>
-                                    </m:rPr>
-                                    <a:rPr lang="el-GR" sz="2400" i="1">
-                                      <a:latin typeface="Cambria Math" panose="02040503050406030204" pitchFamily="18" charset="0"/>
-                                      <a:cs typeface="Adobe Devanagari" panose="02040503050201020203" pitchFamily="18" charset="0"/>
-                                      <a:sym typeface="Titillium Web"/>
-                                    </a:rPr>
-                                    <m:t>δ</m:t>
-                                  </m:r>
-                                </m:e>
-                                <m:sub>
-                                  <m:r>
-                                    <a:rPr lang="en-GB" sz="2400" i="1">
-                                      <a:latin typeface="Cambria Math" panose="02040503050406030204" pitchFamily="18" charset="0"/>
-                                      <a:cs typeface="Adobe Devanagari" panose="02040503050201020203" pitchFamily="18" charset="0"/>
-                                      <a:sym typeface="Titillium Web"/>
-                                    </a:rPr>
-                                    <m:t>𝑖</m:t>
-                                  </m:r>
-                                </m:sub>
-                              </m:sSub>
-                              <m:r>
-                                <a:rPr lang="en-GB" sz="2400" i="1">
-                                  <a:latin typeface="Cambria Math" panose="02040503050406030204" pitchFamily="18" charset="0"/>
-                                  <a:ea typeface="Titillium Web"/>
-                                  <a:cs typeface="Adobe Devanagari" panose="02040503050201020203" pitchFamily="18" charset="0"/>
-                                  <a:sym typeface="Titillium Web"/>
-                                </a:rPr>
-                                <m:t>)</m:t>
-                              </m:r>
-                            </m:sup>
-                          </m:sSup>
-                        </m:den>
-                      </m:f>
-                    </m:oMath>
-                  </m:oMathPara>
-                </a14:m>
-                <a:endParaRPr lang="en-GB" sz="2400" dirty="0"/>
-              </a:p>
-            </p:txBody>
-          </p:sp>
-        </mc:Choice>
-        <mc:Fallback xmlns="">
-          <p:sp>
-            <p:nvSpPr>
-              <p:cNvPr id="17" name="Rectangle 16"/>
-              <p:cNvSpPr>
-                <a:spLocks noRot="1" noChangeAspect="1" noMove="1" noResize="1" noEditPoints="1" noAdjustHandles="1" noChangeArrowheads="1" noChangeShapeType="1" noTextEdit="1"/>
-              </p:cNvSpPr>
-              <p:nvPr/>
-            </p:nvSpPr>
-            <p:spPr>
-              <a:xfrm>
-                <a:off x="1347789" y="1849598"/>
-                <a:ext cx="3669404" cy="866199"/>
-              </a:xfrm>
-              <a:prstGeom prst="rect">
-                <a:avLst/>
-              </a:prstGeom>
-              <a:blipFill rotWithShape="0">
-                <a:blip r:embed="rId3"/>
-                <a:stretch>
-                  <a:fillRect/>
-                </a:stretch>
-              </a:blipFill>
-            </p:spPr>
-            <p:txBody>
-              <a:bodyPr/>
-              <a:lstStyle/>
-              <a:p>
-                <a:r>
-                  <a:rPr lang="en-GB">
-                    <a:noFill/>
-                  </a:rPr>
-                  <a:t> </a:t>
-                </a:r>
-              </a:p>
-            </p:txBody>
-          </p:sp>
-        </mc:Fallback>
-      </mc:AlternateContent>
       <mc:AlternateContent xmlns:mc="http://schemas.openxmlformats.org/markup-compatibility/2006" xmlns:a14="http://schemas.microsoft.com/office/drawing/2010/main">
         <mc:Choice Requires="a14">
           <p:sp>
@@ -16285,6 +15433,296 @@
           </a:graphicData>
         </a:graphic>
       </p:graphicFrame>
+      <mc:AlternateContent xmlns:mc="http://schemas.openxmlformats.org/markup-compatibility/2006" xmlns:a14="http://schemas.microsoft.com/office/drawing/2010/main">
+        <mc:Choice Requires="a14">
+          <p:sp>
+            <p:nvSpPr>
+              <p:cNvPr id="14" name="Rectangle 13"/>
+              <p:cNvSpPr/>
+              <p:nvPr/>
+            </p:nvSpPr>
+            <p:spPr>
+              <a:xfrm>
+                <a:off x="1347789" y="1849598"/>
+                <a:ext cx="3669404" cy="866199"/>
+              </a:xfrm>
+              <a:prstGeom prst="rect">
+                <a:avLst/>
+              </a:prstGeom>
+            </p:spPr>
+            <p:txBody>
+              <a:bodyPr wrap="square">
+                <a:spAutoFit/>
+              </a:bodyPr>
+              <a:lstStyle/>
+              <a:p>
+                <a:pPr/>
+                <a14:m>
+                  <m:oMathPara xmlns:m="http://schemas.openxmlformats.org/officeDocument/2006/math">
+                    <m:oMathParaPr>
+                      <m:jc m:val="centerGroup"/>
+                    </m:oMathParaPr>
+                    <m:oMath xmlns:m="http://schemas.openxmlformats.org/officeDocument/2006/math">
+                      <m:r>
+                        <a:rPr lang="en-GB" sz="2400" b="0" i="1" smtClean="0">
+                          <a:latin typeface="Cambria Math" panose="02040503050406030204" pitchFamily="18" charset="0"/>
+                          <a:cs typeface="Adobe Devanagari" panose="02040503050201020203" pitchFamily="18" charset="0"/>
+                          <a:sym typeface="Titillium Web"/>
+                        </a:rPr>
+                        <m:t>𝑝</m:t>
+                      </m:r>
+                      <m:r>
+                        <a:rPr lang="en-GB" sz="2400" i="1">
+                          <a:latin typeface="Cambria Math" panose="02040503050406030204" pitchFamily="18" charset="0"/>
+                          <a:cs typeface="Adobe Devanagari" panose="02040503050201020203" pitchFamily="18" charset="0"/>
+                          <a:sym typeface="Titillium Web"/>
+                        </a:rPr>
+                        <m:t>(</m:t>
+                      </m:r>
+                      <m:r>
+                        <m:rPr>
+                          <m:sty m:val="p"/>
+                        </m:rPr>
+                        <a:rPr lang="el-GR" sz="2400" i="1">
+                          <a:latin typeface="Cambria Math" panose="02040503050406030204" pitchFamily="18" charset="0"/>
+                          <a:cs typeface="Adobe Devanagari" panose="02040503050201020203" pitchFamily="18" charset="0"/>
+                          <a:sym typeface="Titillium Web"/>
+                        </a:rPr>
+                        <m:t>θ</m:t>
+                      </m:r>
+                      <m:r>
+                        <a:rPr lang="en-GB" sz="2400" i="1">
+                          <a:latin typeface="Cambria Math" panose="02040503050406030204" pitchFamily="18" charset="0"/>
+                          <a:cs typeface="Adobe Devanagari" panose="02040503050201020203" pitchFamily="18" charset="0"/>
+                          <a:sym typeface="Titillium Web"/>
+                        </a:rPr>
+                        <m:t>)</m:t>
+                      </m:r>
+                      <m:r>
+                        <a:rPr lang="en-GB" sz="2400" i="1">
+                          <a:latin typeface="Cambria Math" panose="02040503050406030204" pitchFamily="18" charset="0"/>
+                          <a:ea typeface="Titillium Web"/>
+                          <a:cs typeface="Adobe Devanagari" panose="02040503050201020203" pitchFamily="18" charset="0"/>
+                          <a:sym typeface="Titillium Web"/>
+                        </a:rPr>
+                        <m:t>=</m:t>
+                      </m:r>
+                      <m:f>
+                        <m:fPr>
+                          <m:ctrlPr>
+                            <a:rPr lang="en-GB" sz="2400" i="1">
+                              <a:latin typeface="Cambria Math" panose="02040503050406030204" pitchFamily="18" charset="0"/>
+                              <a:cs typeface="Adobe Devanagari" panose="02040503050201020203" pitchFamily="18" charset="0"/>
+                              <a:sym typeface="Titillium Web"/>
+                            </a:rPr>
+                          </m:ctrlPr>
+                        </m:fPr>
+                        <m:num>
+                          <m:sSup>
+                            <m:sSupPr>
+                              <m:ctrlPr>
+                                <a:rPr lang="en-GB" sz="2400" i="1">
+                                  <a:latin typeface="Cambria Math" panose="02040503050406030204" pitchFamily="18" charset="0"/>
+                                  <a:ea typeface="Titillium Web"/>
+                                  <a:cs typeface="Adobe Devanagari" panose="02040503050201020203" pitchFamily="18" charset="0"/>
+                                  <a:sym typeface="Titillium Web"/>
+                                </a:rPr>
+                              </m:ctrlPr>
+                            </m:sSupPr>
+                            <m:e>
+                              <m:r>
+                                <a:rPr lang="en-GB" sz="2400" i="1">
+                                  <a:latin typeface="Cambria Math" panose="02040503050406030204" pitchFamily="18" charset="0"/>
+                                  <a:ea typeface="Titillium Web"/>
+                                  <a:cs typeface="Adobe Devanagari" panose="02040503050201020203" pitchFamily="18" charset="0"/>
+                                  <a:sym typeface="Titillium Web"/>
+                                </a:rPr>
+                                <m:t>𝑒</m:t>
+                              </m:r>
+                            </m:e>
+                            <m:sup>
+                              <m:r>
+                                <a:rPr lang="en-GB" sz="2400" i="1">
+                                  <a:latin typeface="Cambria Math" panose="02040503050406030204" pitchFamily="18" charset="0"/>
+                                  <a:ea typeface="Titillium Web"/>
+                                  <a:cs typeface="Adobe Devanagari" panose="02040503050201020203" pitchFamily="18" charset="0"/>
+                                  <a:sym typeface="Titillium Web"/>
+                                </a:rPr>
+                                <m:t>(</m:t>
+                              </m:r>
+                              <m:r>
+                                <m:rPr>
+                                  <m:sty m:val="p"/>
+                                </m:rPr>
+                                <a:rPr lang="el-GR" sz="2400" i="1">
+                                  <a:latin typeface="Cambria Math" panose="02040503050406030204" pitchFamily="18" charset="0"/>
+                                  <a:cs typeface="Adobe Devanagari" panose="02040503050201020203" pitchFamily="18" charset="0"/>
+                                  <a:sym typeface="Titillium Web"/>
+                                </a:rPr>
+                                <m:t>θ</m:t>
+                              </m:r>
+                              <m:r>
+                                <a:rPr lang="en-GB" sz="2400" i="1">
+                                  <a:latin typeface="Cambria Math" panose="02040503050406030204" pitchFamily="18" charset="0"/>
+                                  <a:cs typeface="Adobe Devanagari" panose="02040503050201020203" pitchFamily="18" charset="0"/>
+                                  <a:sym typeface="Titillium Web"/>
+                                </a:rPr>
+                                <m:t>−</m:t>
+                              </m:r>
+                              <m:r>
+                                <m:rPr>
+                                  <m:sty m:val="p"/>
+                                </m:rPr>
+                                <a:rPr lang="el-GR" sz="2400" i="1">
+                                  <a:latin typeface="Cambria Math" panose="02040503050406030204" pitchFamily="18" charset="0"/>
+                                  <a:cs typeface="Adobe Devanagari" panose="02040503050201020203" pitchFamily="18" charset="0"/>
+                                  <a:sym typeface="Titillium Web"/>
+                                </a:rPr>
+                                <m:t>δ</m:t>
+                              </m:r>
+                              <m:r>
+                                <a:rPr lang="en-GB" sz="2400" i="1">
+                                  <a:latin typeface="Cambria Math" panose="02040503050406030204" pitchFamily="18" charset="0"/>
+                                  <a:ea typeface="Titillium Web"/>
+                                  <a:cs typeface="Adobe Devanagari" panose="02040503050201020203" pitchFamily="18" charset="0"/>
+                                  <a:sym typeface="Titillium Web"/>
+                                </a:rPr>
+                                <m:t>)</m:t>
+                              </m:r>
+                            </m:sup>
+                          </m:sSup>
+                        </m:num>
+                        <m:den>
+                          <m:r>
+                            <a:rPr lang="en-GB" sz="2400" i="1">
+                              <a:latin typeface="Cambria Math" panose="02040503050406030204" pitchFamily="18" charset="0"/>
+                              <a:cs typeface="Adobe Devanagari" panose="02040503050201020203" pitchFamily="18" charset="0"/>
+                              <a:sym typeface="Titillium Web"/>
+                            </a:rPr>
+                            <m:t>1+</m:t>
+                          </m:r>
+                          <m:sSup>
+                            <m:sSupPr>
+                              <m:ctrlPr>
+                                <a:rPr lang="en-GB" sz="2400" i="1">
+                                  <a:latin typeface="Cambria Math" panose="02040503050406030204" pitchFamily="18" charset="0"/>
+                                  <a:ea typeface="Titillium Web"/>
+                                  <a:cs typeface="Adobe Devanagari" panose="02040503050201020203" pitchFamily="18" charset="0"/>
+                                  <a:sym typeface="Titillium Web"/>
+                                </a:rPr>
+                              </m:ctrlPr>
+                            </m:sSupPr>
+                            <m:e>
+                              <m:r>
+                                <a:rPr lang="en-GB" sz="2400" i="1">
+                                  <a:latin typeface="Cambria Math" panose="02040503050406030204" pitchFamily="18" charset="0"/>
+                                  <a:ea typeface="Titillium Web"/>
+                                  <a:cs typeface="Adobe Devanagari" panose="02040503050201020203" pitchFamily="18" charset="0"/>
+                                  <a:sym typeface="Titillium Web"/>
+                                </a:rPr>
+                                <m:t>𝑒</m:t>
+                              </m:r>
+                            </m:e>
+                            <m:sup>
+                              <m:r>
+                                <a:rPr lang="en-GB" sz="2400" i="1">
+                                  <a:latin typeface="Cambria Math" panose="02040503050406030204" pitchFamily="18" charset="0"/>
+                                  <a:ea typeface="Titillium Web"/>
+                                  <a:cs typeface="Adobe Devanagari" panose="02040503050201020203" pitchFamily="18" charset="0"/>
+                                  <a:sym typeface="Titillium Web"/>
+                                </a:rPr>
+                                <m:t>(</m:t>
+                              </m:r>
+                              <m:r>
+                                <m:rPr>
+                                  <m:sty m:val="p"/>
+                                </m:rPr>
+                                <a:rPr lang="el-GR" sz="2400" i="1">
+                                  <a:latin typeface="Cambria Math" panose="02040503050406030204" pitchFamily="18" charset="0"/>
+                                  <a:cs typeface="Adobe Devanagari" panose="02040503050201020203" pitchFamily="18" charset="0"/>
+                                  <a:sym typeface="Titillium Web"/>
+                                </a:rPr>
+                                <m:t>θ</m:t>
+                              </m:r>
+                              <m:r>
+                                <a:rPr lang="en-GB" sz="2400" i="1">
+                                  <a:latin typeface="Cambria Math" panose="02040503050406030204" pitchFamily="18" charset="0"/>
+                                  <a:cs typeface="Adobe Devanagari" panose="02040503050201020203" pitchFamily="18" charset="0"/>
+                                  <a:sym typeface="Titillium Web"/>
+                                </a:rPr>
+                                <m:t>−</m:t>
+                              </m:r>
+                              <m:r>
+                                <m:rPr>
+                                  <m:sty m:val="p"/>
+                                </m:rPr>
+                                <a:rPr lang="el-GR" sz="2400" i="1">
+                                  <a:latin typeface="Cambria Math" panose="02040503050406030204" pitchFamily="18" charset="0"/>
+                                  <a:cs typeface="Adobe Devanagari" panose="02040503050201020203" pitchFamily="18" charset="0"/>
+                                  <a:sym typeface="Titillium Web"/>
+                                </a:rPr>
+                                <m:t>δ</m:t>
+                              </m:r>
+                              <m:r>
+                                <a:rPr lang="en-GB" sz="2400" i="1">
+                                  <a:latin typeface="Cambria Math" panose="02040503050406030204" pitchFamily="18" charset="0"/>
+                                  <a:ea typeface="Titillium Web"/>
+                                  <a:cs typeface="Adobe Devanagari" panose="02040503050201020203" pitchFamily="18" charset="0"/>
+                                  <a:sym typeface="Titillium Web"/>
+                                </a:rPr>
+                                <m:t>)</m:t>
+                              </m:r>
+                            </m:sup>
+                          </m:sSup>
+                        </m:den>
+                      </m:f>
+                    </m:oMath>
+                  </m:oMathPara>
+                </a14:m>
+                <a:endParaRPr lang="en-GB" sz="2400" dirty="0"/>
+              </a:p>
+            </p:txBody>
+          </p:sp>
+        </mc:Choice>
+        <mc:Fallback xmlns="">
+          <p:sp>
+            <p:nvSpPr>
+              <p:cNvPr id="14" name="Rectangle 13"/>
+              <p:cNvSpPr>
+                <a:spLocks noRot="1" noChangeAspect="1" noMove="1" noResize="1" noEditPoints="1" noAdjustHandles="1" noChangeArrowheads="1" noChangeShapeType="1" noTextEdit="1"/>
+              </p:cNvSpPr>
+              <p:nvPr/>
+            </p:nvSpPr>
+            <p:spPr>
+              <a:xfrm>
+                <a:off x="1347789" y="1849598"/>
+                <a:ext cx="3669404" cy="866199"/>
+              </a:xfrm>
+              <a:prstGeom prst="rect">
+                <a:avLst/>
+              </a:prstGeom>
+              <a:blipFill rotWithShape="0">
+                <a:blip r:embed="rId7"/>
+                <a:stretch>
+                  <a:fillRect/>
+                </a:stretch>
+              </a:blipFill>
+            </p:spPr>
+            <p:txBody>
+              <a:bodyPr/>
+              <a:lstStyle/>
+              <a:p>
+                <a:r>
+                  <a:rPr lang="en-GB">
+                    <a:noFill/>
+                  </a:rPr>
+                  <a:t> </a:t>
+                </a:r>
+              </a:p>
+            </p:txBody>
+          </p:sp>
+        </mc:Fallback>
+      </mc:AlternateContent>
     </p:spTree>
     <p:extLst>
       <p:ext uri="{BB962C8B-B14F-4D97-AF65-F5344CB8AC3E}">
@@ -16331,7 +15769,7 @@
           <p:nvPr/>
         </p:nvPicPr>
         <p:blipFill>
-          <a:blip r:embed="rId2">
+          <a:blip r:embed="rId3">
             <a:extLst>
               <a:ext uri="{28A0092B-C50C-407E-A947-70E740481C1C}">
                 <a14:useLocalDpi xmlns:a14="http://schemas.microsoft.com/office/drawing/2010/main" val="0"/>
@@ -16345,7 +15783,7 @@
         </p:blipFill>
         <p:spPr bwMode="auto">
           <a:xfrm>
-            <a:off x="4318001" y="1849438"/>
+            <a:off x="4455757" y="892779"/>
             <a:ext cx="3224212" cy="3224212"/>
           </a:xfrm>
           <a:prstGeom prst="rect">
@@ -16365,14 +15803,14 @@
       </p:pic>
       <p:sp>
         <p:nvSpPr>
-          <p:cNvPr id="3" name="TextBox 2"/>
+          <p:cNvPr id="8" name="TextBox 7"/>
           <p:cNvSpPr txBox="1"/>
           <p:nvPr/>
         </p:nvSpPr>
         <p:spPr>
           <a:xfrm>
-            <a:off x="5143500" y="5073650"/>
-            <a:ext cx="2616200" cy="369332"/>
+            <a:off x="4759763" y="337344"/>
+            <a:ext cx="2616200" cy="461665"/>
           </a:xfrm>
           <a:prstGeom prst="rect">
             <a:avLst/>
@@ -16385,18 +15823,19 @@
           </a:bodyPr>
           <a:lstStyle/>
           <a:p>
-            <a:r>
-              <a:rPr lang="en-GB" dirty="0" smtClean="0"/>
+            <a:pPr algn="ctr"/>
+            <a:r>
+              <a:rPr lang="en-GB" sz="2400" b="1" dirty="0" smtClean="0"/>
               <a:t>999 participants</a:t>
             </a:r>
-            <a:endParaRPr lang="en-GB" dirty="0"/>
+            <a:endParaRPr lang="en-GB" sz="2400" b="1" dirty="0"/>
           </a:p>
         </p:txBody>
       </p:sp>
     </p:spTree>
     <p:extLst>
       <p:ext uri="{BB962C8B-B14F-4D97-AF65-F5344CB8AC3E}">
-        <p14:creationId xmlns:p14="http://schemas.microsoft.com/office/powerpoint/2010/main" val="1770837095"/>
+        <p14:creationId xmlns:p14="http://schemas.microsoft.com/office/powerpoint/2010/main" val="3621042014"/>
       </p:ext>
     </p:extLst>
   </p:cSld>
@@ -16430,47 +15869,6 @@
           <a:chExt cx="0" cy="0"/>
         </a:xfrm>
       </p:grpSpPr>
-      <p:pic>
-        <p:nvPicPr>
-          <p:cNvPr id="2050" name="Picture 2" descr="Business people in organization office and freelance job character. Premium Vector"/>
-          <p:cNvPicPr>
-            <a:picLocks noChangeAspect="1" noChangeArrowheads="1"/>
-          </p:cNvPicPr>
-          <p:nvPr/>
-        </p:nvPicPr>
-        <p:blipFill>
-          <a:blip r:embed="rId2">
-            <a:extLst>
-              <a:ext uri="{28A0092B-C50C-407E-A947-70E740481C1C}">
-                <a14:useLocalDpi xmlns:a14="http://schemas.microsoft.com/office/drawing/2010/main" val="0"/>
-              </a:ext>
-            </a:extLst>
-          </a:blip>
-          <a:srcRect/>
-          <a:stretch>
-            <a:fillRect/>
-          </a:stretch>
-        </p:blipFill>
-        <p:spPr bwMode="auto">
-          <a:xfrm>
-            <a:off x="4318001" y="1849438"/>
-            <a:ext cx="3224212" cy="3224212"/>
-          </a:xfrm>
-          <a:prstGeom prst="rect">
-            <a:avLst/>
-          </a:prstGeom>
-          <a:noFill/>
-          <a:extLst>
-            <a:ext uri="{909E8E84-426E-40DD-AFC4-6F175D3DCCD1}">
-              <a14:hiddenFill xmlns:a14="http://schemas.microsoft.com/office/drawing/2010/main">
-                <a:solidFill>
-                  <a:srgbClr val="FFFFFF"/>
-                </a:solidFill>
-              </a14:hiddenFill>
-            </a:ext>
-          </a:extLst>
-        </p:spPr>
-      </p:pic>
       <p:pic>
         <p:nvPicPr>
           <p:cNvPr id="4098" name="Picture 2" descr="Bubble background with detergent Free Vector"/>
@@ -16514,7 +15912,7 @@
       </p:pic>
       <p:pic>
         <p:nvPicPr>
-          <p:cNvPr id="4100" name="Picture 4" descr="Abstract detergent background with new formula Free Vector"/>
+          <p:cNvPr id="4102" name="Picture 6" descr="Advertising poster of cleaning services. vector realistic design template Premium Vector"/>
           <p:cNvPicPr>
             <a:picLocks noChangeAspect="1" noChangeArrowheads="1"/>
           </p:cNvPicPr>
@@ -16522,47 +15920,6 @@
         </p:nvPicPr>
         <p:blipFill>
           <a:blip r:embed="rId4">
-            <a:extLst>
-              <a:ext uri="{28A0092B-C50C-407E-A947-70E740481C1C}">
-                <a14:useLocalDpi xmlns:a14="http://schemas.microsoft.com/office/drawing/2010/main" val="0"/>
-              </a:ext>
-            </a:extLst>
-          </a:blip>
-          <a:srcRect/>
-          <a:stretch>
-            <a:fillRect/>
-          </a:stretch>
-        </p:blipFill>
-        <p:spPr bwMode="auto">
-          <a:xfrm>
-            <a:off x="5430382" y="229951"/>
-            <a:ext cx="1656000" cy="1656000"/>
-          </a:xfrm>
-          <a:prstGeom prst="rect">
-            <a:avLst/>
-          </a:prstGeom>
-          <a:noFill/>
-          <a:extLst>
-            <a:ext uri="{909E8E84-426E-40DD-AFC4-6F175D3DCCD1}">
-              <a14:hiddenFill xmlns:a14="http://schemas.microsoft.com/office/drawing/2010/main">
-                <a:solidFill>
-                  <a:srgbClr val="FFFFFF"/>
-                </a:solidFill>
-              </a14:hiddenFill>
-            </a:ext>
-          </a:extLst>
-        </p:spPr>
-      </p:pic>
-      <p:pic>
-        <p:nvPicPr>
-          <p:cNvPr id="4102" name="Picture 6" descr="Advertising poster of cleaning services. vector realistic design template Premium Vector"/>
-          <p:cNvPicPr>
-            <a:picLocks noChangeAspect="1" noChangeArrowheads="1"/>
-          </p:cNvPicPr>
-          <p:nvPr/>
-        </p:nvPicPr>
-        <p:blipFill>
-          <a:blip r:embed="rId5">
             <a:extLst>
               <a:ext uri="{28A0092B-C50C-407E-A947-70E740481C1C}">
                 <a14:useLocalDpi xmlns:a14="http://schemas.microsoft.com/office/drawing/2010/main" val="0"/>
@@ -16603,7 +15960,7 @@
           <p:nvPr/>
         </p:nvPicPr>
         <p:blipFill>
-          <a:blip r:embed="rId6">
+          <a:blip r:embed="rId5">
             <a:extLst>
               <a:ext uri="{28A0092B-C50C-407E-A947-70E740481C1C}">
                 <a14:useLocalDpi xmlns:a14="http://schemas.microsoft.com/office/drawing/2010/main" val="0"/>
@@ -16644,7 +16001,7 @@
           <p:nvPr/>
         </p:nvPicPr>
         <p:blipFill>
-          <a:blip r:embed="rId7">
+          <a:blip r:embed="rId6">
             <a:extLst>
               <a:ext uri="{28A0092B-C50C-407E-A947-70E740481C1C}">
                 <a14:useLocalDpi xmlns:a14="http://schemas.microsoft.com/office/drawing/2010/main" val="0"/>
@@ -16676,6 +16033,88 @@
           </a:extLst>
         </p:spPr>
       </p:pic>
+      <p:pic>
+        <p:nvPicPr>
+          <p:cNvPr id="2050" name="Picture 2" descr="Business people in organization office and freelance job character. Premium Vector"/>
+          <p:cNvPicPr>
+            <a:picLocks noChangeAspect="1" noChangeArrowheads="1"/>
+          </p:cNvPicPr>
+          <p:nvPr/>
+        </p:nvPicPr>
+        <p:blipFill>
+          <a:blip r:embed="rId7">
+            <a:extLst>
+              <a:ext uri="{28A0092B-C50C-407E-A947-70E740481C1C}">
+                <a14:useLocalDpi xmlns:a14="http://schemas.microsoft.com/office/drawing/2010/main" val="0"/>
+              </a:ext>
+            </a:extLst>
+          </a:blip>
+          <a:srcRect/>
+          <a:stretch>
+            <a:fillRect/>
+          </a:stretch>
+        </p:blipFill>
+        <p:spPr bwMode="auto">
+          <a:xfrm>
+            <a:off x="4455757" y="892779"/>
+            <a:ext cx="3224212" cy="3224212"/>
+          </a:xfrm>
+          <a:prstGeom prst="rect">
+            <a:avLst/>
+          </a:prstGeom>
+          <a:noFill/>
+          <a:extLst>
+            <a:ext uri="{909E8E84-426E-40DD-AFC4-6F175D3DCCD1}">
+              <a14:hiddenFill xmlns:a14="http://schemas.microsoft.com/office/drawing/2010/main">
+                <a:solidFill>
+                  <a:srgbClr val="FFFFFF"/>
+                </a:solidFill>
+              </a14:hiddenFill>
+            </a:ext>
+          </a:extLst>
+        </p:spPr>
+      </p:pic>
+      <p:pic>
+        <p:nvPicPr>
+          <p:cNvPr id="4100" name="Picture 4" descr="Abstract detergent background with new formula Free Vector"/>
+          <p:cNvPicPr>
+            <a:picLocks noChangeAspect="1" noChangeArrowheads="1"/>
+          </p:cNvPicPr>
+          <p:nvPr/>
+        </p:nvPicPr>
+        <p:blipFill>
+          <a:blip r:embed="rId8">
+            <a:extLst>
+              <a:ext uri="{28A0092B-C50C-407E-A947-70E740481C1C}">
+                <a14:useLocalDpi xmlns:a14="http://schemas.microsoft.com/office/drawing/2010/main" val="0"/>
+              </a:ext>
+            </a:extLst>
+          </a:blip>
+          <a:srcRect/>
+          <a:stretch>
+            <a:fillRect/>
+          </a:stretch>
+        </p:blipFill>
+        <p:spPr bwMode="auto">
+          <a:xfrm>
+            <a:off x="5380543" y="4861370"/>
+            <a:ext cx="1656000" cy="1656000"/>
+          </a:xfrm>
+          <a:prstGeom prst="rect">
+            <a:avLst/>
+          </a:prstGeom>
+          <a:noFill/>
+          <a:extLst>
+            <a:ext uri="{909E8E84-426E-40DD-AFC4-6F175D3DCCD1}">
+              <a14:hiddenFill xmlns:a14="http://schemas.microsoft.com/office/drawing/2010/main">
+                <a:solidFill>
+                  <a:srgbClr val="FFFFFF"/>
+                </a:solidFill>
+              </a14:hiddenFill>
+            </a:ext>
+          </a:extLst>
+        </p:spPr>
+      </p:pic>
       <p:sp>
         <p:nvSpPr>
           <p:cNvPr id="8" name="TextBox 7"/>
@@ -16684,8 +16123,8 @@
         </p:nvSpPr>
         <p:spPr>
           <a:xfrm>
-            <a:off x="5143500" y="5073650"/>
-            <a:ext cx="2616200" cy="369332"/>
+            <a:off x="4759763" y="337344"/>
+            <a:ext cx="2616200" cy="461665"/>
           </a:xfrm>
           <a:prstGeom prst="rect">
             <a:avLst/>
@@ -16698,11 +16137,12 @@
           </a:bodyPr>
           <a:lstStyle/>
           <a:p>
-            <a:r>
-              <a:rPr lang="en-GB" dirty="0" smtClean="0"/>
+            <a:pPr algn="ctr"/>
+            <a:r>
+              <a:rPr lang="en-GB" sz="2400" b="1" dirty="0" smtClean="0"/>
               <a:t>999 participants</a:t>
             </a:r>
-            <a:endParaRPr lang="en-GB" dirty="0"/>
+            <a:endParaRPr lang="en-GB" sz="2400" b="1" dirty="0"/>
           </a:p>
         </p:txBody>
       </p:sp>
@@ -16714,8 +16154,8 @@
         </p:nvSpPr>
         <p:spPr>
           <a:xfrm>
-            <a:off x="4950282" y="5442982"/>
-            <a:ext cx="2616200" cy="369332"/>
+            <a:off x="4393959" y="4221350"/>
+            <a:ext cx="3347809" cy="461665"/>
           </a:xfrm>
           <a:prstGeom prst="rect">
             <a:avLst/>
@@ -16728,18 +16168,19 @@
           </a:bodyPr>
           <a:lstStyle/>
           <a:p>
-            <a:r>
-              <a:rPr lang="en-GB" dirty="0" smtClean="0"/>
+            <a:pPr algn="ctr"/>
+            <a:r>
+              <a:rPr lang="en-GB" sz="2400" b="1" dirty="0" smtClean="0"/>
               <a:t>10 laundry products</a:t>
             </a:r>
-            <a:endParaRPr lang="en-GB" dirty="0"/>
+            <a:endParaRPr lang="en-GB" sz="2400" b="1" dirty="0"/>
           </a:p>
         </p:txBody>
       </p:sp>
     </p:spTree>
     <p:extLst>
       <p:ext uri="{BB962C8B-B14F-4D97-AF65-F5344CB8AC3E}">
-        <p14:creationId xmlns:p14="http://schemas.microsoft.com/office/powerpoint/2010/main" val="3621042014"/>
+        <p14:creationId xmlns:p14="http://schemas.microsoft.com/office/powerpoint/2010/main" val="1599832332"/>
       </p:ext>
     </p:extLst>
   </p:cSld>
@@ -16773,81 +16214,691 @@
           <a:chExt cx="0" cy="0"/>
         </a:xfrm>
       </p:grpSpPr>
-      <p:pic>
-        <p:nvPicPr>
-          <p:cNvPr id="1026" name="Picture 2" descr="Mark poor: evaluation form and pencil Premium Photo"/>
-          <p:cNvPicPr>
-            <a:picLocks noChangeAspect="1" noChangeArrowheads="1"/>
-          </p:cNvPicPr>
-          <p:nvPr/>
-        </p:nvPicPr>
-        <p:blipFill>
-          <a:blip r:embed="rId3">
-            <a:extLst>
-              <a:ext uri="{28A0092B-C50C-407E-A947-70E740481C1C}">
-                <a14:useLocalDpi xmlns:a14="http://schemas.microsoft.com/office/drawing/2010/main" val="0"/>
-              </a:ext>
-            </a:extLst>
-          </a:blip>
-          <a:srcRect/>
-          <a:stretch>
-            <a:fillRect/>
-          </a:stretch>
-        </p:blipFill>
-        <p:spPr bwMode="auto">
-          <a:xfrm>
-            <a:off x="774700" y="1686558"/>
-            <a:ext cx="4768850" cy="3572829"/>
-          </a:xfrm>
-          <a:prstGeom prst="rect">
-            <a:avLst/>
-          </a:prstGeom>
-          <a:noFill/>
-          <a:extLst>
-            <a:ext uri="{909E8E84-426E-40DD-AFC4-6F175D3DCCD1}">
-              <a14:hiddenFill xmlns:a14="http://schemas.microsoft.com/office/drawing/2010/main">
-                <a:solidFill>
-                  <a:srgbClr val="FFFFFF"/>
-                </a:solidFill>
-              </a14:hiddenFill>
-            </a:ext>
-          </a:extLst>
-        </p:spPr>
-      </p:pic>
       <p:sp>
         <p:nvSpPr>
-          <p:cNvPr id="2" name="TextBox 1"/>
-          <p:cNvSpPr txBox="1"/>
-          <p:nvPr/>
+          <p:cNvPr id="6" name="Title 1"/>
+          <p:cNvSpPr>
+            <a:spLocks noGrp="1"/>
+          </p:cNvSpPr>
+          <p:nvPr>
+            <p:ph type="title"/>
+          </p:nvPr>
         </p:nvSpPr>
         <p:spPr>
           <a:xfrm>
-            <a:off x="1879600" y="960732"/>
-            <a:ext cx="4216400" cy="461665"/>
+            <a:off x="838200" y="365125"/>
+            <a:ext cx="10515600" cy="1325563"/>
           </a:xfrm>
-          <a:prstGeom prst="rect">
+        </p:spPr>
+        <p:txBody>
+          <a:bodyPr/>
+          <a:lstStyle/>
+          <a:p>
+            <a:r>
+              <a:rPr lang="en-GB" dirty="0" smtClean="0"/>
+              <a:t>Rasch Measurement Theory</a:t>
+            </a:r>
+            <a:endParaRPr lang="en-GB" dirty="0"/>
+          </a:p>
+        </p:txBody>
+      </p:sp>
+      <p:grpSp>
+        <p:nvGrpSpPr>
+          <p:cNvPr id="24" name="Group 23"/>
+          <p:cNvGrpSpPr/>
+          <p:nvPr/>
+        </p:nvGrpSpPr>
+        <p:grpSpPr>
+          <a:xfrm>
+            <a:off x="7391400" y="5029695"/>
+            <a:ext cx="3657600" cy="904190"/>
+            <a:chOff x="7124700" y="4976813"/>
+            <a:chExt cx="3657600" cy="904190"/>
+          </a:xfrm>
+        </p:grpSpPr>
+        <p:sp>
+          <p:nvSpPr>
+            <p:cNvPr id="19" name="Rounded Rectangle 18"/>
+            <p:cNvSpPr/>
+            <p:nvPr/>
+          </p:nvSpPr>
+          <p:spPr>
+            <a:xfrm>
+              <a:off x="7124700" y="4976813"/>
+              <a:ext cx="3657600" cy="904190"/>
+            </a:xfrm>
+            <a:prstGeom prst="roundRect">
+              <a:avLst/>
+            </a:prstGeom>
+            <a:effectLst>
+              <a:outerShdw blurRad="50800" dist="38100" dir="2700000" algn="tl" rotWithShape="0">
+                <a:prstClr val="black">
+                  <a:alpha val="40000"/>
+                </a:prstClr>
+              </a:outerShdw>
+            </a:effectLst>
+          </p:spPr>
+          <p:style>
+            <a:lnRef idx="1">
+              <a:schemeClr val="accent2"/>
+            </a:lnRef>
+            <a:fillRef idx="2">
+              <a:schemeClr val="accent2"/>
+            </a:fillRef>
+            <a:effectRef idx="1">
+              <a:schemeClr val="accent2"/>
+            </a:effectRef>
+            <a:fontRef idx="minor">
+              <a:schemeClr val="dk1"/>
+            </a:fontRef>
+          </p:style>
+          <p:txBody>
+            <a:bodyPr rtlCol="0" anchor="ctr"/>
+            <a:lstStyle/>
+            <a:p>
+              <a:pPr algn="ctr"/>
+              <a:endParaRPr lang="en-GB"/>
+            </a:p>
+          </p:txBody>
+        </p:sp>
+        <p:sp>
+          <p:nvSpPr>
+            <p:cNvPr id="3" name="TextBox 2"/>
+            <p:cNvSpPr txBox="1"/>
+            <p:nvPr/>
+          </p:nvSpPr>
+          <p:spPr>
+            <a:xfrm>
+              <a:off x="7429500" y="5105743"/>
+              <a:ext cx="3048000" cy="646331"/>
+            </a:xfrm>
+            <a:prstGeom prst="rect">
+              <a:avLst/>
+            </a:prstGeom>
+            <a:noFill/>
+          </p:spPr>
+          <p:txBody>
+            <a:bodyPr wrap="square" rtlCol="0">
+              <a:spAutoFit/>
+            </a:bodyPr>
+            <a:lstStyle/>
+            <a:p>
+              <a:pPr algn="ctr"/>
+              <a:r>
+                <a:rPr lang="en-GB" b="1" dirty="0" smtClean="0"/>
+                <a:t>Likelihood to endorse usual laundry product</a:t>
+              </a:r>
+              <a:endParaRPr lang="en-GB" b="1" dirty="0"/>
+            </a:p>
+          </p:txBody>
+        </p:sp>
+      </p:grpSp>
+      <p:grpSp>
+        <p:nvGrpSpPr>
+          <p:cNvPr id="29" name="Group 28"/>
+          <p:cNvGrpSpPr/>
+          <p:nvPr/>
+        </p:nvGrpSpPr>
+        <p:grpSpPr>
+          <a:xfrm>
+            <a:off x="1085850" y="5029695"/>
+            <a:ext cx="3657600" cy="904190"/>
+            <a:chOff x="1085850" y="5029695"/>
+            <a:chExt cx="3657600" cy="904190"/>
+          </a:xfrm>
+        </p:grpSpPr>
+        <p:sp>
+          <p:nvSpPr>
+            <p:cNvPr id="18" name="Rounded Rectangle 17"/>
+            <p:cNvSpPr/>
+            <p:nvPr/>
+          </p:nvSpPr>
+          <p:spPr>
+            <a:xfrm>
+              <a:off x="1085850" y="5029695"/>
+              <a:ext cx="3657600" cy="904190"/>
+            </a:xfrm>
+            <a:prstGeom prst="roundRect">
+              <a:avLst/>
+            </a:prstGeom>
+            <a:effectLst>
+              <a:outerShdw blurRad="50800" dist="38100" dir="2700000" algn="tl" rotWithShape="0">
+                <a:prstClr val="black">
+                  <a:alpha val="40000"/>
+                </a:prstClr>
+              </a:outerShdw>
+            </a:effectLst>
+          </p:spPr>
+          <p:style>
+            <a:lnRef idx="1">
+              <a:schemeClr val="accent2"/>
+            </a:lnRef>
+            <a:fillRef idx="2">
+              <a:schemeClr val="accent2"/>
+            </a:fillRef>
+            <a:effectRef idx="1">
+              <a:schemeClr val="accent2"/>
+            </a:effectRef>
+            <a:fontRef idx="minor">
+              <a:schemeClr val="dk1"/>
+            </a:fontRef>
+          </p:style>
+          <p:txBody>
+            <a:bodyPr rtlCol="0" anchor="ctr"/>
+            <a:lstStyle/>
+            <a:p>
+              <a:pPr algn="ctr"/>
+              <a:endParaRPr lang="en-GB"/>
+            </a:p>
+          </p:txBody>
+        </p:sp>
+        <p:sp>
+          <p:nvSpPr>
+            <p:cNvPr id="13" name="TextBox 12"/>
+            <p:cNvSpPr txBox="1"/>
+            <p:nvPr/>
+          </p:nvSpPr>
+          <p:spPr>
+            <a:xfrm>
+              <a:off x="1390650" y="5250958"/>
+              <a:ext cx="3048000" cy="461665"/>
+            </a:xfrm>
+            <a:prstGeom prst="rect">
+              <a:avLst/>
+            </a:prstGeom>
+            <a:noFill/>
+          </p:spPr>
+          <p:txBody>
+            <a:bodyPr wrap="square" rtlCol="0">
+              <a:spAutoFit/>
+            </a:bodyPr>
+            <a:lstStyle/>
+            <a:p>
+              <a:pPr algn="ctr"/>
+              <a:r>
+                <a:rPr lang="en-GB" sz="2400" b="1" dirty="0" smtClean="0"/>
+                <a:t>Person ability</a:t>
+              </a:r>
+              <a:endParaRPr lang="en-GB" sz="2400" b="1" dirty="0"/>
+            </a:p>
+          </p:txBody>
+        </p:sp>
+      </p:grpSp>
+      <p:grpSp>
+        <p:nvGrpSpPr>
+          <p:cNvPr id="28" name="Group 27"/>
+          <p:cNvGrpSpPr/>
+          <p:nvPr/>
+        </p:nvGrpSpPr>
+        <p:grpSpPr>
+          <a:xfrm>
+            <a:off x="1107831" y="3344302"/>
+            <a:ext cx="3657600" cy="904190"/>
+            <a:chOff x="1107831" y="3344302"/>
+            <a:chExt cx="3657600" cy="904190"/>
+          </a:xfrm>
+        </p:grpSpPr>
+        <p:sp>
+          <p:nvSpPr>
+            <p:cNvPr id="5" name="Rounded Rectangle 4"/>
+            <p:cNvSpPr/>
+            <p:nvPr/>
+          </p:nvSpPr>
+          <p:spPr>
+            <a:xfrm>
+              <a:off x="1107831" y="3344302"/>
+              <a:ext cx="3657600" cy="904190"/>
+            </a:xfrm>
+            <a:prstGeom prst="roundRect">
+              <a:avLst/>
+            </a:prstGeom>
+            <a:effectLst>
+              <a:outerShdw blurRad="50800" dist="38100" dir="2700000" algn="tl" rotWithShape="0">
+                <a:prstClr val="black">
+                  <a:alpha val="40000"/>
+                </a:prstClr>
+              </a:outerShdw>
+            </a:effectLst>
+          </p:spPr>
+          <p:style>
+            <a:lnRef idx="1">
+              <a:schemeClr val="accent4"/>
+            </a:lnRef>
+            <a:fillRef idx="2">
+              <a:schemeClr val="accent4"/>
+            </a:fillRef>
+            <a:effectRef idx="1">
+              <a:schemeClr val="accent4"/>
+            </a:effectRef>
+            <a:fontRef idx="minor">
+              <a:schemeClr val="dk1"/>
+            </a:fontRef>
+          </p:style>
+          <p:txBody>
+            <a:bodyPr rtlCol="0" anchor="ctr"/>
+            <a:lstStyle/>
+            <a:p>
+              <a:pPr algn="ctr"/>
+              <a:endParaRPr lang="en-GB"/>
+            </a:p>
+          </p:txBody>
+        </p:sp>
+        <p:sp>
+          <p:nvSpPr>
+            <p:cNvPr id="15" name="TextBox 14"/>
+            <p:cNvSpPr txBox="1"/>
+            <p:nvPr/>
+          </p:nvSpPr>
+          <p:spPr>
+            <a:xfrm>
+              <a:off x="1412631" y="3565565"/>
+              <a:ext cx="3048000" cy="461665"/>
+            </a:xfrm>
+            <a:prstGeom prst="rect">
+              <a:avLst/>
+            </a:prstGeom>
+            <a:noFill/>
+          </p:spPr>
+          <p:txBody>
+            <a:bodyPr wrap="square" rtlCol="0">
+              <a:spAutoFit/>
+            </a:bodyPr>
+            <a:lstStyle/>
+            <a:p>
+              <a:pPr algn="ctr"/>
+              <a:r>
+                <a:rPr lang="en-GB" sz="2400" b="1" dirty="0" smtClean="0"/>
+                <a:t>Item difficulty</a:t>
+              </a:r>
+              <a:endParaRPr lang="en-GB" sz="2400" b="1" dirty="0"/>
+            </a:p>
+          </p:txBody>
+        </p:sp>
+      </p:grpSp>
+      <p:grpSp>
+        <p:nvGrpSpPr>
+          <p:cNvPr id="25" name="Group 24"/>
+          <p:cNvGrpSpPr/>
+          <p:nvPr/>
+        </p:nvGrpSpPr>
+        <p:grpSpPr>
+          <a:xfrm>
+            <a:off x="7391400" y="3344302"/>
+            <a:ext cx="3657600" cy="904190"/>
+            <a:chOff x="7124700" y="3329073"/>
+            <a:chExt cx="3657600" cy="904190"/>
+          </a:xfrm>
+        </p:grpSpPr>
+        <p:sp>
+          <p:nvSpPr>
+            <p:cNvPr id="20" name="Rounded Rectangle 19"/>
+            <p:cNvSpPr/>
+            <p:nvPr/>
+          </p:nvSpPr>
+          <p:spPr>
+            <a:xfrm>
+              <a:off x="7124700" y="3329073"/>
+              <a:ext cx="3657600" cy="904190"/>
+            </a:xfrm>
+            <a:prstGeom prst="roundRect">
+              <a:avLst/>
+            </a:prstGeom>
+            <a:effectLst>
+              <a:outerShdw blurRad="50800" dist="38100" dir="2700000" algn="tl" rotWithShape="0">
+                <a:prstClr val="black">
+                  <a:alpha val="40000"/>
+                </a:prstClr>
+              </a:outerShdw>
+            </a:effectLst>
+          </p:spPr>
+          <p:style>
+            <a:lnRef idx="1">
+              <a:schemeClr val="accent4"/>
+            </a:lnRef>
+            <a:fillRef idx="2">
+              <a:schemeClr val="accent4"/>
+            </a:fillRef>
+            <a:effectRef idx="1">
+              <a:schemeClr val="accent4"/>
+            </a:effectRef>
+            <a:fontRef idx="minor">
+              <a:schemeClr val="dk1"/>
+            </a:fontRef>
+          </p:style>
+          <p:txBody>
+            <a:bodyPr rtlCol="0" anchor="ctr"/>
+            <a:lstStyle/>
+            <a:p>
+              <a:pPr algn="ctr"/>
+              <a:endParaRPr lang="en-GB"/>
+            </a:p>
+          </p:txBody>
+        </p:sp>
+        <p:sp>
+          <p:nvSpPr>
+            <p:cNvPr id="9" name="TextBox 8"/>
+            <p:cNvSpPr txBox="1"/>
+            <p:nvPr/>
+          </p:nvSpPr>
+          <p:spPr>
+            <a:xfrm>
+              <a:off x="7429500" y="3458003"/>
+              <a:ext cx="3048000" cy="646331"/>
+            </a:xfrm>
+            <a:prstGeom prst="rect">
+              <a:avLst/>
+            </a:prstGeom>
+            <a:noFill/>
+          </p:spPr>
+          <p:txBody>
+            <a:bodyPr wrap="square" rtlCol="0">
+              <a:spAutoFit/>
+            </a:bodyPr>
+            <a:lstStyle/>
+            <a:p>
+              <a:pPr algn="ctr"/>
+              <a:r>
+                <a:rPr lang="en-GB" b="1" dirty="0" smtClean="0"/>
+                <a:t>Likelihood of statement to be endorsed</a:t>
+              </a:r>
+              <a:endParaRPr lang="en-GB" b="1" dirty="0"/>
+            </a:p>
+          </p:txBody>
+        </p:sp>
+      </p:grpSp>
+      <p:grpSp>
+        <p:nvGrpSpPr>
+          <p:cNvPr id="27" name="Group 26"/>
+          <p:cNvGrpSpPr/>
+          <p:nvPr/>
+        </p:nvGrpSpPr>
+        <p:grpSpPr>
+          <a:xfrm>
+            <a:off x="1107831" y="1761329"/>
+            <a:ext cx="3657600" cy="833549"/>
+            <a:chOff x="1107831" y="1761329"/>
+            <a:chExt cx="3657600" cy="833549"/>
+          </a:xfrm>
+        </p:grpSpPr>
+        <p:sp>
+          <p:nvSpPr>
+            <p:cNvPr id="4" name="Rounded Rectangle 3"/>
+            <p:cNvSpPr/>
+            <p:nvPr/>
+          </p:nvSpPr>
+          <p:spPr>
+            <a:xfrm>
+              <a:off x="1107831" y="1761329"/>
+              <a:ext cx="3657600" cy="833549"/>
+            </a:xfrm>
+            <a:prstGeom prst="roundRect">
+              <a:avLst/>
+            </a:prstGeom>
+            <a:effectLst>
+              <a:outerShdw blurRad="50800" dist="38100" dir="2700000" algn="tl" rotWithShape="0">
+                <a:prstClr val="black">
+                  <a:alpha val="40000"/>
+                </a:prstClr>
+              </a:outerShdw>
+            </a:effectLst>
+          </p:spPr>
+          <p:style>
+            <a:lnRef idx="1">
+              <a:schemeClr val="accent1"/>
+            </a:lnRef>
+            <a:fillRef idx="2">
+              <a:schemeClr val="accent1"/>
+            </a:fillRef>
+            <a:effectRef idx="1">
+              <a:schemeClr val="accent1"/>
+            </a:effectRef>
+            <a:fontRef idx="minor">
+              <a:schemeClr val="dk1"/>
+            </a:fontRef>
+          </p:style>
+          <p:txBody>
+            <a:bodyPr rtlCol="0" anchor="ctr"/>
+            <a:lstStyle/>
+            <a:p>
+              <a:pPr algn="ctr"/>
+              <a:endParaRPr lang="en-GB"/>
+            </a:p>
+          </p:txBody>
+        </p:sp>
+        <p:sp>
+          <p:nvSpPr>
+            <p:cNvPr id="17" name="TextBox 16"/>
+            <p:cNvSpPr txBox="1"/>
+            <p:nvPr/>
+          </p:nvSpPr>
+          <p:spPr>
+            <a:xfrm>
+              <a:off x="1412631" y="1947271"/>
+              <a:ext cx="3048000" cy="461665"/>
+            </a:xfrm>
+            <a:prstGeom prst="rect">
+              <a:avLst/>
+            </a:prstGeom>
+            <a:noFill/>
+          </p:spPr>
+          <p:txBody>
+            <a:bodyPr wrap="square" rtlCol="0">
+              <a:spAutoFit/>
+            </a:bodyPr>
+            <a:lstStyle/>
+            <a:p>
+              <a:pPr algn="ctr"/>
+              <a:r>
+                <a:rPr lang="en-GB" sz="2400" b="1" dirty="0" smtClean="0"/>
+                <a:t>Latent variable</a:t>
+              </a:r>
+            </a:p>
+          </p:txBody>
+        </p:sp>
+      </p:grpSp>
+      <p:grpSp>
+        <p:nvGrpSpPr>
+          <p:cNvPr id="26" name="Group 25"/>
+          <p:cNvGrpSpPr/>
+          <p:nvPr/>
+        </p:nvGrpSpPr>
+        <p:grpSpPr>
+          <a:xfrm>
+            <a:off x="7391400" y="1690688"/>
+            <a:ext cx="3657600" cy="833549"/>
+            <a:chOff x="7124700" y="1715987"/>
+            <a:chExt cx="3657600" cy="833549"/>
+          </a:xfrm>
+        </p:grpSpPr>
+        <p:sp>
+          <p:nvSpPr>
+            <p:cNvPr id="21" name="Rounded Rectangle 20"/>
+            <p:cNvSpPr/>
+            <p:nvPr/>
+          </p:nvSpPr>
+          <p:spPr>
+            <a:xfrm>
+              <a:off x="7124700" y="1715987"/>
+              <a:ext cx="3657600" cy="833549"/>
+            </a:xfrm>
+            <a:prstGeom prst="roundRect">
+              <a:avLst/>
+            </a:prstGeom>
+            <a:effectLst>
+              <a:outerShdw blurRad="50800" dist="38100" dir="2700000" algn="tl" rotWithShape="0">
+                <a:prstClr val="black">
+                  <a:alpha val="40000"/>
+                </a:prstClr>
+              </a:outerShdw>
+            </a:effectLst>
+          </p:spPr>
+          <p:style>
+            <a:lnRef idx="1">
+              <a:schemeClr val="accent1"/>
+            </a:lnRef>
+            <a:fillRef idx="2">
+              <a:schemeClr val="accent1"/>
+            </a:fillRef>
+            <a:effectRef idx="1">
+              <a:schemeClr val="accent1"/>
+            </a:effectRef>
+            <a:fontRef idx="minor">
+              <a:schemeClr val="dk1"/>
+            </a:fontRef>
+          </p:style>
+          <p:txBody>
+            <a:bodyPr rtlCol="0" anchor="ctr"/>
+            <a:lstStyle/>
+            <a:p>
+              <a:pPr algn="ctr"/>
+              <a:endParaRPr lang="en-GB"/>
+            </a:p>
+          </p:txBody>
+        </p:sp>
+        <p:sp>
+          <p:nvSpPr>
+            <p:cNvPr id="11" name="TextBox 10"/>
+            <p:cNvSpPr txBox="1"/>
+            <p:nvPr/>
+          </p:nvSpPr>
+          <p:spPr>
+            <a:xfrm>
+              <a:off x="7429500" y="1809596"/>
+              <a:ext cx="3048000" cy="646331"/>
+            </a:xfrm>
+            <a:prstGeom prst="rect">
+              <a:avLst/>
+            </a:prstGeom>
+            <a:noFill/>
+          </p:spPr>
+          <p:txBody>
+            <a:bodyPr wrap="square" rtlCol="0">
+              <a:spAutoFit/>
+            </a:bodyPr>
+            <a:lstStyle/>
+            <a:p>
+              <a:pPr algn="ctr"/>
+              <a:r>
+                <a:rPr lang="en-GB" b="1" dirty="0" smtClean="0"/>
+                <a:t>Endorsement of usual laundry product</a:t>
+              </a:r>
+              <a:endParaRPr lang="en-GB" b="1" dirty="0"/>
+            </a:p>
+          </p:txBody>
+        </p:sp>
+      </p:grpSp>
+      <p:cxnSp>
+        <p:nvCxnSpPr>
+          <p:cNvPr id="31" name="Straight Arrow Connector 30"/>
+          <p:cNvCxnSpPr/>
+          <p:nvPr/>
+        </p:nvCxnSpPr>
+        <p:spPr>
+          <a:xfrm>
+            <a:off x="5138313" y="2178103"/>
+            <a:ext cx="1934308" cy="0"/>
+          </a:xfrm>
+          <a:prstGeom prst="straightConnector1">
             <a:avLst/>
           </a:prstGeom>
-          <a:noFill/>
+          <a:ln w="57150">
+            <a:solidFill>
+              <a:schemeClr val="tx1"/>
+            </a:solidFill>
+            <a:tailEnd type="triangle"/>
+          </a:ln>
         </p:spPr>
-        <p:txBody>
-          <a:bodyPr wrap="square" rtlCol="0">
-            <a:spAutoFit/>
-          </a:bodyPr>
-          <a:lstStyle/>
-          <a:p>
-            <a:r>
-              <a:rPr lang="en-GB" sz="2400" dirty="0" smtClean="0"/>
-              <a:t>Rating Statements</a:t>
-            </a:r>
-            <a:endParaRPr lang="en-GB" sz="2400" dirty="0"/>
-          </a:p>
-        </p:txBody>
-      </p:sp>
+        <p:style>
+          <a:lnRef idx="1">
+            <a:schemeClr val="accent1"/>
+          </a:lnRef>
+          <a:fillRef idx="0">
+            <a:schemeClr val="accent1"/>
+          </a:fillRef>
+          <a:effectRef idx="0">
+            <a:schemeClr val="accent1"/>
+          </a:effectRef>
+          <a:fontRef idx="minor">
+            <a:schemeClr val="tx1"/>
+          </a:fontRef>
+        </p:style>
+      </p:cxnSp>
+      <p:cxnSp>
+        <p:nvCxnSpPr>
+          <p:cNvPr id="34" name="Straight Arrow Connector 33"/>
+          <p:cNvCxnSpPr/>
+          <p:nvPr/>
+        </p:nvCxnSpPr>
+        <p:spPr>
+          <a:xfrm>
+            <a:off x="5138313" y="3788146"/>
+            <a:ext cx="1934308" cy="0"/>
+          </a:xfrm>
+          <a:prstGeom prst="straightConnector1">
+            <a:avLst/>
+          </a:prstGeom>
+          <a:ln w="57150">
+            <a:solidFill>
+              <a:schemeClr val="tx1"/>
+            </a:solidFill>
+            <a:tailEnd type="triangle"/>
+          </a:ln>
+        </p:spPr>
+        <p:style>
+          <a:lnRef idx="1">
+            <a:schemeClr val="accent1"/>
+          </a:lnRef>
+          <a:fillRef idx="0">
+            <a:schemeClr val="accent1"/>
+          </a:fillRef>
+          <a:effectRef idx="0">
+            <a:schemeClr val="accent1"/>
+          </a:effectRef>
+          <a:fontRef idx="minor">
+            <a:schemeClr val="tx1"/>
+          </a:fontRef>
+        </p:style>
+      </p:cxnSp>
+      <p:cxnSp>
+        <p:nvCxnSpPr>
+          <p:cNvPr id="35" name="Straight Arrow Connector 34"/>
+          <p:cNvCxnSpPr/>
+          <p:nvPr/>
+        </p:nvCxnSpPr>
+        <p:spPr>
+          <a:xfrm>
+            <a:off x="5138313" y="5481790"/>
+            <a:ext cx="1934308" cy="0"/>
+          </a:xfrm>
+          <a:prstGeom prst="straightConnector1">
+            <a:avLst/>
+          </a:prstGeom>
+          <a:ln w="57150">
+            <a:solidFill>
+              <a:schemeClr val="tx1"/>
+            </a:solidFill>
+            <a:tailEnd type="triangle"/>
+          </a:ln>
+        </p:spPr>
+        <p:style>
+          <a:lnRef idx="1">
+            <a:schemeClr val="accent1"/>
+          </a:lnRef>
+          <a:fillRef idx="0">
+            <a:schemeClr val="accent1"/>
+          </a:fillRef>
+          <a:effectRef idx="0">
+            <a:schemeClr val="accent1"/>
+          </a:effectRef>
+          <a:fontRef idx="minor">
+            <a:schemeClr val="tx1"/>
+          </a:fontRef>
+        </p:style>
+      </p:cxnSp>
     </p:spTree>
     <p:extLst>
       <p:ext uri="{BB962C8B-B14F-4D97-AF65-F5344CB8AC3E}">
-        <p14:creationId xmlns:p14="http://schemas.microsoft.com/office/powerpoint/2010/main" val="3923112814"/>
+        <p14:creationId xmlns:p14="http://schemas.microsoft.com/office/powerpoint/2010/main" val="1459852578"/>
       </p:ext>
     </p:extLst>
   </p:cSld>
@@ -16883,7 +16934,7 @@
       </p:grpSpPr>
       <p:pic>
         <p:nvPicPr>
-          <p:cNvPr id="5" name="Picture 4" descr="Agree  and disagree illustration Premium Vector"/>
+          <p:cNvPr id="2050" name="Picture 2" descr="Business people in organization office and freelance job character. Premium Vector"/>
           <p:cNvPicPr>
             <a:picLocks noChangeAspect="1" noChangeArrowheads="1"/>
           </p:cNvPicPr>
@@ -16904,49 +16955,8 @@
         </p:blipFill>
         <p:spPr bwMode="auto">
           <a:xfrm>
-            <a:off x="6781801" y="2028957"/>
-            <a:ext cx="4071856" cy="2888030"/>
-          </a:xfrm>
-          <a:prstGeom prst="rect">
-            <a:avLst/>
-          </a:prstGeom>
-          <a:noFill/>
-          <a:extLst>
-            <a:ext uri="{909E8E84-426E-40DD-AFC4-6F175D3DCCD1}">
-              <a14:hiddenFill xmlns:a14="http://schemas.microsoft.com/office/drawing/2010/main">
-                <a:solidFill>
-                  <a:srgbClr val="FFFFFF"/>
-                </a:solidFill>
-              </a14:hiddenFill>
-            </a:ext>
-          </a:extLst>
-        </p:spPr>
-      </p:pic>
-      <p:pic>
-        <p:nvPicPr>
-          <p:cNvPr id="1026" name="Picture 2" descr="Mark poor: evaluation form and pencil Premium Photo"/>
-          <p:cNvPicPr>
-            <a:picLocks noChangeAspect="1" noChangeArrowheads="1"/>
-          </p:cNvPicPr>
-          <p:nvPr/>
-        </p:nvPicPr>
-        <p:blipFill>
-          <a:blip r:embed="rId4">
-            <a:extLst>
-              <a:ext uri="{28A0092B-C50C-407E-A947-70E740481C1C}">
-                <a14:useLocalDpi xmlns:a14="http://schemas.microsoft.com/office/drawing/2010/main" val="0"/>
-              </a:ext>
-            </a:extLst>
-          </a:blip>
-          <a:srcRect/>
-          <a:stretch>
-            <a:fillRect/>
-          </a:stretch>
-        </p:blipFill>
-        <p:spPr bwMode="auto">
-          <a:xfrm>
-            <a:off x="774700" y="1686558"/>
-            <a:ext cx="4768850" cy="3572829"/>
+            <a:off x="4455757" y="1930270"/>
+            <a:ext cx="3224212" cy="3224212"/>
           </a:xfrm>
           <a:prstGeom prst="rect">
             <a:avLst/>
@@ -16965,14 +16975,14 @@
       </p:pic>
       <p:sp>
         <p:nvSpPr>
-          <p:cNvPr id="2" name="TextBox 1"/>
+          <p:cNvPr id="8" name="TextBox 7"/>
           <p:cNvSpPr txBox="1"/>
           <p:nvPr/>
         </p:nvSpPr>
         <p:spPr>
           <a:xfrm>
-            <a:off x="1879600" y="960732"/>
-            <a:ext cx="4216400" cy="461665"/>
+            <a:off x="4759763" y="759365"/>
+            <a:ext cx="2616200" cy="461665"/>
           </a:xfrm>
           <a:prstGeom prst="rect">
             <a:avLst/>
@@ -16985,48 +16995,19 @@
           </a:bodyPr>
           <a:lstStyle/>
           <a:p>
-            <a:r>
-              <a:rPr lang="en-GB" sz="2400" dirty="0" smtClean="0"/>
-              <a:t>Rating Statements</a:t>
-            </a:r>
-            <a:endParaRPr lang="en-GB" sz="2400" dirty="0"/>
-          </a:p>
-        </p:txBody>
-      </p:sp>
-      <p:sp>
-        <p:nvSpPr>
-          <p:cNvPr id="6" name="TextBox 5"/>
-          <p:cNvSpPr txBox="1"/>
-          <p:nvPr/>
-        </p:nvSpPr>
-        <p:spPr>
-          <a:xfrm>
-            <a:off x="7505700" y="960731"/>
-            <a:ext cx="4216400" cy="461665"/>
-          </a:xfrm>
-          <a:prstGeom prst="rect">
-            <a:avLst/>
-          </a:prstGeom>
-          <a:noFill/>
-        </p:spPr>
-        <p:txBody>
-          <a:bodyPr wrap="square" rtlCol="0">
-            <a:spAutoFit/>
-          </a:bodyPr>
-          <a:lstStyle/>
-          <a:p>
-            <a:r>
-              <a:rPr lang="en-GB" sz="2400" dirty="0" smtClean="0"/>
-              <a:t>Agreement Statements</a:t>
-            </a:r>
-            <a:endParaRPr lang="en-GB" sz="2400" dirty="0"/>
+            <a:pPr algn="ctr"/>
+            <a:r>
+              <a:rPr lang="en-GB" sz="2400" b="1" dirty="0" smtClean="0"/>
+              <a:t>999 participants</a:t>
+            </a:r>
+            <a:endParaRPr lang="en-GB" sz="2400" b="1" dirty="0"/>
           </a:p>
         </p:txBody>
       </p:sp>
     </p:spTree>
     <p:extLst>
       <p:ext uri="{BB962C8B-B14F-4D97-AF65-F5344CB8AC3E}">
-        <p14:creationId xmlns:p14="http://schemas.microsoft.com/office/powerpoint/2010/main" val="1391510975"/>
+        <p14:creationId xmlns:p14="http://schemas.microsoft.com/office/powerpoint/2010/main" val="3110508220"/>
       </p:ext>
     </p:extLst>
   </p:cSld>
